--- a/Tony新人報告.pptx
+++ b/Tony新人報告.pptx
@@ -5,7 +5,7 @@
     <p:sldMasterId id="2147483648" r:id="rId1"/>
   </p:sldMasterIdLst>
   <p:notesMasterIdLst>
-    <p:notesMasterId r:id="rId41"/>
+    <p:notesMasterId r:id="rId25"/>
   </p:notesMasterIdLst>
   <p:sldIdLst>
     <p:sldId id="256" r:id="rId2"/>
@@ -25,28 +25,12 @@
     <p:sldId id="387" r:id="rId16"/>
     <p:sldId id="388" r:id="rId17"/>
     <p:sldId id="355" r:id="rId18"/>
-    <p:sldId id="365" r:id="rId19"/>
-    <p:sldId id="389" r:id="rId20"/>
-    <p:sldId id="390" r:id="rId21"/>
-    <p:sldId id="391" r:id="rId22"/>
-    <p:sldId id="392" r:id="rId23"/>
-    <p:sldId id="393" r:id="rId24"/>
-    <p:sldId id="394" r:id="rId25"/>
-    <p:sldId id="395" r:id="rId26"/>
-    <p:sldId id="396" r:id="rId27"/>
-    <p:sldId id="397" r:id="rId28"/>
-    <p:sldId id="398" r:id="rId29"/>
-    <p:sldId id="401" r:id="rId30"/>
-    <p:sldId id="400" r:id="rId31"/>
-    <p:sldId id="325" r:id="rId32"/>
-    <p:sldId id="375" r:id="rId33"/>
-    <p:sldId id="376" r:id="rId34"/>
-    <p:sldId id="371" r:id="rId35"/>
-    <p:sldId id="402" r:id="rId36"/>
-    <p:sldId id="399" r:id="rId37"/>
-    <p:sldId id="403" r:id="rId38"/>
-    <p:sldId id="404" r:id="rId39"/>
-    <p:sldId id="368" r:id="rId40"/>
+    <p:sldId id="325" r:id="rId19"/>
+    <p:sldId id="375" r:id="rId20"/>
+    <p:sldId id="376" r:id="rId21"/>
+    <p:sldId id="371" r:id="rId22"/>
+    <p:sldId id="402" r:id="rId23"/>
+    <p:sldId id="368" r:id="rId24"/>
   </p:sldIdLst>
   <p:sldSz cx="9144000" cy="5143500" type="screen16x9"/>
   <p:notesSz cx="6807200" cy="9939338"/>
@@ -261,7 +245,7 @@
           <a:p>
             <a:fld id="{C02AF4F5-754A-43B1-89D4-C3F25D6DB019}" type="datetimeFigureOut">
               <a:rPr lang="zh-TW" altLang="en-US" smtClean="0"/>
-              <a:t>2021/7/14</a:t>
+              <a:t>2021/7/15</a:t>
             </a:fld>
             <a:endParaRPr lang="zh-TW" altLang="en-US"/>
           </a:p>
@@ -673,832 +657,7 @@
               <a:tabLst/>
               <a:defRPr/>
             </a:pPr>
-            <a:r>
-              <a:rPr lang="en-US" altLang="zh-TW" dirty="0"/>
-              <a:t>[</a:t>
-            </a:r>
-            <a:r>
-              <a:rPr lang="zh-TW" altLang="en-US" dirty="0"/>
-              <a:t>信用卡</a:t>
-            </a:r>
-            <a:r>
-              <a:rPr lang="en-US" altLang="zh-TW" dirty="0"/>
-              <a:t>]ACO : </a:t>
-            </a:r>
-            <a:r>
-              <a:rPr lang="zh-TW" altLang="en-US" dirty="0"/>
-              <a:t>雙幣歷史帳單明細查詢、雙幣歷史帳單查詢</a:t>
-            </a:r>
-          </a:p>
-          <a:p>
-            <a:pPr marL="0" marR="0" lvl="0" indent="0" algn="l" defTabSz="914400" rtl="0" eaLnBrk="1" fontAlgn="auto" latinLnBrk="0" hangingPunct="1">
-              <a:lnSpc>
-                <a:spcPct val="100000"/>
-              </a:lnSpc>
-              <a:spcBef>
-                <a:spcPts val="0"/>
-              </a:spcBef>
-              <a:spcAft>
-                <a:spcPts val="0"/>
-              </a:spcAft>
-              <a:buClrTx/>
-              <a:buSzTx/>
-              <a:buFontTx/>
-              <a:buNone/>
-              <a:tabLst/>
-              <a:defRPr/>
-            </a:pPr>
-            <a:r>
-              <a:rPr lang="en-US" altLang="zh-TW" dirty="0"/>
-              <a:t>[</a:t>
-            </a:r>
-            <a:r>
-              <a:rPr lang="zh-TW" altLang="en-US" dirty="0"/>
-              <a:t>保險</a:t>
-            </a:r>
-            <a:r>
-              <a:rPr lang="en-US" altLang="zh-TW" dirty="0"/>
-              <a:t>]BMS : </a:t>
-            </a:r>
-            <a:r>
-              <a:rPr lang="zh-TW" altLang="en-US" dirty="0"/>
-              <a:t>查詢客戶買的保險商品、壽險</a:t>
-            </a:r>
-          </a:p>
-          <a:p>
-            <a:pPr marL="0" marR="0" lvl="0" indent="0" algn="l" defTabSz="914400" rtl="0" eaLnBrk="1" fontAlgn="auto" latinLnBrk="0" hangingPunct="1">
-              <a:lnSpc>
-                <a:spcPct val="100000"/>
-              </a:lnSpc>
-              <a:spcBef>
-                <a:spcPts val="0"/>
-              </a:spcBef>
-              <a:spcAft>
-                <a:spcPts val="0"/>
-              </a:spcAft>
-              <a:buClrTx/>
-              <a:buSzTx/>
-              <a:buFontTx/>
-              <a:buNone/>
-              <a:tabLst/>
-              <a:defRPr/>
-            </a:pPr>
-            <a:r>
-              <a:rPr lang="en-US" altLang="zh-TW" dirty="0"/>
-              <a:t>[</a:t>
-            </a:r>
-            <a:r>
-              <a:rPr lang="zh-TW" altLang="en-US" dirty="0"/>
-              <a:t>台幣</a:t>
-            </a:r>
-            <a:r>
-              <a:rPr lang="en-US" altLang="zh-TW" dirty="0"/>
-              <a:t>]BOS : </a:t>
-            </a:r>
-            <a:r>
-              <a:rPr lang="zh-TW" altLang="en-US" dirty="0"/>
-              <a:t>預約轉帳</a:t>
-            </a:r>
-          </a:p>
-          <a:p>
-            <a:pPr marL="0" marR="0" lvl="0" indent="0" algn="l" defTabSz="914400" rtl="0" eaLnBrk="1" fontAlgn="auto" latinLnBrk="0" hangingPunct="1">
-              <a:lnSpc>
-                <a:spcPct val="100000"/>
-              </a:lnSpc>
-              <a:spcBef>
-                <a:spcPts val="0"/>
-              </a:spcBef>
-              <a:spcAft>
-                <a:spcPts val="0"/>
-              </a:spcAft>
-              <a:buClrTx/>
-              <a:buSzTx/>
-              <a:buFontTx/>
-              <a:buNone/>
-              <a:tabLst/>
-              <a:defRPr/>
-            </a:pPr>
-            <a:r>
-              <a:rPr lang="en-US" altLang="zh-TW" dirty="0"/>
-              <a:t>[</a:t>
-            </a:r>
-            <a:r>
-              <a:rPr lang="zh-TW" altLang="en-US" dirty="0"/>
-              <a:t>台幣</a:t>
-            </a:r>
-            <a:r>
-              <a:rPr lang="en-US" altLang="zh-TW" dirty="0"/>
-              <a:t>]BNS : </a:t>
-            </a:r>
-            <a:r>
-              <a:rPr lang="zh-TW" altLang="en-US" dirty="0"/>
-              <a:t>台幣交易明細、貸款</a:t>
-            </a:r>
-          </a:p>
-          <a:p>
-            <a:pPr marL="0" marR="0" lvl="0" indent="0" algn="l" defTabSz="914400" rtl="0" eaLnBrk="1" fontAlgn="auto" latinLnBrk="0" hangingPunct="1">
-              <a:lnSpc>
-                <a:spcPct val="100000"/>
-              </a:lnSpc>
-              <a:spcBef>
-                <a:spcPts val="0"/>
-              </a:spcBef>
-              <a:spcAft>
-                <a:spcPts val="0"/>
-              </a:spcAft>
-              <a:buClrTx/>
-              <a:buSzTx/>
-              <a:buFontTx/>
-              <a:buNone/>
-              <a:tabLst/>
-              <a:defRPr/>
-            </a:pPr>
-            <a:r>
-              <a:rPr lang="en-US" altLang="zh-TW" dirty="0"/>
-              <a:t>[</a:t>
-            </a:r>
-            <a:r>
-              <a:rPr lang="zh-TW" altLang="en-US" dirty="0"/>
-              <a:t>信用卡</a:t>
-            </a:r>
-            <a:r>
-              <a:rPr lang="en-US" altLang="zh-TW" dirty="0"/>
-              <a:t>]CRD : </a:t>
-            </a:r>
-            <a:r>
-              <a:rPr lang="zh-TW" altLang="en-US" dirty="0"/>
-              <a:t>信用卡帳單分期、分期設定</a:t>
-            </a:r>
-          </a:p>
-          <a:p>
-            <a:pPr marL="0" marR="0" lvl="0" indent="0" algn="l" defTabSz="914400" rtl="0" eaLnBrk="1" fontAlgn="auto" latinLnBrk="0" hangingPunct="1">
-              <a:lnSpc>
-                <a:spcPct val="100000"/>
-              </a:lnSpc>
-              <a:spcBef>
-                <a:spcPts val="0"/>
-              </a:spcBef>
-              <a:spcAft>
-                <a:spcPts val="0"/>
-              </a:spcAft>
-              <a:buClrTx/>
-              <a:buSzTx/>
-              <a:buFontTx/>
-              <a:buNone/>
-              <a:tabLst/>
-              <a:defRPr/>
-            </a:pPr>
-            <a:r>
-              <a:rPr lang="en-US" altLang="zh-TW" dirty="0"/>
-              <a:t>[</a:t>
-            </a:r>
-            <a:r>
-              <a:rPr lang="zh-TW" altLang="en-US" dirty="0"/>
-              <a:t>信用卡</a:t>
-            </a:r>
-            <a:r>
-              <a:rPr lang="en-US" altLang="zh-TW" dirty="0"/>
-              <a:t>]CARD_MAIN : </a:t>
-            </a:r>
-            <a:r>
-              <a:rPr lang="zh-TW" altLang="en-US" dirty="0"/>
-              <a:t>預借現金</a:t>
-            </a:r>
-            <a:r>
-              <a:rPr lang="en-US" altLang="zh-TW" dirty="0"/>
-              <a:t>/</a:t>
-            </a:r>
-            <a:r>
-              <a:rPr lang="zh-TW" altLang="en-US" dirty="0"/>
-              <a:t>分期、帳務查詢</a:t>
-            </a:r>
-          </a:p>
-          <a:p>
-            <a:pPr marL="0" marR="0" lvl="0" indent="0" algn="l" defTabSz="914400" rtl="0" eaLnBrk="1" fontAlgn="auto" latinLnBrk="0" hangingPunct="1">
-              <a:lnSpc>
-                <a:spcPct val="100000"/>
-              </a:lnSpc>
-              <a:spcBef>
-                <a:spcPts val="0"/>
-              </a:spcBef>
-              <a:spcAft>
-                <a:spcPts val="0"/>
-              </a:spcAft>
-              <a:buClrTx/>
-              <a:buSzTx/>
-              <a:buFontTx/>
-              <a:buNone/>
-              <a:tabLst/>
-              <a:defRPr/>
-            </a:pPr>
-            <a:r>
-              <a:rPr lang="en-US" altLang="zh-TW" dirty="0"/>
-              <a:t>[</a:t>
-            </a:r>
-            <a:r>
-              <a:rPr lang="zh-TW" altLang="en-US" dirty="0"/>
-              <a:t>信用卡</a:t>
-            </a:r>
-            <a:r>
-              <a:rPr lang="en-US" altLang="zh-TW" dirty="0"/>
-              <a:t>]CARD_OUTER : </a:t>
-            </a:r>
-            <a:r>
-              <a:rPr lang="zh-TW" altLang="en-US" dirty="0"/>
-              <a:t>取得信用卡資料</a:t>
-            </a:r>
-          </a:p>
-          <a:p>
-            <a:pPr marL="0" marR="0" lvl="0" indent="0" algn="l" defTabSz="914400" rtl="0" eaLnBrk="1" fontAlgn="auto" latinLnBrk="0" hangingPunct="1">
-              <a:lnSpc>
-                <a:spcPct val="100000"/>
-              </a:lnSpc>
-              <a:spcBef>
-                <a:spcPts val="0"/>
-              </a:spcBef>
-              <a:spcAft>
-                <a:spcPts val="0"/>
-              </a:spcAft>
-              <a:buClrTx/>
-              <a:buSzTx/>
-              <a:buFontTx/>
-              <a:buNone/>
-              <a:tabLst/>
-              <a:defRPr/>
-            </a:pPr>
-            <a:r>
-              <a:rPr lang="en-US" altLang="zh-TW" dirty="0"/>
-              <a:t>[</a:t>
-            </a:r>
-            <a:r>
-              <a:rPr lang="zh-TW" altLang="en-US" dirty="0"/>
-              <a:t>信用卡</a:t>
-            </a:r>
-            <a:r>
-              <a:rPr lang="en-US" altLang="zh-TW" dirty="0"/>
-              <a:t>]CCP(</a:t>
-            </a:r>
-            <a:r>
-              <a:rPr lang="zh-TW" altLang="en-US" dirty="0"/>
-              <a:t>信用卡紅利</a:t>
-            </a:r>
-            <a:r>
-              <a:rPr lang="en-US" altLang="zh-TW" dirty="0"/>
-              <a:t>) : </a:t>
-            </a:r>
-            <a:r>
-              <a:rPr lang="zh-TW" altLang="en-US" dirty="0"/>
-              <a:t>回饋專區、帳務查詢</a:t>
-            </a:r>
-          </a:p>
-          <a:p>
-            <a:pPr marL="0" marR="0" lvl="0" indent="0" algn="l" defTabSz="914400" rtl="0" eaLnBrk="1" fontAlgn="auto" latinLnBrk="0" hangingPunct="1">
-              <a:lnSpc>
-                <a:spcPct val="100000"/>
-              </a:lnSpc>
-              <a:spcBef>
-                <a:spcPts val="0"/>
-              </a:spcBef>
-              <a:spcAft>
-                <a:spcPts val="0"/>
-              </a:spcAft>
-              <a:buClrTx/>
-              <a:buSzTx/>
-              <a:buFontTx/>
-              <a:buNone/>
-              <a:tabLst/>
-              <a:defRPr/>
-            </a:pPr>
-            <a:r>
-              <a:rPr lang="en-US" altLang="zh-TW" dirty="0"/>
-              <a:t>[</a:t>
-            </a:r>
-            <a:r>
-              <a:rPr lang="zh-TW" altLang="en-US" dirty="0"/>
-              <a:t>信用卡</a:t>
-            </a:r>
-            <a:r>
-              <a:rPr lang="en-US" altLang="zh-TW" dirty="0"/>
-              <a:t>]CRD : </a:t>
-            </a:r>
-            <a:r>
-              <a:rPr lang="zh-TW" altLang="en-US" dirty="0"/>
-              <a:t>帳單分期查詢、帳單分期設定</a:t>
-            </a:r>
-          </a:p>
-          <a:p>
-            <a:pPr marL="0" marR="0" lvl="0" indent="0" algn="l" defTabSz="914400" rtl="0" eaLnBrk="1" fontAlgn="auto" latinLnBrk="0" hangingPunct="1">
-              <a:lnSpc>
-                <a:spcPct val="100000"/>
-              </a:lnSpc>
-              <a:spcBef>
-                <a:spcPts val="0"/>
-              </a:spcBef>
-              <a:spcAft>
-                <a:spcPts val="0"/>
-              </a:spcAft>
-              <a:buClrTx/>
-              <a:buSzTx/>
-              <a:buFontTx/>
-              <a:buNone/>
-              <a:tabLst/>
-              <a:defRPr/>
-            </a:pPr>
-            <a:r>
-              <a:rPr lang="en-US" altLang="zh-TW" dirty="0"/>
-              <a:t>[</a:t>
-            </a:r>
-            <a:r>
-              <a:rPr lang="zh-TW" altLang="en-US" dirty="0"/>
-              <a:t>基金</a:t>
-            </a:r>
-            <a:r>
-              <a:rPr lang="en-US" altLang="zh-TW" dirty="0"/>
-              <a:t>]ETF : </a:t>
-            </a:r>
-            <a:r>
-              <a:rPr lang="zh-TW" altLang="en-US" dirty="0"/>
-              <a:t>國外有價證券交易明細、取得</a:t>
-            </a:r>
-            <a:r>
-              <a:rPr lang="en-US" altLang="zh-TW" dirty="0"/>
-              <a:t>ETF</a:t>
-            </a:r>
-            <a:r>
-              <a:rPr lang="zh-TW" altLang="en-US" dirty="0"/>
-              <a:t>依信託帳號查詢</a:t>
-            </a:r>
-          </a:p>
-          <a:p>
-            <a:pPr marL="0" marR="0" lvl="0" indent="0" algn="l" defTabSz="914400" rtl="0" eaLnBrk="1" fontAlgn="auto" latinLnBrk="0" hangingPunct="1">
-              <a:lnSpc>
-                <a:spcPct val="100000"/>
-              </a:lnSpc>
-              <a:spcBef>
-                <a:spcPts val="0"/>
-              </a:spcBef>
-              <a:spcAft>
-                <a:spcPts val="0"/>
-              </a:spcAft>
-              <a:buClrTx/>
-              <a:buSzTx/>
-              <a:buFontTx/>
-              <a:buNone/>
-              <a:tabLst/>
-              <a:defRPr/>
-            </a:pPr>
-            <a:r>
-              <a:rPr lang="en-US" altLang="zh-TW" dirty="0"/>
-              <a:t>[</a:t>
-            </a:r>
-            <a:r>
-              <a:rPr lang="zh-TW" altLang="en-US" dirty="0"/>
-              <a:t>基金</a:t>
-            </a:r>
-            <a:r>
-              <a:rPr lang="en-US" altLang="zh-TW" dirty="0"/>
-              <a:t>]</a:t>
-            </a:r>
-            <a:r>
-              <a:rPr lang="en-US" altLang="zh-TW" dirty="0" err="1"/>
-              <a:t>ExETF</a:t>
-            </a:r>
-            <a:r>
-              <a:rPr lang="en-US" altLang="zh-TW" dirty="0"/>
-              <a:t> : </a:t>
-            </a:r>
-            <a:r>
-              <a:rPr lang="zh-TW" altLang="en-US" dirty="0"/>
-              <a:t>商品資料查詢、歷史交易查詢</a:t>
-            </a:r>
-          </a:p>
-          <a:p>
-            <a:pPr marL="0" marR="0" lvl="0" indent="0" algn="l" defTabSz="914400" rtl="0" eaLnBrk="1" fontAlgn="auto" latinLnBrk="0" hangingPunct="1">
-              <a:lnSpc>
-                <a:spcPct val="100000"/>
-              </a:lnSpc>
-              <a:spcBef>
-                <a:spcPts val="0"/>
-              </a:spcBef>
-              <a:spcAft>
-                <a:spcPts val="0"/>
-              </a:spcAft>
-              <a:buClrTx/>
-              <a:buSzTx/>
-              <a:buFontTx/>
-              <a:buNone/>
-              <a:tabLst/>
-              <a:defRPr/>
-            </a:pPr>
-            <a:r>
-              <a:rPr lang="en-US" altLang="zh-TW" dirty="0"/>
-              <a:t>[</a:t>
-            </a:r>
-            <a:r>
-              <a:rPr lang="zh-TW" altLang="en-US" dirty="0"/>
-              <a:t>台幣</a:t>
-            </a:r>
-            <a:r>
-              <a:rPr lang="en-US" altLang="zh-TW" dirty="0"/>
-              <a:t>]FNS : </a:t>
-            </a:r>
-            <a:r>
-              <a:rPr lang="zh-TW" altLang="en-US" dirty="0"/>
-              <a:t>定存、基金、台幣帳戶總攬</a:t>
-            </a:r>
-          </a:p>
-          <a:p>
-            <a:pPr marL="0" marR="0" lvl="0" indent="0" algn="l" defTabSz="914400" rtl="0" eaLnBrk="1" fontAlgn="auto" latinLnBrk="0" hangingPunct="1">
-              <a:lnSpc>
-                <a:spcPct val="100000"/>
-              </a:lnSpc>
-              <a:spcBef>
-                <a:spcPts val="0"/>
-              </a:spcBef>
-              <a:spcAft>
-                <a:spcPts val="0"/>
-              </a:spcAft>
-              <a:buClrTx/>
-              <a:buSzTx/>
-              <a:buFontTx/>
-              <a:buNone/>
-              <a:tabLst/>
-              <a:defRPr/>
-            </a:pPr>
-            <a:r>
-              <a:rPr lang="en-US" altLang="zh-TW" dirty="0"/>
-              <a:t>[</a:t>
-            </a:r>
-            <a:r>
-              <a:rPr lang="zh-TW" altLang="en-US" dirty="0"/>
-              <a:t>基金</a:t>
-            </a:r>
-            <a:r>
-              <a:rPr lang="en-US" altLang="zh-TW" dirty="0"/>
-              <a:t>]FUND : </a:t>
-            </a:r>
-            <a:r>
-              <a:rPr lang="zh-TW" altLang="en-US" dirty="0"/>
-              <a:t>取得基金、申購贖回</a:t>
-            </a:r>
-          </a:p>
-          <a:p>
-            <a:pPr marL="0" marR="0" lvl="0" indent="0" algn="l" defTabSz="914400" rtl="0" eaLnBrk="1" fontAlgn="auto" latinLnBrk="0" hangingPunct="1">
-              <a:lnSpc>
-                <a:spcPct val="100000"/>
-              </a:lnSpc>
-              <a:spcBef>
-                <a:spcPts val="0"/>
-              </a:spcBef>
-              <a:spcAft>
-                <a:spcPts val="0"/>
-              </a:spcAft>
-              <a:buClrTx/>
-              <a:buSzTx/>
-              <a:buFontTx/>
-              <a:buNone/>
-              <a:tabLst/>
-              <a:defRPr/>
-            </a:pPr>
-            <a:r>
-              <a:rPr lang="en-US" altLang="zh-TW" dirty="0"/>
-              <a:t>[</a:t>
-            </a:r>
-            <a:r>
-              <a:rPr lang="zh-TW" altLang="en-US" dirty="0"/>
-              <a:t>外幣</a:t>
-            </a:r>
-            <a:r>
-              <a:rPr lang="en-US" altLang="zh-TW" dirty="0"/>
-              <a:t>]FXS : </a:t>
-            </a:r>
-            <a:r>
-              <a:rPr lang="zh-TW" altLang="en-US" dirty="0"/>
-              <a:t>帳戶明細、電子存摺匯出</a:t>
-            </a:r>
-          </a:p>
-          <a:p>
-            <a:pPr marL="0" marR="0" lvl="0" indent="0" algn="l" defTabSz="914400" rtl="0" eaLnBrk="1" fontAlgn="auto" latinLnBrk="0" hangingPunct="1">
-              <a:lnSpc>
-                <a:spcPct val="100000"/>
-              </a:lnSpc>
-              <a:spcBef>
-                <a:spcPts val="0"/>
-              </a:spcBef>
-              <a:spcAft>
-                <a:spcPts val="0"/>
-              </a:spcAft>
-              <a:buClrTx/>
-              <a:buSzTx/>
-              <a:buFontTx/>
-              <a:buNone/>
-              <a:tabLst/>
-              <a:defRPr/>
-            </a:pPr>
-            <a:r>
-              <a:rPr lang="en-US" altLang="zh-TW" dirty="0"/>
-              <a:t>[</a:t>
-            </a:r>
-            <a:r>
-              <a:rPr lang="zh-TW" altLang="en-US" dirty="0"/>
-              <a:t>託收</a:t>
-            </a:r>
-            <a:r>
-              <a:rPr lang="en-US" altLang="zh-TW" dirty="0"/>
-              <a:t>]Har : </a:t>
-            </a:r>
-            <a:r>
-              <a:rPr lang="zh-TW" altLang="en-US" dirty="0"/>
-              <a:t>託收票據查詢</a:t>
-            </a:r>
-          </a:p>
-          <a:p>
-            <a:pPr marL="0" marR="0" lvl="0" indent="0" algn="l" defTabSz="914400" rtl="0" eaLnBrk="1" fontAlgn="auto" latinLnBrk="0" hangingPunct="1">
-              <a:lnSpc>
-                <a:spcPct val="100000"/>
-              </a:lnSpc>
-              <a:spcBef>
-                <a:spcPts val="0"/>
-              </a:spcBef>
-              <a:spcAft>
-                <a:spcPts val="0"/>
-              </a:spcAft>
-              <a:buClrTx/>
-              <a:buSzTx/>
-              <a:buFontTx/>
-              <a:buNone/>
-              <a:tabLst/>
-              <a:defRPr/>
-            </a:pPr>
-            <a:r>
-              <a:rPr lang="en-US" altLang="zh-TW" dirty="0"/>
-              <a:t>[</a:t>
-            </a:r>
-            <a:r>
-              <a:rPr lang="zh-TW" altLang="en-US" dirty="0"/>
-              <a:t>外幣</a:t>
-            </a:r>
-            <a:r>
-              <a:rPr lang="en-US" altLang="zh-TW" dirty="0"/>
-              <a:t>]IFX : </a:t>
-            </a:r>
-            <a:r>
-              <a:rPr lang="zh-TW" altLang="en-US" dirty="0"/>
-              <a:t>匯出交易試算、餘額查詢</a:t>
-            </a:r>
-          </a:p>
-          <a:p>
-            <a:pPr marL="0" marR="0" lvl="0" indent="0" algn="l" defTabSz="914400" rtl="0" eaLnBrk="1" fontAlgn="auto" latinLnBrk="0" hangingPunct="1">
-              <a:lnSpc>
-                <a:spcPct val="100000"/>
-              </a:lnSpc>
-              <a:spcBef>
-                <a:spcPts val="0"/>
-              </a:spcBef>
-              <a:spcAft>
-                <a:spcPts val="0"/>
-              </a:spcAft>
-              <a:buClrTx/>
-              <a:buSzTx/>
-              <a:buFontTx/>
-              <a:buNone/>
-              <a:tabLst/>
-              <a:defRPr/>
-            </a:pPr>
-            <a:r>
-              <a:rPr lang="en-US" altLang="zh-TW" dirty="0"/>
-              <a:t>[</a:t>
-            </a:r>
-            <a:r>
-              <a:rPr lang="zh-TW" altLang="en-US" dirty="0"/>
-              <a:t>基金</a:t>
-            </a:r>
-            <a:r>
-              <a:rPr lang="en-US" altLang="zh-TW" dirty="0"/>
-              <a:t>]IVP : </a:t>
-            </a:r>
-            <a:r>
-              <a:rPr lang="zh-TW" altLang="en-US" dirty="0"/>
-              <a:t>交易營業日、計算下單費用</a:t>
-            </a:r>
-          </a:p>
-          <a:p>
-            <a:pPr marL="0" marR="0" lvl="0" indent="0" algn="l" defTabSz="914400" rtl="0" eaLnBrk="1" fontAlgn="auto" latinLnBrk="0" hangingPunct="1">
-              <a:lnSpc>
-                <a:spcPct val="100000"/>
-              </a:lnSpc>
-              <a:spcBef>
-                <a:spcPts val="0"/>
-              </a:spcBef>
-              <a:spcAft>
-                <a:spcPts val="0"/>
-              </a:spcAft>
-              <a:buClrTx/>
-              <a:buSzTx/>
-              <a:buFontTx/>
-              <a:buNone/>
-              <a:tabLst/>
-              <a:defRPr/>
-            </a:pPr>
-            <a:r>
-              <a:rPr lang="en-US" altLang="zh-TW" dirty="0"/>
-              <a:t>[</a:t>
-            </a:r>
-            <a:r>
-              <a:rPr lang="zh-TW" altLang="en-US" dirty="0"/>
-              <a:t>保險</a:t>
-            </a:r>
-            <a:r>
-              <a:rPr lang="en-US" altLang="zh-TW" dirty="0"/>
-              <a:t>]MSP : </a:t>
-            </a:r>
-            <a:r>
-              <a:rPr lang="zh-TW" altLang="en-US" dirty="0"/>
-              <a:t>產險</a:t>
-            </a:r>
-            <a:r>
-              <a:rPr lang="en-US" altLang="zh-TW" dirty="0"/>
-              <a:t>/</a:t>
-            </a:r>
-            <a:r>
-              <a:rPr lang="zh-TW" altLang="en-US" dirty="0"/>
-              <a:t>人壽 </a:t>
-            </a:r>
-            <a:r>
-              <a:rPr lang="en-US" altLang="zh-TW" dirty="0"/>
-              <a:t>SSO </a:t>
-            </a:r>
-            <a:r>
-              <a:rPr lang="zh-TW" altLang="en-US" dirty="0"/>
-              <a:t>授權同意書</a:t>
-            </a:r>
-          </a:p>
-          <a:p>
-            <a:pPr marL="0" marR="0" lvl="0" indent="0" algn="l" defTabSz="914400" rtl="0" eaLnBrk="1" fontAlgn="auto" latinLnBrk="0" hangingPunct="1">
-              <a:lnSpc>
-                <a:spcPct val="100000"/>
-              </a:lnSpc>
-              <a:spcBef>
-                <a:spcPts val="0"/>
-              </a:spcBef>
-              <a:spcAft>
-                <a:spcPts val="0"/>
-              </a:spcAft>
-              <a:buClrTx/>
-              <a:buSzTx/>
-              <a:buFontTx/>
-              <a:buNone/>
-              <a:tabLst/>
-              <a:defRPr/>
-            </a:pPr>
-            <a:r>
-              <a:rPr lang="en-US" altLang="zh-TW" dirty="0"/>
-              <a:t>ODS : </a:t>
-            </a:r>
-            <a:r>
-              <a:rPr lang="zh-TW" altLang="en-US" dirty="0"/>
-              <a:t>貸款、證券、基金、信用卡</a:t>
-            </a:r>
-          </a:p>
-          <a:p>
-            <a:pPr marL="0" marR="0" lvl="0" indent="0" algn="l" defTabSz="914400" rtl="0" eaLnBrk="1" fontAlgn="auto" latinLnBrk="0" hangingPunct="1">
-              <a:lnSpc>
-                <a:spcPct val="100000"/>
-              </a:lnSpc>
-              <a:spcBef>
-                <a:spcPts val="0"/>
-              </a:spcBef>
-              <a:spcAft>
-                <a:spcPts val="0"/>
-              </a:spcAft>
-              <a:buClrTx/>
-              <a:buSzTx/>
-              <a:buFontTx/>
-              <a:buNone/>
-              <a:tabLst/>
-              <a:defRPr/>
-            </a:pPr>
-            <a:r>
-              <a:rPr lang="en-US" altLang="zh-TW" dirty="0"/>
-              <a:t>[</a:t>
-            </a:r>
-            <a:r>
-              <a:rPr lang="zh-TW" altLang="en-US" dirty="0"/>
-              <a:t>繳費</a:t>
-            </a:r>
-            <a:r>
-              <a:rPr lang="en-US" altLang="zh-TW" dirty="0"/>
-              <a:t>]OTHER : </a:t>
-            </a:r>
-            <a:r>
-              <a:rPr lang="zh-TW" altLang="en-US" dirty="0"/>
-              <a:t>繳費 自來水費、停車費</a:t>
-            </a:r>
-          </a:p>
-          <a:p>
-            <a:pPr marL="0" marR="0" lvl="0" indent="0" algn="l" defTabSz="914400" rtl="0" eaLnBrk="1" fontAlgn="auto" latinLnBrk="0" hangingPunct="1">
-              <a:lnSpc>
-                <a:spcPct val="100000"/>
-              </a:lnSpc>
-              <a:spcBef>
-                <a:spcPts val="0"/>
-              </a:spcBef>
-              <a:spcAft>
-                <a:spcPts val="0"/>
-              </a:spcAft>
-              <a:buClrTx/>
-              <a:buSzTx/>
-              <a:buFontTx/>
-              <a:buNone/>
-              <a:tabLst/>
-              <a:defRPr/>
-            </a:pPr>
-            <a:r>
-              <a:rPr lang="en-US" altLang="zh-TW" dirty="0"/>
-              <a:t>[</a:t>
-            </a:r>
-            <a:r>
-              <a:rPr lang="zh-TW" altLang="en-US" dirty="0"/>
-              <a:t>證卷</a:t>
-            </a:r>
-            <a:r>
-              <a:rPr lang="en-US" altLang="zh-TW" dirty="0"/>
-              <a:t>]SEC : </a:t>
-            </a:r>
-            <a:r>
-              <a:rPr lang="zh-TW" altLang="en-US" dirty="0"/>
-              <a:t>取得證券帳號、證券集保資訊</a:t>
-            </a:r>
-          </a:p>
-          <a:p>
-            <a:pPr marL="0" marR="0" lvl="0" indent="0" algn="l" defTabSz="914400" rtl="0" eaLnBrk="1" fontAlgn="auto" latinLnBrk="0" hangingPunct="1">
-              <a:lnSpc>
-                <a:spcPct val="100000"/>
-              </a:lnSpc>
-              <a:spcBef>
-                <a:spcPts val="0"/>
-              </a:spcBef>
-              <a:spcAft>
-                <a:spcPts val="0"/>
-              </a:spcAft>
-              <a:buClrTx/>
-              <a:buSzTx/>
-              <a:buFontTx/>
-              <a:buNone/>
-              <a:tabLst/>
-              <a:defRPr/>
-            </a:pPr>
-            <a:r>
-              <a:rPr lang="en-US" altLang="zh-TW" dirty="0"/>
-              <a:t>[</a:t>
-            </a:r>
-            <a:r>
-              <a:rPr lang="zh-TW" altLang="en-US" dirty="0"/>
-              <a:t>基金</a:t>
-            </a:r>
-            <a:r>
-              <a:rPr lang="en-US" altLang="zh-TW" dirty="0"/>
-              <a:t>]WMS : </a:t>
-            </a:r>
-            <a:r>
-              <a:rPr lang="zh-TW" altLang="en-US" dirty="0"/>
-              <a:t>取得理專資訊、判斷客戶單筆投資優惠</a:t>
-            </a:r>
-          </a:p>
-          <a:p>
-            <a:pPr marL="0" marR="0" lvl="0" indent="0" algn="l" defTabSz="914400" rtl="0" eaLnBrk="1" fontAlgn="auto" latinLnBrk="0" hangingPunct="1">
-              <a:lnSpc>
-                <a:spcPct val="100000"/>
-              </a:lnSpc>
-              <a:spcBef>
-                <a:spcPts val="0"/>
-              </a:spcBef>
-              <a:spcAft>
-                <a:spcPts val="0"/>
-              </a:spcAft>
-              <a:buClrTx/>
-              <a:buSzTx/>
-              <a:buFontTx/>
-              <a:buNone/>
-              <a:tabLst/>
-              <a:defRPr/>
-            </a:pPr>
-            <a:r>
-              <a:rPr lang="en-US" altLang="zh-TW" dirty="0"/>
-              <a:t>[</a:t>
-            </a:r>
-            <a:r>
-              <a:rPr lang="zh-TW" altLang="en-US" dirty="0"/>
-              <a:t>轉帳</a:t>
-            </a:r>
-            <a:r>
-              <a:rPr lang="en-US" altLang="zh-TW" dirty="0"/>
-              <a:t>]Xfer : </a:t>
-            </a:r>
-            <a:r>
-              <a:rPr lang="zh-TW" altLang="en-US" dirty="0"/>
-              <a:t>預約轉帳</a:t>
-            </a:r>
+            <a:endParaRPr lang="zh-TW" altLang="en-US" dirty="0"/>
           </a:p>
         </p:txBody>
       </p:sp>
@@ -1583,47 +742,9 @@
           <a:lstStyle/>
           <a:p>
             <a:r>
-              <a:rPr lang="en-US" altLang="zh-TW" b="1" dirty="0"/>
-              <a:t>BNS-C-TRNLIMITQ001</a:t>
-            </a:r>
-          </a:p>
-          <a:p>
-            <a:r>
-              <a:rPr lang="en-US" altLang="zh-TW" dirty="0" err="1"/>
-              <a:t>SameIdFlag</a:t>
-            </a:r>
-            <a:endParaRPr lang="en-US" altLang="zh-TW" dirty="0"/>
-          </a:p>
-          <a:p>
-            <a:r>
-              <a:rPr lang="en-US" altLang="zh-TW" dirty="0" err="1"/>
-              <a:t>NomFlag</a:t>
-            </a:r>
-            <a:endParaRPr lang="en-US" altLang="zh-TW" dirty="0"/>
-          </a:p>
-          <a:p>
-            <a:r>
-              <a:rPr lang="en-US" altLang="zh-TW" dirty="0" err="1"/>
-              <a:t>UnNomFlag</a:t>
-            </a:r>
-            <a:endParaRPr lang="en-US" altLang="zh-TW" dirty="0"/>
-          </a:p>
-          <a:p>
-            <a:r>
-              <a:rPr lang="en-US" altLang="zh-TW" dirty="0" err="1"/>
-              <a:t>ToAcctFlag</a:t>
-            </a:r>
-            <a:endParaRPr lang="en-US" altLang="zh-TW" dirty="0"/>
-          </a:p>
-          <a:p>
-            <a:r>
-              <a:rPr lang="en-US" altLang="zh-TW" dirty="0" err="1"/>
-              <a:t>TxnFlag</a:t>
-            </a:r>
-            <a:endParaRPr lang="en-US" altLang="zh-TW" dirty="0"/>
-          </a:p>
-          <a:p>
-            <a:endParaRPr lang="zh-TW" altLang="en-US" dirty="0"/>
+              <a:rPr lang="zh-TW" altLang="en-US" dirty="0"/>
+              <a:t>如果被盜用一個等於所有系統都可以使用</a:t>
+            </a:r>
           </a:p>
         </p:txBody>
       </p:sp>
@@ -1644,7 +765,7 @@
           <a:p>
             <a:fld id="{BAE9B577-CD31-4A37-AFF3-75A7A97468EB}" type="slidenum">
               <a:rPr lang="zh-TW" altLang="en-US" smtClean="0"/>
-              <a:t>18</a:t>
+              <a:t>19</a:t>
             </a:fld>
             <a:endParaRPr lang="zh-TW" altLang="en-US"/>
           </a:p>
@@ -1653,7 +774,7 @@
     </p:spTree>
     <p:extLst>
       <p:ext uri="{BB962C8B-B14F-4D97-AF65-F5344CB8AC3E}">
-        <p14:creationId xmlns:p14="http://schemas.microsoft.com/office/powerpoint/2010/main" val="334738111"/>
+        <p14:creationId xmlns:p14="http://schemas.microsoft.com/office/powerpoint/2010/main" val="3824271856"/>
       </p:ext>
     </p:extLst>
   </p:cSld>
@@ -1680,7 +801,138 @@
           <a:chExt cx="0" cy="0"/>
         </a:xfrm>
       </p:grpSpPr>
+      <p:sp>
+        <p:nvSpPr>
+          <p:cNvPr id="2" name="投影片圖像版面配置區 1"/>
+          <p:cNvSpPr>
+            <a:spLocks noGrp="1" noRot="1" noChangeAspect="1"/>
+          </p:cNvSpPr>
+          <p:nvPr>
+            <p:ph type="sldImg"/>
+          </p:nvPr>
+        </p:nvSpPr>
+        <p:spPr/>
+      </p:sp>
+      <p:sp>
+        <p:nvSpPr>
+          <p:cNvPr id="3" name="備忘稿版面配置區 2"/>
+          <p:cNvSpPr>
+            <a:spLocks noGrp="1"/>
+          </p:cNvSpPr>
+          <p:nvPr>
+            <p:ph type="body" idx="1"/>
+          </p:nvPr>
+        </p:nvSpPr>
+        <p:spPr/>
+        <p:txBody>
+          <a:bodyPr/>
+          <a:lstStyle/>
+          <a:p>
+            <a:pPr marL="0" marR="0" lvl="0" indent="0" algn="l" defTabSz="914400" rtl="0" eaLnBrk="1" fontAlgn="auto" latinLnBrk="0" hangingPunct="1">
+              <a:lnSpc>
+                <a:spcPct val="100000"/>
+              </a:lnSpc>
+              <a:spcBef>
+                <a:spcPts val="0"/>
+              </a:spcBef>
+              <a:spcAft>
+                <a:spcPts val="0"/>
+              </a:spcAft>
+              <a:buClrTx/>
+              <a:buSzTx/>
+              <a:buFontTx/>
+              <a:buNone/>
+              <a:tabLst/>
+              <a:defRPr/>
+            </a:pPr>
+            <a:r>
+              <a:rPr lang="zh-TW" altLang="en-US" dirty="0"/>
+              <a:t>國壽、產險</a:t>
+            </a:r>
+            <a:r>
+              <a:rPr lang="zh-TW" altLang="en-US" baseline="0" dirty="0"/>
+              <a:t> </a:t>
+            </a:r>
+            <a:r>
+              <a:rPr lang="en-US" altLang="zh-TW" baseline="0" dirty="0"/>
+              <a:t>=&gt;</a:t>
+            </a:r>
+            <a:r>
+              <a:rPr lang="zh-TW" altLang="en-US" baseline="0" dirty="0"/>
+              <a:t> </a:t>
+            </a:r>
+            <a:r>
+              <a:rPr lang="en-US" altLang="zh-TW" baseline="0" dirty="0"/>
+              <a:t>SSO</a:t>
+            </a:r>
+            <a:r>
+              <a:rPr lang="zh-TW" altLang="en-US" baseline="0" dirty="0"/>
+              <a:t> </a:t>
+            </a:r>
+            <a:r>
+              <a:rPr lang="en-US" altLang="zh-TW" baseline="0" dirty="0"/>
+              <a:t>Token</a:t>
+            </a:r>
+            <a:r>
+              <a:rPr lang="zh-TW" altLang="en-US" baseline="0" dirty="0"/>
+              <a:t> 來自於中台  </a:t>
+            </a:r>
+            <a:r>
+              <a:rPr lang="en-US" altLang="zh-TW" baseline="0" dirty="0"/>
+              <a:t>(</a:t>
+            </a:r>
+            <a:r>
+              <a:rPr lang="zh-TW" altLang="en-US" baseline="0" dirty="0"/>
+              <a:t>國壽跳轉頁 </a:t>
+            </a:r>
+            <a:r>
+              <a:rPr lang="en-US" altLang="zh-TW" sz="1200" kern="1200" dirty="0" err="1">
+                <a:solidFill>
+                  <a:schemeClr val="tx1"/>
+                </a:solidFill>
+                <a:latin typeface="+mn-lt"/>
+                <a:ea typeface="+mn-ea"/>
+                <a:cs typeface="+mn-cs"/>
+              </a:rPr>
+              <a:t>InsuranceSSORedirect</a:t>
+            </a:r>
+            <a:r>
+              <a:rPr lang="en-US" altLang="zh-TW" baseline="0" dirty="0"/>
+              <a:t>)</a:t>
+            </a:r>
+            <a:endParaRPr lang="en-US" altLang="zh-TW" dirty="0"/>
+          </a:p>
+        </p:txBody>
+      </p:sp>
+      <p:sp>
+        <p:nvSpPr>
+          <p:cNvPr id="4" name="投影片編號版面配置區 3"/>
+          <p:cNvSpPr>
+            <a:spLocks noGrp="1"/>
+          </p:cNvSpPr>
+          <p:nvPr>
+            <p:ph type="sldNum" sz="quarter" idx="10"/>
+          </p:nvPr>
+        </p:nvSpPr>
+        <p:spPr/>
+        <p:txBody>
+          <a:bodyPr/>
+          <a:lstStyle/>
+          <a:p>
+            <a:fld id="{BAE9B577-CD31-4A37-AFF3-75A7A97468EB}" type="slidenum">
+              <a:rPr lang="zh-TW" altLang="en-US" smtClean="0"/>
+              <a:t>20</a:t>
+            </a:fld>
+            <a:endParaRPr lang="zh-TW" altLang="en-US"/>
+          </a:p>
+        </p:txBody>
+      </p:sp>
     </p:spTree>
+    <p:extLst>
+      <p:ext uri="{BB962C8B-B14F-4D97-AF65-F5344CB8AC3E}">
+        <p14:creationId xmlns:p14="http://schemas.microsoft.com/office/powerpoint/2010/main" val="2417346566"/>
+      </p:ext>
+    </p:extLst>
   </p:cSld>
   <p:clrMapOvr>
     <a:masterClrMapping/>
@@ -1705,7 +957,76 @@
           <a:chExt cx="0" cy="0"/>
         </a:xfrm>
       </p:grpSpPr>
+      <p:sp>
+        <p:nvSpPr>
+          <p:cNvPr id="2" name="投影片圖像版面配置區 1"/>
+          <p:cNvSpPr>
+            <a:spLocks noGrp="1" noRot="1" noChangeAspect="1"/>
+          </p:cNvSpPr>
+          <p:nvPr>
+            <p:ph type="sldImg"/>
+          </p:nvPr>
+        </p:nvSpPr>
+        <p:spPr/>
+      </p:sp>
+      <p:sp>
+        <p:nvSpPr>
+          <p:cNvPr id="3" name="備忘稿版面配置區 2"/>
+          <p:cNvSpPr>
+            <a:spLocks noGrp="1"/>
+          </p:cNvSpPr>
+          <p:nvPr>
+            <p:ph type="body" idx="1"/>
+          </p:nvPr>
+        </p:nvSpPr>
+        <p:spPr/>
+        <p:txBody>
+          <a:bodyPr/>
+          <a:lstStyle/>
+          <a:p>
+            <a:r>
+              <a:rPr lang="zh-TW" altLang="en-US" dirty="0"/>
+              <a:t>綠色是</a:t>
+            </a:r>
+            <a:r>
+              <a:rPr lang="en-US" altLang="zh-TW" dirty="0"/>
+              <a:t>Controller</a:t>
+            </a:r>
+          </a:p>
+          <a:p>
+            <a:endParaRPr lang="zh-TW" altLang="en-US" dirty="0"/>
+          </a:p>
+        </p:txBody>
+      </p:sp>
+      <p:sp>
+        <p:nvSpPr>
+          <p:cNvPr id="4" name="投影片編號版面配置區 3"/>
+          <p:cNvSpPr>
+            <a:spLocks noGrp="1"/>
+          </p:cNvSpPr>
+          <p:nvPr>
+            <p:ph type="sldNum" sz="quarter" idx="10"/>
+          </p:nvPr>
+        </p:nvSpPr>
+        <p:spPr/>
+        <p:txBody>
+          <a:bodyPr/>
+          <a:lstStyle/>
+          <a:p>
+            <a:fld id="{BAE9B577-CD31-4A37-AFF3-75A7A97468EB}" type="slidenum">
+              <a:rPr lang="zh-TW" altLang="en-US" smtClean="0"/>
+              <a:t>21</a:t>
+            </a:fld>
+            <a:endParaRPr lang="zh-TW" altLang="en-US"/>
+          </a:p>
+        </p:txBody>
+      </p:sp>
     </p:spTree>
+    <p:extLst>
+      <p:ext uri="{BB962C8B-B14F-4D97-AF65-F5344CB8AC3E}">
+        <p14:creationId xmlns:p14="http://schemas.microsoft.com/office/powerpoint/2010/main" val="79165900"/>
+      </p:ext>
+    </p:extLst>
   </p:cSld>
   <p:clrMapOvr>
     <a:masterClrMapping/>
@@ -1730,40 +1051,21 @@
           <a:chExt cx="0" cy="0"/>
         </a:xfrm>
       </p:grpSpPr>
-    </p:spTree>
-  </p:cSld>
-  <p:clrMapOvr>
-    <a:masterClrMapping/>
-  </p:clrMapOvr>
-</p:notes>
-</file>
-
-<file path=ppt/notesSlides/notesSlide15.xml><?xml version="1.0" encoding="utf-8"?>
-<p:notes xmlns:a="http://schemas.openxmlformats.org/drawingml/2006/main" xmlns:r="http://schemas.openxmlformats.org/officeDocument/2006/relationships" xmlns:p="http://schemas.openxmlformats.org/presentationml/2006/main">
-  <p:cSld>
-    <p:spTree>
-      <p:nvGrpSpPr>
-        <p:cNvPr id="1" name=""/>
-        <p:cNvGrpSpPr/>
-        <p:nvPr/>
-      </p:nvGrpSpPr>
-      <p:grpSpPr>
-        <a:xfrm>
-          <a:off x="0" y="0"/>
-          <a:ext cx="0" cy="0"/>
-          <a:chOff x="0" y="0"/>
-          <a:chExt cx="0" cy="0"/>
-        </a:xfrm>
-      </p:grpSpPr>
-      <p:sp>
-        <p:nvSpPr>
-          <p:cNvPr id="2" name="備忘稿版面配置區 1">
-            <a:extLst>
-              <a:ext uri="{FF2B5EF4-FFF2-40B4-BE49-F238E27FC236}">
-                <a16:creationId xmlns:a16="http://schemas.microsoft.com/office/drawing/2014/main" id="{95DF78BF-A928-402F-AB3F-E1454E2760C1}"/>
-              </a:ext>
-            </a:extLst>
-          </p:cNvPr>
+      <p:sp>
+        <p:nvSpPr>
+          <p:cNvPr id="2" name="投影片圖像版面配置區 1"/>
+          <p:cNvSpPr>
+            <a:spLocks noGrp="1" noRot="1" noChangeAspect="1"/>
+          </p:cNvSpPr>
+          <p:nvPr>
+            <p:ph type="sldImg"/>
+          </p:nvPr>
+        </p:nvSpPr>
+        <p:spPr/>
+      </p:sp>
+      <p:sp>
+        <p:nvSpPr>
+          <p:cNvPr id="3" name="備忘稿版面配置區 2"/>
           <p:cNvSpPr>
             <a:spLocks noGrp="1"/>
           </p:cNvSpPr>
@@ -1776,111 +1078,49 @@
           <a:bodyPr/>
           <a:lstStyle/>
           <a:p>
+            <a:r>
+              <a:rPr lang="zh-TW" altLang="en-US" dirty="0"/>
+              <a:t>綠色是</a:t>
+            </a:r>
+            <a:r>
+              <a:rPr lang="en-US" altLang="zh-TW" dirty="0"/>
+              <a:t>Controller</a:t>
+            </a:r>
+          </a:p>
+          <a:p>
             <a:endParaRPr lang="zh-TW" altLang="en-US" dirty="0"/>
           </a:p>
         </p:txBody>
       </p:sp>
+      <p:sp>
+        <p:nvSpPr>
+          <p:cNvPr id="4" name="投影片編號版面配置區 3"/>
+          <p:cNvSpPr>
+            <a:spLocks noGrp="1"/>
+          </p:cNvSpPr>
+          <p:nvPr>
+            <p:ph type="sldNum" sz="quarter" idx="10"/>
+          </p:nvPr>
+        </p:nvSpPr>
+        <p:spPr/>
+        <p:txBody>
+          <a:bodyPr/>
+          <a:lstStyle/>
+          <a:p>
+            <a:fld id="{BAE9B577-CD31-4A37-AFF3-75A7A97468EB}" type="slidenum">
+              <a:rPr lang="zh-TW" altLang="en-US" smtClean="0"/>
+              <a:t>22</a:t>
+            </a:fld>
+            <a:endParaRPr lang="zh-TW" altLang="en-US"/>
+          </a:p>
+        </p:txBody>
+      </p:sp>
     </p:spTree>
-  </p:cSld>
-  <p:clrMapOvr>
-    <a:masterClrMapping/>
-  </p:clrMapOvr>
-</p:notes>
-</file>
-
-<file path=ppt/notesSlides/notesSlide16.xml><?xml version="1.0" encoding="utf-8"?>
-<p:notes xmlns:a="http://schemas.openxmlformats.org/drawingml/2006/main" xmlns:r="http://schemas.openxmlformats.org/officeDocument/2006/relationships" xmlns:p="http://schemas.openxmlformats.org/presentationml/2006/main">
-  <p:cSld>
-    <p:spTree>
-      <p:nvGrpSpPr>
-        <p:cNvPr id="1" name=""/>
-        <p:cNvGrpSpPr/>
-        <p:nvPr/>
-      </p:nvGrpSpPr>
-      <p:grpSpPr>
-        <a:xfrm>
-          <a:off x="0" y="0"/>
-          <a:ext cx="0" cy="0"/>
-          <a:chOff x="0" y="0"/>
-          <a:chExt cx="0" cy="0"/>
-        </a:xfrm>
-      </p:grpSpPr>
-    </p:spTree>
-  </p:cSld>
-  <p:clrMapOvr>
-    <a:masterClrMapping/>
-  </p:clrMapOvr>
-</p:notes>
-</file>
-
-<file path=ppt/notesSlides/notesSlide17.xml><?xml version="1.0" encoding="utf-8"?>
-<p:notes xmlns:a="http://schemas.openxmlformats.org/drawingml/2006/main" xmlns:r="http://schemas.openxmlformats.org/officeDocument/2006/relationships" xmlns:p="http://schemas.openxmlformats.org/presentationml/2006/main">
-  <p:cSld>
-    <p:spTree>
-      <p:nvGrpSpPr>
-        <p:cNvPr id="1" name=""/>
-        <p:cNvGrpSpPr/>
-        <p:nvPr/>
-      </p:nvGrpSpPr>
-      <p:grpSpPr>
-        <a:xfrm>
-          <a:off x="0" y="0"/>
-          <a:ext cx="0" cy="0"/>
-          <a:chOff x="0" y="0"/>
-          <a:chExt cx="0" cy="0"/>
-        </a:xfrm>
-      </p:grpSpPr>
-    </p:spTree>
-  </p:cSld>
-  <p:clrMapOvr>
-    <a:masterClrMapping/>
-  </p:clrMapOvr>
-</p:notes>
-</file>
-
-<file path=ppt/notesSlides/notesSlide18.xml><?xml version="1.0" encoding="utf-8"?>
-<p:notes xmlns:a="http://schemas.openxmlformats.org/drawingml/2006/main" xmlns:r="http://schemas.openxmlformats.org/officeDocument/2006/relationships" xmlns:p="http://schemas.openxmlformats.org/presentationml/2006/main">
-  <p:cSld>
-    <p:spTree>
-      <p:nvGrpSpPr>
-        <p:cNvPr id="1" name=""/>
-        <p:cNvGrpSpPr/>
-        <p:nvPr/>
-      </p:nvGrpSpPr>
-      <p:grpSpPr>
-        <a:xfrm>
-          <a:off x="0" y="0"/>
-          <a:ext cx="0" cy="0"/>
-          <a:chOff x="0" y="0"/>
-          <a:chExt cx="0" cy="0"/>
-        </a:xfrm>
-      </p:grpSpPr>
-    </p:spTree>
-  </p:cSld>
-  <p:clrMapOvr>
-    <a:masterClrMapping/>
-  </p:clrMapOvr>
-</p:notes>
-</file>
-
-<file path=ppt/notesSlides/notesSlide19.xml><?xml version="1.0" encoding="utf-8"?>
-<p:notes xmlns:a="http://schemas.openxmlformats.org/drawingml/2006/main" xmlns:r="http://schemas.openxmlformats.org/officeDocument/2006/relationships" xmlns:p="http://schemas.openxmlformats.org/presentationml/2006/main">
-  <p:cSld>
-    <p:spTree>
-      <p:nvGrpSpPr>
-        <p:cNvPr id="1" name=""/>
-        <p:cNvGrpSpPr/>
-        <p:nvPr/>
-      </p:nvGrpSpPr>
-      <p:grpSpPr>
-        <a:xfrm>
-          <a:off x="0" y="0"/>
-          <a:ext cx="0" cy="0"/>
-          <a:chOff x="0" y="0"/>
-          <a:chExt cx="0" cy="0"/>
-        </a:xfrm>
-      </p:grpSpPr>
-    </p:spTree>
+    <p:extLst>
+      <p:ext uri="{BB962C8B-B14F-4D97-AF65-F5344CB8AC3E}">
+        <p14:creationId xmlns:p14="http://schemas.microsoft.com/office/powerpoint/2010/main" val="1138381636"/>
+      </p:ext>
+    </p:extLst>
   </p:cSld>
   <p:clrMapOvr>
     <a:masterClrMapping/>
@@ -1963,706 +1203,6 @@
     <p:extLst>
       <p:ext uri="{BB962C8B-B14F-4D97-AF65-F5344CB8AC3E}">
         <p14:creationId xmlns:p14="http://schemas.microsoft.com/office/powerpoint/2010/main" val="2283908337"/>
-      </p:ext>
-    </p:extLst>
-  </p:cSld>
-  <p:clrMapOvr>
-    <a:masterClrMapping/>
-  </p:clrMapOvr>
-</p:notes>
-</file>
-
-<file path=ppt/notesSlides/notesSlide20.xml><?xml version="1.0" encoding="utf-8"?>
-<p:notes xmlns:a="http://schemas.openxmlformats.org/drawingml/2006/main" xmlns:r="http://schemas.openxmlformats.org/officeDocument/2006/relationships" xmlns:p="http://schemas.openxmlformats.org/presentationml/2006/main">
-  <p:cSld>
-    <p:spTree>
-      <p:nvGrpSpPr>
-        <p:cNvPr id="1" name=""/>
-        <p:cNvGrpSpPr/>
-        <p:nvPr/>
-      </p:nvGrpSpPr>
-      <p:grpSpPr>
-        <a:xfrm>
-          <a:off x="0" y="0"/>
-          <a:ext cx="0" cy="0"/>
-          <a:chOff x="0" y="0"/>
-          <a:chExt cx="0" cy="0"/>
-        </a:xfrm>
-      </p:grpSpPr>
-    </p:spTree>
-  </p:cSld>
-  <p:clrMapOvr>
-    <a:masterClrMapping/>
-  </p:clrMapOvr>
-</p:notes>
-</file>
-
-<file path=ppt/notesSlides/notesSlide21.xml><?xml version="1.0" encoding="utf-8"?>
-<p:notes xmlns:a="http://schemas.openxmlformats.org/drawingml/2006/main" xmlns:r="http://schemas.openxmlformats.org/officeDocument/2006/relationships" xmlns:p="http://schemas.openxmlformats.org/presentationml/2006/main">
-  <p:cSld>
-    <p:spTree>
-      <p:nvGrpSpPr>
-        <p:cNvPr id="1" name=""/>
-        <p:cNvGrpSpPr/>
-        <p:nvPr/>
-      </p:nvGrpSpPr>
-      <p:grpSpPr>
-        <a:xfrm>
-          <a:off x="0" y="0"/>
-          <a:ext cx="0" cy="0"/>
-          <a:chOff x="0" y="0"/>
-          <a:chExt cx="0" cy="0"/>
-        </a:xfrm>
-      </p:grpSpPr>
-      <p:sp>
-        <p:nvSpPr>
-          <p:cNvPr id="2" name="投影片影像版面配置區 1"/>
-          <p:cNvSpPr>
-            <a:spLocks noGrp="1" noRot="1" noChangeAspect="1"/>
-          </p:cNvSpPr>
-          <p:nvPr>
-            <p:ph type="sldImg"/>
-          </p:nvPr>
-        </p:nvSpPr>
-        <p:spPr/>
-      </p:sp>
-      <p:sp>
-        <p:nvSpPr>
-          <p:cNvPr id="3" name="備忘稿版面配置區 2"/>
-          <p:cNvSpPr>
-            <a:spLocks noGrp="1"/>
-          </p:cNvSpPr>
-          <p:nvPr>
-            <p:ph type="body" idx="1"/>
-          </p:nvPr>
-        </p:nvSpPr>
-        <p:spPr/>
-        <p:txBody>
-          <a:bodyPr/>
-          <a:lstStyle/>
-          <a:p>
-            <a:endParaRPr lang="zh-TW" altLang="en-US" dirty="0"/>
-          </a:p>
-        </p:txBody>
-      </p:sp>
-      <p:sp>
-        <p:nvSpPr>
-          <p:cNvPr id="4" name="投影片編號版面配置區 3"/>
-          <p:cNvSpPr>
-            <a:spLocks noGrp="1"/>
-          </p:cNvSpPr>
-          <p:nvPr>
-            <p:ph type="sldNum" sz="quarter" idx="5"/>
-          </p:nvPr>
-        </p:nvSpPr>
-        <p:spPr/>
-        <p:txBody>
-          <a:bodyPr/>
-          <a:lstStyle/>
-          <a:p>
-            <a:fld id="{BAE9B577-CD31-4A37-AFF3-75A7A97468EB}" type="slidenum">
-              <a:rPr lang="zh-TW" altLang="en-US" smtClean="0"/>
-              <a:t>28</a:t>
-            </a:fld>
-            <a:endParaRPr lang="zh-TW" altLang="en-US"/>
-          </a:p>
-        </p:txBody>
-      </p:sp>
-    </p:spTree>
-    <p:extLst>
-      <p:ext uri="{BB962C8B-B14F-4D97-AF65-F5344CB8AC3E}">
-        <p14:creationId xmlns:p14="http://schemas.microsoft.com/office/powerpoint/2010/main" val="3271099937"/>
-      </p:ext>
-    </p:extLst>
-  </p:cSld>
-  <p:clrMapOvr>
-    <a:masterClrMapping/>
-  </p:clrMapOvr>
-</p:notes>
-</file>
-
-<file path=ppt/notesSlides/notesSlide22.xml><?xml version="1.0" encoding="utf-8"?>
-<p:notes xmlns:a="http://schemas.openxmlformats.org/drawingml/2006/main" xmlns:r="http://schemas.openxmlformats.org/officeDocument/2006/relationships" xmlns:p="http://schemas.openxmlformats.org/presentationml/2006/main">
-  <p:cSld>
-    <p:spTree>
-      <p:nvGrpSpPr>
-        <p:cNvPr id="1" name=""/>
-        <p:cNvGrpSpPr/>
-        <p:nvPr/>
-      </p:nvGrpSpPr>
-      <p:grpSpPr>
-        <a:xfrm>
-          <a:off x="0" y="0"/>
-          <a:ext cx="0" cy="0"/>
-          <a:chOff x="0" y="0"/>
-          <a:chExt cx="0" cy="0"/>
-        </a:xfrm>
-      </p:grpSpPr>
-    </p:spTree>
-    <p:extLst>
-      <p:ext uri="{BB962C8B-B14F-4D97-AF65-F5344CB8AC3E}">
-        <p14:creationId xmlns:p14="http://schemas.microsoft.com/office/powerpoint/2010/main" val="3657532640"/>
-      </p:ext>
-    </p:extLst>
-  </p:cSld>
-  <p:clrMapOvr>
-    <a:masterClrMapping/>
-  </p:clrMapOvr>
-</p:notes>
-</file>
-
-<file path=ppt/notesSlides/notesSlide23.xml><?xml version="1.0" encoding="utf-8"?>
-<p:notes xmlns:a="http://schemas.openxmlformats.org/drawingml/2006/main" xmlns:r="http://schemas.openxmlformats.org/officeDocument/2006/relationships" xmlns:p="http://schemas.openxmlformats.org/presentationml/2006/main">
-  <p:cSld>
-    <p:spTree>
-      <p:nvGrpSpPr>
-        <p:cNvPr id="1" name=""/>
-        <p:cNvGrpSpPr/>
-        <p:nvPr/>
-      </p:nvGrpSpPr>
-      <p:grpSpPr>
-        <a:xfrm>
-          <a:off x="0" y="0"/>
-          <a:ext cx="0" cy="0"/>
-          <a:chOff x="0" y="0"/>
-          <a:chExt cx="0" cy="0"/>
-        </a:xfrm>
-      </p:grpSpPr>
-    </p:spTree>
-    <p:extLst>
-      <p:ext uri="{BB962C8B-B14F-4D97-AF65-F5344CB8AC3E}">
-        <p14:creationId xmlns:p14="http://schemas.microsoft.com/office/powerpoint/2010/main" val="4218832084"/>
-      </p:ext>
-    </p:extLst>
-  </p:cSld>
-  <p:clrMapOvr>
-    <a:masterClrMapping/>
-  </p:clrMapOvr>
-</p:notes>
-</file>
-
-<file path=ppt/notesSlides/notesSlide24.xml><?xml version="1.0" encoding="utf-8"?>
-<p:notes xmlns:a="http://schemas.openxmlformats.org/drawingml/2006/main" xmlns:r="http://schemas.openxmlformats.org/officeDocument/2006/relationships" xmlns:p="http://schemas.openxmlformats.org/presentationml/2006/main">
-  <p:cSld>
-    <p:spTree>
-      <p:nvGrpSpPr>
-        <p:cNvPr id="1" name=""/>
-        <p:cNvGrpSpPr/>
-        <p:nvPr/>
-      </p:nvGrpSpPr>
-      <p:grpSpPr>
-        <a:xfrm>
-          <a:off x="0" y="0"/>
-          <a:ext cx="0" cy="0"/>
-          <a:chOff x="0" y="0"/>
-          <a:chExt cx="0" cy="0"/>
-        </a:xfrm>
-      </p:grpSpPr>
-      <p:sp>
-        <p:nvSpPr>
-          <p:cNvPr id="2" name="投影片影像版面配置區 1"/>
-          <p:cNvSpPr>
-            <a:spLocks noGrp="1" noRot="1" noChangeAspect="1"/>
-          </p:cNvSpPr>
-          <p:nvPr>
-            <p:ph type="sldImg"/>
-          </p:nvPr>
-        </p:nvSpPr>
-        <p:spPr/>
-      </p:sp>
-      <p:sp>
-        <p:nvSpPr>
-          <p:cNvPr id="3" name="備忘稿版面配置區 2"/>
-          <p:cNvSpPr>
-            <a:spLocks noGrp="1"/>
-          </p:cNvSpPr>
-          <p:nvPr>
-            <p:ph type="body" idx="1"/>
-          </p:nvPr>
-        </p:nvSpPr>
-        <p:spPr/>
-        <p:txBody>
-          <a:bodyPr/>
-          <a:lstStyle/>
-          <a:p>
-            <a:r>
-              <a:rPr lang="zh-TW" altLang="en-US" dirty="0"/>
-              <a:t>如果被盜用一個等於所有系統都可以使用</a:t>
-            </a:r>
-          </a:p>
-        </p:txBody>
-      </p:sp>
-      <p:sp>
-        <p:nvSpPr>
-          <p:cNvPr id="4" name="投影片編號版面配置區 3"/>
-          <p:cNvSpPr>
-            <a:spLocks noGrp="1"/>
-          </p:cNvSpPr>
-          <p:nvPr>
-            <p:ph type="sldNum" sz="quarter" idx="5"/>
-          </p:nvPr>
-        </p:nvSpPr>
-        <p:spPr/>
-        <p:txBody>
-          <a:bodyPr/>
-          <a:lstStyle/>
-          <a:p>
-            <a:fld id="{BAE9B577-CD31-4A37-AFF3-75A7A97468EB}" type="slidenum">
-              <a:rPr lang="zh-TW" altLang="en-US" smtClean="0"/>
-              <a:t>32</a:t>
-            </a:fld>
-            <a:endParaRPr lang="zh-TW" altLang="en-US"/>
-          </a:p>
-        </p:txBody>
-      </p:sp>
-    </p:spTree>
-    <p:extLst>
-      <p:ext uri="{BB962C8B-B14F-4D97-AF65-F5344CB8AC3E}">
-        <p14:creationId xmlns:p14="http://schemas.microsoft.com/office/powerpoint/2010/main" val="3824271856"/>
-      </p:ext>
-    </p:extLst>
-  </p:cSld>
-  <p:clrMapOvr>
-    <a:masterClrMapping/>
-  </p:clrMapOvr>
-</p:notes>
-</file>
-
-<file path=ppt/notesSlides/notesSlide25.xml><?xml version="1.0" encoding="utf-8"?>
-<p:notes xmlns:a="http://schemas.openxmlformats.org/drawingml/2006/main" xmlns:r="http://schemas.openxmlformats.org/officeDocument/2006/relationships" xmlns:p="http://schemas.openxmlformats.org/presentationml/2006/main">
-  <p:cSld>
-    <p:spTree>
-      <p:nvGrpSpPr>
-        <p:cNvPr id="1" name=""/>
-        <p:cNvGrpSpPr/>
-        <p:nvPr/>
-      </p:nvGrpSpPr>
-      <p:grpSpPr>
-        <a:xfrm>
-          <a:off x="0" y="0"/>
-          <a:ext cx="0" cy="0"/>
-          <a:chOff x="0" y="0"/>
-          <a:chExt cx="0" cy="0"/>
-        </a:xfrm>
-      </p:grpSpPr>
-      <p:sp>
-        <p:nvSpPr>
-          <p:cNvPr id="2" name="投影片圖像版面配置區 1"/>
-          <p:cNvSpPr>
-            <a:spLocks noGrp="1" noRot="1" noChangeAspect="1"/>
-          </p:cNvSpPr>
-          <p:nvPr>
-            <p:ph type="sldImg"/>
-          </p:nvPr>
-        </p:nvSpPr>
-        <p:spPr/>
-      </p:sp>
-      <p:sp>
-        <p:nvSpPr>
-          <p:cNvPr id="3" name="備忘稿版面配置區 2"/>
-          <p:cNvSpPr>
-            <a:spLocks noGrp="1"/>
-          </p:cNvSpPr>
-          <p:nvPr>
-            <p:ph type="body" idx="1"/>
-          </p:nvPr>
-        </p:nvSpPr>
-        <p:spPr/>
-        <p:txBody>
-          <a:bodyPr/>
-          <a:lstStyle/>
-          <a:p>
-            <a:pPr marL="0" marR="0" lvl="0" indent="0" algn="l" defTabSz="914400" rtl="0" eaLnBrk="1" fontAlgn="auto" latinLnBrk="0" hangingPunct="1">
-              <a:lnSpc>
-                <a:spcPct val="100000"/>
-              </a:lnSpc>
-              <a:spcBef>
-                <a:spcPts val="0"/>
-              </a:spcBef>
-              <a:spcAft>
-                <a:spcPts val="0"/>
-              </a:spcAft>
-              <a:buClrTx/>
-              <a:buSzTx/>
-              <a:buFontTx/>
-              <a:buNone/>
-              <a:tabLst/>
-              <a:defRPr/>
-            </a:pPr>
-            <a:r>
-              <a:rPr lang="zh-TW" altLang="en-US" dirty="0"/>
-              <a:t>國壽、產險</a:t>
-            </a:r>
-            <a:r>
-              <a:rPr lang="zh-TW" altLang="en-US" baseline="0" dirty="0"/>
-              <a:t> </a:t>
-            </a:r>
-            <a:r>
-              <a:rPr lang="en-US" altLang="zh-TW" baseline="0" dirty="0"/>
-              <a:t>=&gt;</a:t>
-            </a:r>
-            <a:r>
-              <a:rPr lang="zh-TW" altLang="en-US" baseline="0" dirty="0"/>
-              <a:t> </a:t>
-            </a:r>
-            <a:r>
-              <a:rPr lang="en-US" altLang="zh-TW" baseline="0" dirty="0"/>
-              <a:t>SSO</a:t>
-            </a:r>
-            <a:r>
-              <a:rPr lang="zh-TW" altLang="en-US" baseline="0" dirty="0"/>
-              <a:t> </a:t>
-            </a:r>
-            <a:r>
-              <a:rPr lang="en-US" altLang="zh-TW" baseline="0" dirty="0"/>
-              <a:t>Token</a:t>
-            </a:r>
-            <a:r>
-              <a:rPr lang="zh-TW" altLang="en-US" baseline="0" dirty="0"/>
-              <a:t> 來自於中台  </a:t>
-            </a:r>
-            <a:r>
-              <a:rPr lang="en-US" altLang="zh-TW" baseline="0" dirty="0"/>
-              <a:t>(</a:t>
-            </a:r>
-            <a:r>
-              <a:rPr lang="zh-TW" altLang="en-US" baseline="0" dirty="0"/>
-              <a:t>國壽跳轉頁 </a:t>
-            </a:r>
-            <a:r>
-              <a:rPr lang="en-US" altLang="zh-TW" sz="1200" kern="1200" dirty="0" err="1">
-                <a:solidFill>
-                  <a:schemeClr val="tx1"/>
-                </a:solidFill>
-                <a:latin typeface="+mn-lt"/>
-                <a:ea typeface="+mn-ea"/>
-                <a:cs typeface="+mn-cs"/>
-              </a:rPr>
-              <a:t>InsuranceSSORedirect</a:t>
-            </a:r>
-            <a:r>
-              <a:rPr lang="en-US" altLang="zh-TW" baseline="0" dirty="0"/>
-              <a:t>)</a:t>
-            </a:r>
-            <a:endParaRPr lang="en-US" altLang="zh-TW" dirty="0"/>
-          </a:p>
-        </p:txBody>
-      </p:sp>
-      <p:sp>
-        <p:nvSpPr>
-          <p:cNvPr id="4" name="投影片編號版面配置區 3"/>
-          <p:cNvSpPr>
-            <a:spLocks noGrp="1"/>
-          </p:cNvSpPr>
-          <p:nvPr>
-            <p:ph type="sldNum" sz="quarter" idx="10"/>
-          </p:nvPr>
-        </p:nvSpPr>
-        <p:spPr/>
-        <p:txBody>
-          <a:bodyPr/>
-          <a:lstStyle/>
-          <a:p>
-            <a:fld id="{BAE9B577-CD31-4A37-AFF3-75A7A97468EB}" type="slidenum">
-              <a:rPr lang="zh-TW" altLang="en-US" smtClean="0"/>
-              <a:t>33</a:t>
-            </a:fld>
-            <a:endParaRPr lang="zh-TW" altLang="en-US"/>
-          </a:p>
-        </p:txBody>
-      </p:sp>
-    </p:spTree>
-    <p:extLst>
-      <p:ext uri="{BB962C8B-B14F-4D97-AF65-F5344CB8AC3E}">
-        <p14:creationId xmlns:p14="http://schemas.microsoft.com/office/powerpoint/2010/main" val="2417346566"/>
-      </p:ext>
-    </p:extLst>
-  </p:cSld>
-  <p:clrMapOvr>
-    <a:masterClrMapping/>
-  </p:clrMapOvr>
-</p:notes>
-</file>
-
-<file path=ppt/notesSlides/notesSlide26.xml><?xml version="1.0" encoding="utf-8"?>
-<p:notes xmlns:a="http://schemas.openxmlformats.org/drawingml/2006/main" xmlns:r="http://schemas.openxmlformats.org/officeDocument/2006/relationships" xmlns:p="http://schemas.openxmlformats.org/presentationml/2006/main">
-  <p:cSld>
-    <p:spTree>
-      <p:nvGrpSpPr>
-        <p:cNvPr id="1" name=""/>
-        <p:cNvGrpSpPr/>
-        <p:nvPr/>
-      </p:nvGrpSpPr>
-      <p:grpSpPr>
-        <a:xfrm>
-          <a:off x="0" y="0"/>
-          <a:ext cx="0" cy="0"/>
-          <a:chOff x="0" y="0"/>
-          <a:chExt cx="0" cy="0"/>
-        </a:xfrm>
-      </p:grpSpPr>
-      <p:sp>
-        <p:nvSpPr>
-          <p:cNvPr id="2" name="投影片圖像版面配置區 1"/>
-          <p:cNvSpPr>
-            <a:spLocks noGrp="1" noRot="1" noChangeAspect="1"/>
-          </p:cNvSpPr>
-          <p:nvPr>
-            <p:ph type="sldImg"/>
-          </p:nvPr>
-        </p:nvSpPr>
-        <p:spPr/>
-      </p:sp>
-      <p:sp>
-        <p:nvSpPr>
-          <p:cNvPr id="3" name="備忘稿版面配置區 2"/>
-          <p:cNvSpPr>
-            <a:spLocks noGrp="1"/>
-          </p:cNvSpPr>
-          <p:nvPr>
-            <p:ph type="body" idx="1"/>
-          </p:nvPr>
-        </p:nvSpPr>
-        <p:spPr/>
-        <p:txBody>
-          <a:bodyPr/>
-          <a:lstStyle/>
-          <a:p>
-            <a:r>
-              <a:rPr lang="zh-TW" altLang="en-US" dirty="0"/>
-              <a:t>綠色是</a:t>
-            </a:r>
-            <a:r>
-              <a:rPr lang="en-US" altLang="zh-TW" dirty="0"/>
-              <a:t>Controller</a:t>
-            </a:r>
-          </a:p>
-          <a:p>
-            <a:endParaRPr lang="zh-TW" altLang="en-US" dirty="0"/>
-          </a:p>
-        </p:txBody>
-      </p:sp>
-      <p:sp>
-        <p:nvSpPr>
-          <p:cNvPr id="4" name="投影片編號版面配置區 3"/>
-          <p:cNvSpPr>
-            <a:spLocks noGrp="1"/>
-          </p:cNvSpPr>
-          <p:nvPr>
-            <p:ph type="sldNum" sz="quarter" idx="10"/>
-          </p:nvPr>
-        </p:nvSpPr>
-        <p:spPr/>
-        <p:txBody>
-          <a:bodyPr/>
-          <a:lstStyle/>
-          <a:p>
-            <a:fld id="{BAE9B577-CD31-4A37-AFF3-75A7A97468EB}" type="slidenum">
-              <a:rPr lang="zh-TW" altLang="en-US" smtClean="0"/>
-              <a:t>34</a:t>
-            </a:fld>
-            <a:endParaRPr lang="zh-TW" altLang="en-US"/>
-          </a:p>
-        </p:txBody>
-      </p:sp>
-    </p:spTree>
-    <p:extLst>
-      <p:ext uri="{BB962C8B-B14F-4D97-AF65-F5344CB8AC3E}">
-        <p14:creationId xmlns:p14="http://schemas.microsoft.com/office/powerpoint/2010/main" val="79165900"/>
-      </p:ext>
-    </p:extLst>
-  </p:cSld>
-  <p:clrMapOvr>
-    <a:masterClrMapping/>
-  </p:clrMapOvr>
-</p:notes>
-</file>
-
-<file path=ppt/notesSlides/notesSlide27.xml><?xml version="1.0" encoding="utf-8"?>
-<p:notes xmlns:a="http://schemas.openxmlformats.org/drawingml/2006/main" xmlns:r="http://schemas.openxmlformats.org/officeDocument/2006/relationships" xmlns:p="http://schemas.openxmlformats.org/presentationml/2006/main">
-  <p:cSld>
-    <p:spTree>
-      <p:nvGrpSpPr>
-        <p:cNvPr id="1" name=""/>
-        <p:cNvGrpSpPr/>
-        <p:nvPr/>
-      </p:nvGrpSpPr>
-      <p:grpSpPr>
-        <a:xfrm>
-          <a:off x="0" y="0"/>
-          <a:ext cx="0" cy="0"/>
-          <a:chOff x="0" y="0"/>
-          <a:chExt cx="0" cy="0"/>
-        </a:xfrm>
-      </p:grpSpPr>
-      <p:sp>
-        <p:nvSpPr>
-          <p:cNvPr id="2" name="投影片圖像版面配置區 1"/>
-          <p:cNvSpPr>
-            <a:spLocks noGrp="1" noRot="1" noChangeAspect="1"/>
-          </p:cNvSpPr>
-          <p:nvPr>
-            <p:ph type="sldImg"/>
-          </p:nvPr>
-        </p:nvSpPr>
-        <p:spPr/>
-      </p:sp>
-      <p:sp>
-        <p:nvSpPr>
-          <p:cNvPr id="3" name="備忘稿版面配置區 2"/>
-          <p:cNvSpPr>
-            <a:spLocks noGrp="1"/>
-          </p:cNvSpPr>
-          <p:nvPr>
-            <p:ph type="body" idx="1"/>
-          </p:nvPr>
-        </p:nvSpPr>
-        <p:spPr/>
-        <p:txBody>
-          <a:bodyPr/>
-          <a:lstStyle/>
-          <a:p>
-            <a:r>
-              <a:rPr lang="zh-TW" altLang="en-US" dirty="0"/>
-              <a:t>綠色是</a:t>
-            </a:r>
-            <a:r>
-              <a:rPr lang="en-US" altLang="zh-TW" dirty="0"/>
-              <a:t>Controller</a:t>
-            </a:r>
-          </a:p>
-          <a:p>
-            <a:endParaRPr lang="zh-TW" altLang="en-US" dirty="0"/>
-          </a:p>
-        </p:txBody>
-      </p:sp>
-      <p:sp>
-        <p:nvSpPr>
-          <p:cNvPr id="4" name="投影片編號版面配置區 3"/>
-          <p:cNvSpPr>
-            <a:spLocks noGrp="1"/>
-          </p:cNvSpPr>
-          <p:nvPr>
-            <p:ph type="sldNum" sz="quarter" idx="10"/>
-          </p:nvPr>
-        </p:nvSpPr>
-        <p:spPr/>
-        <p:txBody>
-          <a:bodyPr/>
-          <a:lstStyle/>
-          <a:p>
-            <a:fld id="{BAE9B577-CD31-4A37-AFF3-75A7A97468EB}" type="slidenum">
-              <a:rPr lang="zh-TW" altLang="en-US" smtClean="0"/>
-              <a:t>35</a:t>
-            </a:fld>
-            <a:endParaRPr lang="zh-TW" altLang="en-US"/>
-          </a:p>
-        </p:txBody>
-      </p:sp>
-    </p:spTree>
-    <p:extLst>
-      <p:ext uri="{BB962C8B-B14F-4D97-AF65-F5344CB8AC3E}">
-        <p14:creationId xmlns:p14="http://schemas.microsoft.com/office/powerpoint/2010/main" val="1138381636"/>
-      </p:ext>
-    </p:extLst>
-  </p:cSld>
-  <p:clrMapOvr>
-    <a:masterClrMapping/>
-  </p:clrMapOvr>
-</p:notes>
-</file>
-
-<file path=ppt/notesSlides/notesSlide28.xml><?xml version="1.0" encoding="utf-8"?>
-<p:notes xmlns:a="http://schemas.openxmlformats.org/drawingml/2006/main" xmlns:r="http://schemas.openxmlformats.org/officeDocument/2006/relationships" xmlns:p="http://schemas.openxmlformats.org/presentationml/2006/main">
-  <p:cSld>
-    <p:spTree>
-      <p:nvGrpSpPr>
-        <p:cNvPr id="1" name=""/>
-        <p:cNvGrpSpPr/>
-        <p:nvPr/>
-      </p:nvGrpSpPr>
-      <p:grpSpPr>
-        <a:xfrm>
-          <a:off x="0" y="0"/>
-          <a:ext cx="0" cy="0"/>
-          <a:chOff x="0" y="0"/>
-          <a:chExt cx="0" cy="0"/>
-        </a:xfrm>
-      </p:grpSpPr>
-      <p:sp>
-        <p:nvSpPr>
-          <p:cNvPr id="2" name="投影片影像版面配置區 1"/>
-          <p:cNvSpPr>
-            <a:spLocks noGrp="1" noRot="1" noChangeAspect="1"/>
-          </p:cNvSpPr>
-          <p:nvPr>
-            <p:ph type="sldImg"/>
-          </p:nvPr>
-        </p:nvSpPr>
-        <p:spPr/>
-      </p:sp>
-      <p:sp>
-        <p:nvSpPr>
-          <p:cNvPr id="3" name="備忘稿版面配置區 2"/>
-          <p:cNvSpPr>
-            <a:spLocks noGrp="1"/>
-          </p:cNvSpPr>
-          <p:nvPr>
-            <p:ph type="body" idx="1"/>
-          </p:nvPr>
-        </p:nvSpPr>
-        <p:spPr/>
-        <p:txBody>
-          <a:bodyPr/>
-          <a:lstStyle/>
-          <a:p>
-            <a:r>
-              <a:rPr lang="zh-TW" altLang="en-US" dirty="0"/>
-              <a:t>相關 </a:t>
-            </a:r>
-            <a:r>
-              <a:rPr lang="en-US" altLang="zh-TW" dirty="0"/>
-              <a:t>JS</a:t>
-            </a:r>
-            <a:r>
-              <a:rPr lang="zh-TW" altLang="en-US" dirty="0"/>
-              <a:t> </a:t>
-            </a:r>
-            <a:r>
-              <a:rPr lang="en-US" altLang="zh-TW" dirty="0"/>
-              <a:t>CSS</a:t>
-            </a:r>
-            <a:endParaRPr lang="zh-TW" altLang="en-US" dirty="0"/>
-          </a:p>
-        </p:txBody>
-      </p:sp>
-      <p:sp>
-        <p:nvSpPr>
-          <p:cNvPr id="4" name="投影片編號版面配置區 3"/>
-          <p:cNvSpPr>
-            <a:spLocks noGrp="1"/>
-          </p:cNvSpPr>
-          <p:nvPr>
-            <p:ph type="sldNum" sz="quarter" idx="5"/>
-          </p:nvPr>
-        </p:nvSpPr>
-        <p:spPr/>
-        <p:txBody>
-          <a:bodyPr/>
-          <a:lstStyle/>
-          <a:p>
-            <a:fld id="{BAE9B577-CD31-4A37-AFF3-75A7A97468EB}" type="slidenum">
-              <a:rPr lang="zh-TW" altLang="en-US" smtClean="0"/>
-              <a:t>36</a:t>
-            </a:fld>
-            <a:endParaRPr lang="zh-TW" altLang="en-US"/>
-          </a:p>
-        </p:txBody>
-      </p:sp>
-    </p:spTree>
-    <p:extLst>
-      <p:ext uri="{BB962C8B-B14F-4D97-AF65-F5344CB8AC3E}">
-        <p14:creationId xmlns:p14="http://schemas.microsoft.com/office/powerpoint/2010/main" val="1815304119"/>
       </p:ext>
     </p:extLst>
   </p:cSld>
@@ -2780,173 +1320,6 @@
                 <a:cs typeface="+mn-cs"/>
               </a:rPr>
               <a:t>https://medium.com/as-a-product-designer/%E4%B8%8D%E6%96%87%E8%AC%85%E8%AC%85-%E5%81%9A%E5%88%B0%E9%80%99%E4%BA%9B%E4%BD%A0%E7%9A%84%E5%B0%88%E6%A1%88%E5%B0%B1%E5%9C%A8%E8%B7%91%E6%95%8F%E6%8D%B7-3861b56bf392</a:t>
-            </a:r>
-            <a:br>
-              <a:rPr lang="en-US" altLang="zh-TW" sz="1200" b="1" i="0" kern="1200" dirty="0">
-                <a:solidFill>
-                  <a:schemeClr val="tx1"/>
-                </a:solidFill>
-                <a:effectLst/>
-                <a:latin typeface="+mn-lt"/>
-                <a:ea typeface="+mn-ea"/>
-                <a:cs typeface="+mn-cs"/>
-              </a:rPr>
-            </a:br>
-            <a:r>
-              <a:rPr lang="en-US" altLang="zh-TW" sz="1200" b="1" i="0" kern="1200" dirty="0">
-                <a:solidFill>
-                  <a:schemeClr val="tx1"/>
-                </a:solidFill>
-                <a:effectLst/>
-                <a:latin typeface="+mn-lt"/>
-                <a:ea typeface="+mn-ea"/>
-                <a:cs typeface="+mn-cs"/>
-              </a:rPr>
-              <a:t>『Sprint』:</a:t>
-            </a:r>
-            <a:r>
-              <a:rPr lang="zh-TW" altLang="en-US" sz="1200" b="1" i="0" kern="1200" dirty="0">
-                <a:solidFill>
-                  <a:schemeClr val="tx1"/>
-                </a:solidFill>
-                <a:effectLst/>
-                <a:latin typeface="+mn-lt"/>
-                <a:ea typeface="+mn-ea"/>
-                <a:cs typeface="+mn-cs"/>
-              </a:rPr>
-              <a:t> </a:t>
-            </a:r>
-            <a:r>
-              <a:rPr lang="zh-TW" altLang="en-US" sz="1200" b="0" i="0" kern="1200" dirty="0">
-                <a:solidFill>
-                  <a:schemeClr val="tx1"/>
-                </a:solidFill>
-                <a:effectLst/>
-                <a:latin typeface="+mn-lt"/>
-                <a:ea typeface="+mn-ea"/>
-                <a:cs typeface="+mn-cs"/>
-              </a:rPr>
-              <a:t>固定時間很重要，多一天少一天都不行，這樣可以讓團隊的工作有一個固定的節奏，如果時間不斷更動，會讓團隊成員覺得「在這個時間內完成不了也是沒關係的心態」</a:t>
-            </a:r>
-            <a:endParaRPr lang="en-US" altLang="zh-TW" dirty="0"/>
-          </a:p>
-          <a:p>
-            <a:pPr marL="0" marR="0" lvl="0" indent="0" algn="l" defTabSz="914400" rtl="0" eaLnBrk="1" fontAlgn="auto" latinLnBrk="0" hangingPunct="1">
-              <a:lnSpc>
-                <a:spcPct val="100000"/>
-              </a:lnSpc>
-              <a:spcBef>
-                <a:spcPts val="0"/>
-              </a:spcBef>
-              <a:spcAft>
-                <a:spcPts val="0"/>
-              </a:spcAft>
-              <a:buClrTx/>
-              <a:buSzTx/>
-              <a:buFontTx/>
-              <a:buNone/>
-              <a:tabLst/>
-              <a:defRPr/>
-            </a:pPr>
-            <a:r>
-              <a:rPr lang="zh-TW" altLang="en-US" dirty="0"/>
-              <a:t>更有彈性的去迎改變 </a:t>
-            </a:r>
-            <a:r>
-              <a:rPr lang="en-US" altLang="zh-TW" dirty="0"/>
-              <a:t>:</a:t>
-            </a:r>
-            <a:r>
-              <a:rPr lang="zh-TW" altLang="en-US" dirty="0"/>
-              <a:t> 以往在工作中 常常碰到 需求改變 或是緊急需求，因為 </a:t>
-            </a:r>
-            <a:r>
-              <a:rPr lang="en-US" altLang="zh-TW" dirty="0"/>
-              <a:t>Run Scrum </a:t>
-            </a:r>
-            <a:r>
-              <a:rPr lang="zh-TW" altLang="en-US" dirty="0"/>
-              <a:t>每次工作週期較短，比較能應付需求的變更</a:t>
-            </a:r>
-            <a:endParaRPr lang="en-US" altLang="zh-TW" dirty="0"/>
-          </a:p>
-          <a:p>
-            <a:pPr marL="0" marR="0" lvl="0" indent="0" algn="l" defTabSz="914400" rtl="0" eaLnBrk="1" fontAlgn="auto" latinLnBrk="0" hangingPunct="1">
-              <a:lnSpc>
-                <a:spcPct val="100000"/>
-              </a:lnSpc>
-              <a:spcBef>
-                <a:spcPts val="0"/>
-              </a:spcBef>
-              <a:spcAft>
-                <a:spcPts val="0"/>
-              </a:spcAft>
-              <a:buClrTx/>
-              <a:buSzTx/>
-              <a:buFontTx/>
-              <a:buNone/>
-              <a:tabLst/>
-              <a:defRPr/>
-            </a:pPr>
-            <a:r>
-              <a:rPr lang="zh-TW" altLang="en-US" dirty="0"/>
-              <a:t>以往可能會是一個月的開發週期，可能會是跟 </a:t>
-            </a:r>
-            <a:r>
-              <a:rPr lang="en-US" altLang="zh-TW" dirty="0"/>
-              <a:t>User </a:t>
-            </a:r>
-            <a:r>
-              <a:rPr lang="zh-TW" altLang="en-US" dirty="0"/>
-              <a:t>談好我們這次要更新的功能，然後 </a:t>
-            </a:r>
-            <a:r>
-              <a:rPr lang="en-US" altLang="zh-TW" dirty="0"/>
-              <a:t>user </a:t>
-            </a:r>
-            <a:r>
-              <a:rPr lang="zh-TW" altLang="en-US" dirty="0"/>
-              <a:t>一兩個月後才看到，然後要求調整</a:t>
-            </a:r>
-            <a:endParaRPr lang="en-US" altLang="zh-TW" dirty="0"/>
-          </a:p>
-          <a:p>
-            <a:pPr marL="0" marR="0" lvl="0" indent="0" algn="l" defTabSz="914400" rtl="0" eaLnBrk="1" fontAlgn="auto" latinLnBrk="0" hangingPunct="1">
-              <a:lnSpc>
-                <a:spcPct val="100000"/>
-              </a:lnSpc>
-              <a:spcBef>
-                <a:spcPts val="0"/>
-              </a:spcBef>
-              <a:spcAft>
-                <a:spcPts val="0"/>
-              </a:spcAft>
-              <a:buClrTx/>
-              <a:buSzTx/>
-              <a:buFontTx/>
-              <a:buNone/>
-              <a:tabLst/>
-              <a:defRPr/>
-            </a:pPr>
-            <a:r>
-              <a:rPr lang="zh-TW" altLang="en-US" dirty="0"/>
-              <a:t>但如果是 </a:t>
-            </a:r>
-            <a:r>
-              <a:rPr lang="en-US" altLang="zh-TW" dirty="0"/>
-              <a:t>Run Scrum</a:t>
-            </a:r>
-            <a:r>
-              <a:rPr lang="zh-TW" altLang="en-US" dirty="0"/>
-              <a:t> 向我們兩週唯一個週期 </a:t>
-            </a:r>
-            <a:r>
-              <a:rPr lang="en-US" altLang="zh-TW" dirty="0"/>
-              <a:t>user </a:t>
-            </a:r>
-            <a:r>
-              <a:rPr lang="zh-TW" altLang="en-US" dirty="0"/>
-              <a:t>就可以更快的檢視到我們的調整，然後有問題可以立即請我們修改</a:t>
             </a:r>
             <a:endParaRPr lang="en-US" altLang="zh-TW" dirty="0"/>
           </a:p>
@@ -4004,7 +2377,7 @@
             <a:fld id="{BF4D40D8-BA83-5743-9FAB-AA6DE88C3F2B}" type="datetime1">
               <a:rPr lang="zh-TW" altLang="en-US" smtClean="0"/>
               <a:pPr/>
-              <a:t>2021/7/14</a:t>
+              <a:t>2021/7/15</a:t>
             </a:fld>
             <a:endParaRPr lang="zh-TW" altLang="en-US" dirty="0"/>
           </a:p>
@@ -11068,12 +9441,12 @@
   <p:clrMapOvr>
     <a:masterClrMapping/>
   </p:clrMapOvr>
-  <mc:AlternateContent xmlns:mc="http://schemas.openxmlformats.org/markup-compatibility/2006" xmlns:p14="http://schemas.microsoft.com/office/powerpoint/2010/main">
-    <mc:Choice Requires="p14">
-      <p:transition spd="slow" p14:dur="2000" advTm="1366"/>
+  <mc:AlternateContent xmlns:mc="http://schemas.openxmlformats.org/markup-compatibility/2006">
+    <mc:Choice xmlns:p14="http://schemas.microsoft.com/office/powerpoint/2010/main" Requires="p14">
+      <p:transition spd="slow" p14:dur="2000" advClick="0"/>
     </mc:Choice>
-    <mc:Fallback xmlns="">
-      <p:transition spd="slow" advTm="1366"/>
+    <mc:Fallback>
+      <p:transition spd="slow" advClick="0"/>
     </mc:Fallback>
   </mc:AlternateContent>
 </p:sld>
@@ -11323,40 +9696,40 @@
         <p:spPr/>
         <p:txBody>
           <a:bodyPr>
-            <a:normAutofit fontScale="92500" lnSpcReduction="10000"/>
+            <a:normAutofit lnSpcReduction="10000"/>
           </a:bodyPr>
           <a:lstStyle/>
           <a:p>
             <a:r>
-              <a:rPr lang="zh-TW" altLang="en-US" dirty="0"/>
+              <a:rPr lang="zh-TW" altLang="en-US" sz="1600" dirty="0"/>
               <a:t>開發階段</a:t>
             </a:r>
-            <a:endParaRPr lang="en-US" altLang="zh-TW" dirty="0"/>
+            <a:endParaRPr lang="en-US" altLang="zh-TW" sz="1600" dirty="0"/>
           </a:p>
           <a:p>
             <a:pPr lvl="1"/>
             <a:r>
-              <a:rPr lang="zh-TW" altLang="en-US" dirty="0"/>
+              <a:rPr lang="zh-TW" altLang="en-US" sz="1400" dirty="0"/>
               <a:t>切分支開發</a:t>
             </a:r>
-            <a:endParaRPr lang="en-US" altLang="zh-TW" dirty="0"/>
+            <a:endParaRPr lang="en-US" altLang="zh-TW" sz="1400" dirty="0"/>
           </a:p>
           <a:p>
             <a:pPr lvl="2"/>
             <a:r>
-              <a:rPr lang="en-US" altLang="zh-TW" dirty="0"/>
+              <a:rPr lang="en-US" altLang="zh-TW" sz="1200" dirty="0"/>
               <a:t>Develop → </a:t>
             </a:r>
             <a:r>
-              <a:rPr lang="zh-TW" altLang="en-US" dirty="0"/>
+              <a:rPr lang="zh-TW" altLang="en-US" sz="1200" dirty="0"/>
               <a:t>開發分支 </a:t>
             </a:r>
             <a:r>
-              <a:rPr lang="en-US" altLang="zh-TW" dirty="0"/>
+              <a:rPr lang="en-US" altLang="zh-TW" sz="1200" dirty="0"/>
               <a:t>(</a:t>
             </a:r>
             <a:r>
-              <a:rPr lang="en-US" altLang="zh-TW" dirty="0">
+              <a:rPr lang="en-US" altLang="zh-TW" sz="1200" dirty="0">
                 <a:solidFill>
                   <a:srgbClr val="FF0000"/>
                 </a:solidFill>
@@ -11364,7 +9737,7 @@
               <a:t>sprint{number}/{</a:t>
             </a:r>
             <a:r>
-              <a:rPr lang="zh-TW" altLang="en-US" dirty="0">
+              <a:rPr lang="zh-TW" altLang="en-US" sz="1200" dirty="0">
                 <a:solidFill>
                   <a:srgbClr val="FF0000"/>
                 </a:solidFill>
@@ -11372,7 +9745,7 @@
               <a:t>電文單號</a:t>
             </a:r>
             <a:r>
-              <a:rPr lang="en-US" altLang="zh-TW" dirty="0">
+              <a:rPr lang="en-US" altLang="zh-TW" sz="1200" dirty="0">
                 <a:solidFill>
                   <a:srgbClr val="FF0000"/>
                 </a:solidFill>
@@ -11380,7 +9753,7 @@
               <a:t>}_{</a:t>
             </a:r>
             <a:r>
-              <a:rPr lang="zh-TW" altLang="en-US" dirty="0">
+              <a:rPr lang="zh-TW" altLang="en-US" sz="1200" dirty="0">
                 <a:solidFill>
                   <a:srgbClr val="FF0000"/>
                 </a:solidFill>
@@ -11388,7 +9761,7 @@
               <a:t>描述</a:t>
             </a:r>
             <a:r>
-              <a:rPr lang="en-US" altLang="zh-TW" dirty="0">
+              <a:rPr lang="en-US" altLang="zh-TW" sz="1200" dirty="0">
                 <a:solidFill>
                   <a:srgbClr val="FF0000"/>
                 </a:solidFill>
@@ -11396,87 +9769,101 @@
               <a:t>}</a:t>
             </a:r>
             <a:r>
-              <a:rPr lang="en-US" altLang="zh-TW" dirty="0"/>
+              <a:rPr lang="en-US" altLang="zh-TW" sz="1200" dirty="0"/>
               <a:t>)</a:t>
             </a:r>
           </a:p>
           <a:p>
             <a:pPr lvl="1"/>
             <a:r>
-              <a:rPr lang="zh-TW" altLang="en-US" dirty="0"/>
+              <a:rPr lang="zh-TW" altLang="en-US" sz="1400" dirty="0"/>
               <a:t>上測試</a:t>
             </a:r>
-            <a:endParaRPr lang="en-US" altLang="zh-TW" dirty="0"/>
+            <a:endParaRPr lang="en-US" altLang="zh-TW" sz="1400" dirty="0"/>
           </a:p>
           <a:p>
             <a:pPr lvl="2"/>
             <a:r>
-              <a:rPr lang="zh-TW" altLang="en-US" dirty="0"/>
+              <a:rPr lang="zh-TW" altLang="en-US" sz="1200" dirty="0"/>
               <a:t>開發分支 合到 </a:t>
             </a:r>
             <a:r>
-              <a:rPr lang="en-US" altLang="zh-TW" dirty="0"/>
+              <a:rPr lang="en-US" altLang="zh-TW" sz="1200" dirty="0"/>
               <a:t>TT or UT2 (</a:t>
             </a:r>
             <a:r>
-              <a:rPr lang="zh-TW" altLang="en-US" dirty="0"/>
+              <a:rPr lang="zh-TW" altLang="en-US" sz="1200" dirty="0"/>
               <a:t>上</a:t>
             </a:r>
             <a:r>
-              <a:rPr lang="en-US" altLang="zh-TW" dirty="0"/>
+              <a:rPr lang="en-US" altLang="zh-TW" sz="1200" dirty="0"/>
               <a:t>UT CI/CD)</a:t>
             </a:r>
           </a:p>
           <a:p>
             <a:pPr lvl="3"/>
             <a:r>
-              <a:rPr lang="en-US" altLang="zh-TW" dirty="0"/>
-              <a:t>TT (DXMYBANK05UAT(</a:t>
-            </a:r>
-            <a:r>
-              <a:rPr lang="zh-TW" altLang="en-US" dirty="0"/>
+              <a:rPr lang="en-US" altLang="zh-TW" sz="1100" dirty="0"/>
+              <a:t>TT ( </a:t>
+            </a:r>
+            <a:r>
+              <a:rPr lang="zh-TW" altLang="en-US" sz="1100" dirty="0"/>
               <a:t>舊畫面</a:t>
             </a:r>
             <a:r>
-              <a:rPr lang="en-US" altLang="zh-TW" dirty="0"/>
-              <a:t>))</a:t>
+              <a:rPr lang="en-US" altLang="zh-TW" sz="1100" dirty="0"/>
+              <a:t>)</a:t>
             </a:r>
           </a:p>
           <a:p>
             <a:pPr lvl="3"/>
             <a:r>
-              <a:rPr lang="en-US" altLang="zh-TW" dirty="0"/>
-              <a:t>UT2 (DXMYBANK05UAT2(</a:t>
-            </a:r>
-            <a:r>
-              <a:rPr lang="zh-TW" altLang="en-US" dirty="0"/>
+              <a:rPr lang="en-US" altLang="zh-TW" sz="1100" dirty="0"/>
+              <a:t>UT2 (</a:t>
+            </a:r>
+            <a:r>
+              <a:rPr lang="zh-TW" altLang="en-US" sz="1100" dirty="0"/>
               <a:t>新畫面</a:t>
             </a:r>
             <a:r>
-              <a:rPr lang="en-US" altLang="zh-TW" dirty="0"/>
-              <a:t>))</a:t>
+              <a:rPr lang="en-US" altLang="zh-TW" sz="1100" dirty="0"/>
+              <a:t>)</a:t>
             </a:r>
           </a:p>
           <a:p>
             <a:pPr lvl="1"/>
             <a:r>
-              <a:rPr lang="zh-TW" altLang="en-US" dirty="0"/>
+              <a:rPr lang="zh-TW" altLang="en-US" sz="1400" dirty="0"/>
               <a:t>上 </a:t>
             </a:r>
             <a:r>
-              <a:rPr lang="en-US" altLang="zh-TW" dirty="0"/>
+              <a:rPr lang="en-US" altLang="zh-TW" sz="1400" dirty="0"/>
               <a:t>UAT</a:t>
             </a:r>
           </a:p>
           <a:p>
             <a:pPr lvl="2"/>
             <a:r>
-              <a:rPr lang="zh-TW" altLang="en-US" dirty="0"/>
+              <a:rPr lang="zh-TW" altLang="en-US" sz="1200" dirty="0"/>
               <a:t>開發分支 → </a:t>
             </a:r>
             <a:r>
-              <a:rPr lang="en-US" altLang="zh-TW" dirty="0"/>
+              <a:rPr lang="en-US" altLang="zh-TW" sz="1200" dirty="0"/>
               <a:t>UAT</a:t>
+            </a:r>
+          </a:p>
+          <a:p>
+            <a:pPr lvl="3"/>
+            <a:r>
+              <a:rPr lang="en-US" altLang="zh-TW" sz="1100" dirty="0"/>
+              <a:t>DXMYBANK05UAT</a:t>
+            </a:r>
+          </a:p>
+          <a:p>
+            <a:pPr lvl="3"/>
+            <a:r>
+              <a:rPr lang="en-US" altLang="zh-TW" sz="1100" dirty="0"/>
+              <a:t>DXMYBANK05UAT2</a:t>
             </a:r>
           </a:p>
         </p:txBody>
@@ -11576,111 +9963,117 @@
             <p:ph sz="half" idx="1"/>
           </p:nvPr>
         </p:nvSpPr>
-        <p:spPr/>
+        <p:spPr>
+          <a:xfrm>
+            <a:off x="395536" y="915565"/>
+            <a:ext cx="8350219" cy="3888433"/>
+          </a:xfrm>
+        </p:spPr>
         <p:txBody>
           <a:bodyPr>
-            <a:normAutofit fontScale="77500" lnSpcReduction="20000"/>
+            <a:normAutofit/>
           </a:bodyPr>
           <a:lstStyle/>
           <a:p>
             <a:r>
-              <a:rPr lang="zh-TW" altLang="en-US" dirty="0"/>
+              <a:rPr lang="zh-TW" altLang="en-US" sz="1700" dirty="0"/>
               <a:t>上線階段</a:t>
             </a:r>
+            <a:endParaRPr lang="en-US" altLang="zh-TW" sz="1700" dirty="0"/>
+          </a:p>
+          <a:p>
+            <a:pPr lvl="1"/>
+            <a:r>
+              <a:rPr lang="zh-TW" altLang="en-US" sz="1400" dirty="0"/>
+              <a:t>開發分支合回 </a:t>
+            </a:r>
+            <a:r>
+              <a:rPr lang="en-US" altLang="zh-TW" sz="1400" dirty="0"/>
+              <a:t>Develop </a:t>
+            </a:r>
+            <a:r>
+              <a:rPr lang="zh-TW" altLang="en-US" sz="1400" dirty="0"/>
+              <a:t>跟 </a:t>
+            </a:r>
+            <a:r>
+              <a:rPr lang="en-US" altLang="zh-TW" sz="1400" dirty="0"/>
+              <a:t>Release</a:t>
+            </a:r>
+          </a:p>
+          <a:p>
+            <a:pPr lvl="2"/>
+            <a:r>
+              <a:rPr lang="zh-TW" altLang="en-US" sz="1200" dirty="0"/>
+              <a:t>開發分支 → </a:t>
+            </a:r>
+            <a:r>
+              <a:rPr lang="en-US" altLang="zh-TW" sz="1200" dirty="0"/>
+              <a:t>Develop</a:t>
+            </a:r>
+          </a:p>
+          <a:p>
+            <a:pPr lvl="2"/>
+            <a:r>
+              <a:rPr lang="en-US" altLang="zh-TW" sz="1200" dirty="0"/>
+              <a:t>Develop → Release</a:t>
+            </a:r>
+          </a:p>
+          <a:p>
+            <a:pPr lvl="1"/>
+            <a:r>
+              <a:rPr lang="zh-TW" altLang="en-US" sz="1400" dirty="0"/>
+              <a:t>上測試</a:t>
+            </a:r>
+            <a:endParaRPr lang="en-US" altLang="zh-TW" sz="1400" dirty="0"/>
+          </a:p>
+          <a:p>
+            <a:pPr lvl="2"/>
+            <a:r>
+              <a:rPr lang="en-US" altLang="zh-TW" sz="1200" dirty="0"/>
+              <a:t>Release → UT</a:t>
+            </a:r>
             <a:endParaRPr lang="en-US" altLang="zh-TW" dirty="0"/>
           </a:p>
           <a:p>
             <a:pPr lvl="1"/>
             <a:r>
-              <a:rPr lang="zh-TW" altLang="en-US" dirty="0"/>
-              <a:t>開發分支合回 </a:t>
-            </a:r>
-            <a:r>
-              <a:rPr lang="en-US" altLang="zh-TW" dirty="0"/>
-              <a:t>Develop </a:t>
-            </a:r>
-            <a:r>
-              <a:rPr lang="zh-TW" altLang="en-US" dirty="0"/>
-              <a:t>跟 </a:t>
-            </a:r>
-            <a:r>
-              <a:rPr lang="en-US" altLang="zh-TW" dirty="0"/>
-              <a:t>Release</a:t>
+              <a:rPr lang="zh-TW" altLang="en-US" sz="1400" dirty="0"/>
+              <a:t>上 </a:t>
+            </a:r>
+            <a:r>
+              <a:rPr lang="en-US" altLang="zh-TW" sz="1400" dirty="0"/>
+              <a:t>UAT</a:t>
             </a:r>
           </a:p>
           <a:p>
             <a:pPr lvl="2"/>
             <a:r>
-              <a:rPr lang="zh-TW" altLang="en-US" dirty="0"/>
-              <a:t>開發分支 → </a:t>
-            </a:r>
-            <a:r>
-              <a:rPr lang="en-US" altLang="zh-TW" dirty="0"/>
-              <a:t>Develop</a:t>
+              <a:rPr lang="en-US" altLang="zh-TW" sz="1200" dirty="0"/>
+              <a:t>Release → UAT</a:t>
+            </a:r>
+          </a:p>
+          <a:p>
+            <a:pPr lvl="1"/>
+            <a:r>
+              <a:rPr lang="zh-TW" altLang="en-US" sz="1400" dirty="0"/>
+              <a:t>上 </a:t>
+            </a:r>
+            <a:r>
+              <a:rPr lang="en-US" altLang="zh-TW" sz="1400" dirty="0"/>
+              <a:t>PRD</a:t>
             </a:r>
           </a:p>
           <a:p>
             <a:pPr lvl="2"/>
             <a:r>
-              <a:rPr lang="en-US" altLang="zh-TW" dirty="0"/>
-              <a:t>Develop → Release</a:t>
-            </a:r>
-          </a:p>
-          <a:p>
-            <a:pPr lvl="1"/>
-            <a:r>
-              <a:rPr lang="zh-TW" altLang="en-US" dirty="0"/>
-              <a:t>上測試</a:t>
-            </a:r>
-            <a:endParaRPr lang="en-US" altLang="zh-TW" dirty="0"/>
+              <a:rPr lang="en-US" altLang="zh-TW" sz="1200" dirty="0"/>
+              <a:t>Release → PRD</a:t>
+            </a:r>
           </a:p>
           <a:p>
             <a:pPr lvl="2"/>
             <a:r>
-              <a:rPr lang="en-US" altLang="zh-TW" dirty="0"/>
-              <a:t>Release → UT</a:t>
-            </a:r>
-          </a:p>
-          <a:p>
-            <a:pPr lvl="1"/>
-            <a:r>
-              <a:rPr lang="zh-TW" altLang="en-US" dirty="0"/>
-              <a:t>上 </a:t>
-            </a:r>
-            <a:r>
-              <a:rPr lang="en-US" altLang="zh-TW" dirty="0"/>
-              <a:t>UAT</a:t>
-            </a:r>
-          </a:p>
-          <a:p>
-            <a:pPr lvl="2"/>
-            <a:r>
-              <a:rPr lang="en-US" altLang="zh-TW" dirty="0"/>
-              <a:t>Release → UAT</a:t>
-            </a:r>
-          </a:p>
-          <a:p>
-            <a:pPr lvl="1"/>
-            <a:r>
-              <a:rPr lang="zh-TW" altLang="en-US" dirty="0"/>
-              <a:t>上 </a:t>
-            </a:r>
-            <a:r>
-              <a:rPr lang="en-US" altLang="zh-TW" dirty="0"/>
-              <a:t>PRD</a:t>
-            </a:r>
-          </a:p>
-          <a:p>
-            <a:pPr lvl="2"/>
-            <a:r>
-              <a:rPr lang="en-US" altLang="zh-TW" dirty="0"/>
-              <a:t>Release → PRD</a:t>
-            </a:r>
-          </a:p>
-          <a:p>
-            <a:pPr lvl="2"/>
-            <a:r>
-              <a:rPr lang="en-US" altLang="zh-TW" dirty="0"/>
+              <a:rPr lang="en-US" altLang="zh-TW" sz="1200" dirty="0"/>
               <a:t>Release → master</a:t>
             </a:r>
           </a:p>
@@ -11803,35 +10196,6 @@
           </a:p>
         </p:txBody>
       </p:sp>
-      <p:pic>
-        <p:nvPicPr>
-          <p:cNvPr id="11" name="內容版面配置區 10">
-            <a:extLst>
-              <a:ext uri="{FF2B5EF4-FFF2-40B4-BE49-F238E27FC236}">
-                <a16:creationId xmlns:a16="http://schemas.microsoft.com/office/drawing/2014/main" id="{AAD1FD43-1F31-4D28-B821-A34600D3F403}"/>
-              </a:ext>
-            </a:extLst>
-          </p:cNvPr>
-          <p:cNvPicPr>
-            <a:picLocks noGrp="1" noChangeAspect="1"/>
-          </p:cNvPicPr>
-          <p:nvPr>
-            <p:ph sz="half" idx="1"/>
-          </p:nvPr>
-        </p:nvPicPr>
-        <p:blipFill>
-          <a:blip r:embed="rId3"/>
-          <a:stretch>
-            <a:fillRect/>
-          </a:stretch>
-        </p:blipFill>
-        <p:spPr>
-          <a:xfrm>
-            <a:off x="1907704" y="962609"/>
-            <a:ext cx="5400600" cy="3965402"/>
-          </a:xfrm>
-        </p:spPr>
-      </p:pic>
     </p:spTree>
     <p:extLst>
       <p:ext uri="{BB962C8B-B14F-4D97-AF65-F5344CB8AC3E}">
@@ -11971,7 +10335,7 @@
         <p:spPr>
           <a:xfrm>
             <a:off x="827584" y="915566"/>
-            <a:ext cx="2736304" cy="3888432"/>
+            <a:ext cx="2472997" cy="3888432"/>
           </a:xfrm>
         </p:spPr>
         <p:txBody>
@@ -13066,10 +11430,10 @@
       </p:sp>
       <p:pic>
         <p:nvPicPr>
-          <p:cNvPr id="3" name="圖片 2">
+          <p:cNvPr id="10" name="圖片 9">
             <a:extLst>
               <a:ext uri="{FF2B5EF4-FFF2-40B4-BE49-F238E27FC236}">
-                <a16:creationId xmlns:a16="http://schemas.microsoft.com/office/drawing/2014/main" id="{57B6C5FF-BFE0-4260-9EE5-0195C352FC24}"/>
+                <a16:creationId xmlns:a16="http://schemas.microsoft.com/office/drawing/2014/main" id="{B3498EEF-3DAF-487B-9545-8E5C9B9C5C52}"/>
               </a:ext>
             </a:extLst>
           </p:cNvPr>
@@ -13092,8 +11456,8 @@
         </p:blipFill>
         <p:spPr>
           <a:xfrm>
-            <a:off x="908987" y="699542"/>
-            <a:ext cx="7812360" cy="4288069"/>
+            <a:off x="1043608" y="699542"/>
+            <a:ext cx="7390868" cy="4299942"/>
           </a:xfrm>
           <a:prstGeom prst="rect">
             <a:avLst/>
@@ -13251,124 +11615,72 @@
           <a:chExt cx="0" cy="0"/>
         </a:xfrm>
       </p:grpSpPr>
-      <p:pic>
-        <p:nvPicPr>
-          <p:cNvPr id="3" name="圖片 2">
+      <p:sp>
+        <p:nvSpPr>
+          <p:cNvPr id="5" name="標題 4"/>
+          <p:cNvSpPr>
+            <a:spLocks noGrp="1"/>
+          </p:cNvSpPr>
+          <p:nvPr>
+            <p:ph type="ctrTitle"/>
+          </p:nvPr>
+        </p:nvSpPr>
+        <p:spPr/>
+        <p:txBody>
+          <a:bodyPr/>
+          <a:lstStyle/>
+          <a:p>
+            <a:r>
+              <a:rPr lang="en-US" altLang="zh-TW" b="0" dirty="0"/>
+              <a:t>Single sign-on</a:t>
+            </a:r>
+            <a:r>
+              <a:rPr lang="zh-TW" altLang="en-US" b="0" dirty="0"/>
+              <a:t> </a:t>
+            </a:r>
+            <a:endParaRPr lang="zh-TW" altLang="en-US" dirty="0"/>
+          </a:p>
+        </p:txBody>
+      </p:sp>
+      <p:sp>
+        <p:nvSpPr>
+          <p:cNvPr id="4" name="投影片編號版面配置區 3">
             <a:extLst>
               <a:ext uri="{FF2B5EF4-FFF2-40B4-BE49-F238E27FC236}">
-                <a16:creationId xmlns:a16="http://schemas.microsoft.com/office/drawing/2014/main" id="{C7E5DE10-FBD4-4F7B-A875-64959D7FE708}"/>
+                <a16:creationId xmlns:a16="http://schemas.microsoft.com/office/drawing/2014/main" id="{47113876-7C73-4798-AE39-E183725FD5C9}"/>
               </a:ext>
             </a:extLst>
           </p:cNvPr>
-          <p:cNvPicPr>
-            <a:picLocks noChangeAspect="1"/>
-          </p:cNvPicPr>
-          <p:nvPr/>
-        </p:nvPicPr>
-        <p:blipFill>
-          <a:blip r:embed="rId3">
-            <a:extLst>
-              <a:ext uri="{28A0092B-C50C-407E-A947-70E740481C1C}">
-                <a14:useLocalDpi xmlns:a14="http://schemas.microsoft.com/office/drawing/2010/main" val="0"/>
-              </a:ext>
-            </a:extLst>
-          </a:blip>
-          <a:stretch>
-            <a:fillRect/>
-          </a:stretch>
-        </p:blipFill>
+          <p:cNvSpPr>
+            <a:spLocks noGrp="1"/>
+          </p:cNvSpPr>
+          <p:nvPr>
+            <p:ph type="sldNum" sz="quarter" idx="4294967295"/>
+          </p:nvPr>
+        </p:nvSpPr>
         <p:spPr>
           <a:xfrm>
-            <a:off x="132287" y="758592"/>
-            <a:ext cx="8876718" cy="4314184"/>
+            <a:off x="8658225" y="4714875"/>
+            <a:ext cx="485775" cy="285750"/>
           </a:xfrm>
-          <a:prstGeom prst="rect">
-            <a:avLst/>
-          </a:prstGeom>
         </p:spPr>
-      </p:pic>
-      <p:sp>
-        <p:nvSpPr>
-          <p:cNvPr id="12" name="流程圖: 程序 11">
-            <a:extLst>
-              <a:ext uri="{FF2B5EF4-FFF2-40B4-BE49-F238E27FC236}">
-                <a16:creationId xmlns:a16="http://schemas.microsoft.com/office/drawing/2014/main" id="{AF9ADD28-010D-4CDF-A7CB-635A2A09F33F}"/>
-              </a:ext>
-            </a:extLst>
-          </p:cNvPr>
-          <p:cNvSpPr/>
-          <p:nvPr/>
-        </p:nvSpPr>
-        <p:spPr>
-          <a:xfrm>
-            <a:off x="1256228" y="771550"/>
-            <a:ext cx="7697599" cy="4065015"/>
-          </a:xfrm>
-          <a:prstGeom prst="flowChartProcess">
-            <a:avLst/>
-          </a:prstGeom>
-          <a:noFill/>
-          <a:ln>
-            <a:noFill/>
-          </a:ln>
-        </p:spPr>
-        <p:style>
-          <a:lnRef idx="2">
-            <a:schemeClr val="accent1">
-              <a:shade val="50000"/>
-            </a:schemeClr>
-          </a:lnRef>
-          <a:fillRef idx="1">
-            <a:schemeClr val="accent1"/>
-          </a:fillRef>
-          <a:effectRef idx="0">
-            <a:schemeClr val="accent1"/>
-          </a:effectRef>
-          <a:fontRef idx="minor">
-            <a:schemeClr val="lt1"/>
-          </a:fontRef>
-        </p:style>
-        <p:txBody>
-          <a:bodyPr rtlCol="0" anchor="ctr"/>
-          <a:lstStyle/>
-          <a:p>
-            <a:pPr algn="ctr"/>
-            <a:endParaRPr lang="zh-TW" altLang="en-US">
-              <a:solidFill>
-                <a:schemeClr val="accent3">
-                  <a:lumMod val="75000"/>
-                </a:schemeClr>
-              </a:solidFill>
-            </a:endParaRPr>
-          </a:p>
-        </p:txBody>
-      </p:sp>
-      <p:sp>
-        <p:nvSpPr>
-          <p:cNvPr id="9" name="標題 8"/>
-          <p:cNvSpPr>
-            <a:spLocks noGrp="1"/>
-          </p:cNvSpPr>
-          <p:nvPr>
-            <p:ph type="title"/>
-          </p:nvPr>
-        </p:nvSpPr>
-        <p:spPr/>
         <p:txBody>
           <a:bodyPr/>
           <a:lstStyle/>
           <a:p>
-            <a:r>
-              <a:rPr lang="zh-TW" altLang="en-US" dirty="0"/>
-              <a:t>申請頁</a:t>
-            </a:r>
+            <a:fld id="{ADAF07C5-463E-4746-8662-F9EAE6427DB3}" type="slidenum">
+              <a:rPr lang="zh-TW" altLang="en-US" smtClean="0"/>
+              <a:pPr/>
+              <a:t>18</a:t>
+            </a:fld>
+            <a:endParaRPr lang="zh-TW" altLang="en-US" dirty="0"/>
           </a:p>
         </p:txBody>
       </p:sp>
     </p:spTree>
     <p:extLst>
       <p:ext uri="{BB962C8B-B14F-4D97-AF65-F5344CB8AC3E}">
-        <p14:creationId xmlns:p14="http://schemas.microsoft.com/office/powerpoint/2010/main" val="958779715"/>
+        <p14:creationId xmlns:p14="http://schemas.microsoft.com/office/powerpoint/2010/main" val="3012235453"/>
       </p:ext>
     </p:extLst>
   </p:cSld>
@@ -13397,63 +11709,7 @@
       </p:grpSpPr>
       <p:sp>
         <p:nvSpPr>
-          <p:cNvPr id="12" name="流程圖: 程序 11">
-            <a:extLst>
-              <a:ext uri="{FF2B5EF4-FFF2-40B4-BE49-F238E27FC236}">
-                <a16:creationId xmlns:a16="http://schemas.microsoft.com/office/drawing/2014/main" id="{AF9ADD28-010D-4CDF-A7CB-635A2A09F33F}"/>
-              </a:ext>
-            </a:extLst>
-          </p:cNvPr>
-          <p:cNvSpPr/>
-          <p:nvPr/>
-        </p:nvSpPr>
-        <p:spPr>
-          <a:xfrm>
-            <a:off x="1256228" y="771550"/>
-            <a:ext cx="7697599" cy="4065015"/>
-          </a:xfrm>
-          <a:prstGeom prst="flowChartProcess">
-            <a:avLst/>
-          </a:prstGeom>
-          <a:noFill/>
-          <a:ln>
-            <a:noFill/>
-          </a:ln>
-        </p:spPr>
-        <p:style>
-          <a:lnRef idx="2">
-            <a:schemeClr val="accent1">
-              <a:shade val="50000"/>
-            </a:schemeClr>
-          </a:lnRef>
-          <a:fillRef idx="1">
-            <a:schemeClr val="accent1"/>
-          </a:fillRef>
-          <a:effectRef idx="0">
-            <a:schemeClr val="accent1"/>
-          </a:effectRef>
-          <a:fontRef idx="minor">
-            <a:schemeClr val="lt1"/>
-          </a:fontRef>
-        </p:style>
-        <p:txBody>
-          <a:bodyPr rtlCol="0" anchor="ctr"/>
-          <a:lstStyle/>
-          <a:p>
-            <a:pPr algn="ctr"/>
-            <a:endParaRPr lang="zh-TW" altLang="en-US">
-              <a:solidFill>
-                <a:schemeClr val="accent3">
-                  <a:lumMod val="75000"/>
-                </a:schemeClr>
-              </a:solidFill>
-            </a:endParaRPr>
-          </a:p>
-        </p:txBody>
-      </p:sp>
-      <p:sp>
-        <p:nvSpPr>
-          <p:cNvPr id="9" name="標題 8"/>
+          <p:cNvPr id="2" name="標題 1"/>
           <p:cNvSpPr>
             <a:spLocks noGrp="1"/>
           </p:cNvSpPr>
@@ -13467,52 +11723,137 @@
           <a:lstStyle/>
           <a:p>
             <a:r>
-              <a:rPr lang="zh-TW" altLang="en-US" dirty="0"/>
-              <a:t>申請頁</a:t>
-            </a:r>
-          </a:p>
-        </p:txBody>
-      </p:sp>
-      <p:pic>
-        <p:nvPicPr>
-          <p:cNvPr id="4" name="圖片 3" descr="一張含有 文字 的圖片&#10;&#10;自動產生的描述">
-            <a:extLst>
-              <a:ext uri="{FF2B5EF4-FFF2-40B4-BE49-F238E27FC236}">
-                <a16:creationId xmlns:a16="http://schemas.microsoft.com/office/drawing/2014/main" id="{6C815A8D-E4B0-4385-A1FB-B43234782C50}"/>
-              </a:ext>
-            </a:extLst>
-          </p:cNvPr>
-          <p:cNvPicPr>
-            <a:picLocks noChangeAspect="1"/>
-          </p:cNvPicPr>
-          <p:nvPr/>
-        </p:nvPicPr>
-        <p:blipFill>
-          <a:blip r:embed="rId3">
-            <a:extLst>
-              <a:ext uri="{28A0092B-C50C-407E-A947-70E740481C1C}">
-                <a14:useLocalDpi xmlns:a14="http://schemas.microsoft.com/office/drawing/2010/main" val="0"/>
-              </a:ext>
-            </a:extLst>
-          </a:blip>
-          <a:stretch>
-            <a:fillRect/>
-          </a:stretch>
-        </p:blipFill>
-        <p:spPr>
-          <a:xfrm>
-            <a:off x="29716" y="1347614"/>
-            <a:ext cx="9144000" cy="2249326"/>
-          </a:xfrm>
-          <a:prstGeom prst="rect">
-            <a:avLst/>
-          </a:prstGeom>
-        </p:spPr>
-      </p:pic>
+              <a:rPr lang="en-US" altLang="zh-TW" b="0" dirty="0"/>
+              <a:t>Single sign-on</a:t>
+            </a:r>
+            <a:endParaRPr lang="zh-TW" altLang="en-US" dirty="0"/>
+          </a:p>
+        </p:txBody>
+      </p:sp>
+      <p:sp>
+        <p:nvSpPr>
+          <p:cNvPr id="3" name="內容版面配置區 2"/>
+          <p:cNvSpPr>
+            <a:spLocks noGrp="1"/>
+          </p:cNvSpPr>
+          <p:nvPr>
+            <p:ph sz="half" idx="1"/>
+          </p:nvPr>
+        </p:nvSpPr>
+        <p:spPr/>
+        <p:txBody>
+          <a:bodyPr>
+            <a:normAutofit fontScale="92500" lnSpcReduction="10000"/>
+          </a:bodyPr>
+          <a:lstStyle/>
+          <a:p>
+            <a:r>
+              <a:rPr lang="zh-TW" altLang="en-US" dirty="0">
+                <a:latin typeface="+mj-ea"/>
+                <a:ea typeface="+mj-ea"/>
+              </a:rPr>
+              <a:t>目的</a:t>
+            </a:r>
+            <a:endParaRPr lang="en-US" altLang="zh-TW" dirty="0">
+              <a:latin typeface="+mj-ea"/>
+              <a:ea typeface="+mj-ea"/>
+            </a:endParaRPr>
+          </a:p>
+          <a:p>
+            <a:pPr lvl="1"/>
+            <a:r>
+              <a:rPr lang="zh-TW" altLang="en-US" b="0" i="0" dirty="0">
+                <a:solidFill>
+                  <a:srgbClr val="202122"/>
+                </a:solidFill>
+                <a:effectLst/>
+                <a:latin typeface="Arial" panose="020B0604020202020204" pitchFamily="34" charset="0"/>
+              </a:rPr>
+              <a:t>不用對每個單一系統都逐一登入</a:t>
+            </a:r>
+            <a:endParaRPr lang="en-US" altLang="zh-TW" b="0" i="0" dirty="0">
+              <a:solidFill>
+                <a:srgbClr val="202122"/>
+              </a:solidFill>
+              <a:effectLst/>
+              <a:latin typeface="Arial" panose="020B0604020202020204" pitchFamily="34" charset="0"/>
+            </a:endParaRPr>
+          </a:p>
+          <a:p>
+            <a:r>
+              <a:rPr lang="zh-TW" altLang="en-US" dirty="0"/>
+              <a:t>優點</a:t>
+            </a:r>
+            <a:endParaRPr lang="en-US" altLang="zh-TW" dirty="0"/>
+          </a:p>
+          <a:p>
+            <a:pPr lvl="1"/>
+            <a:r>
+              <a:rPr lang="zh-TW" altLang="en-US" dirty="0"/>
+              <a:t>減少釣魚網站成功的機會</a:t>
+            </a:r>
+            <a:endParaRPr lang="en-US" altLang="zh-TW" dirty="0"/>
+          </a:p>
+          <a:p>
+            <a:pPr lvl="1"/>
+            <a:r>
+              <a:rPr lang="zh-TW" altLang="en-US" dirty="0"/>
+              <a:t>減少因密碼組數太多造成遺忘的困擾</a:t>
+            </a:r>
+            <a:endParaRPr lang="en-US" altLang="zh-TW" dirty="0"/>
+          </a:p>
+          <a:p>
+            <a:pPr lvl="1" algn="l"/>
+            <a:r>
+              <a:rPr lang="zh-TW" altLang="en-US" dirty="0"/>
+              <a:t>減少為相同的身分重新輸入密碼所花費的時間。</a:t>
+            </a:r>
+            <a:endParaRPr lang="en-US" altLang="zh-TW" dirty="0"/>
+          </a:p>
+          <a:p>
+            <a:r>
+              <a:rPr lang="zh-TW" altLang="en-US" dirty="0"/>
+              <a:t>缺點</a:t>
+            </a:r>
+            <a:endParaRPr lang="en-US" altLang="zh-TW" dirty="0"/>
+          </a:p>
+          <a:p>
+            <a:pPr lvl="1"/>
+            <a:r>
+              <a:rPr lang="zh-TW" altLang="en-US" dirty="0"/>
+              <a:t>登入之後所有系統都可以使用</a:t>
+            </a:r>
+          </a:p>
+        </p:txBody>
+      </p:sp>
+      <p:sp>
+        <p:nvSpPr>
+          <p:cNvPr id="5" name="投影片編號版面配置區 4"/>
+          <p:cNvSpPr>
+            <a:spLocks noGrp="1"/>
+          </p:cNvSpPr>
+          <p:nvPr>
+            <p:ph type="sldNum" sz="quarter" idx="4"/>
+          </p:nvPr>
+        </p:nvSpPr>
+        <p:spPr/>
+        <p:txBody>
+          <a:bodyPr/>
+          <a:lstStyle/>
+          <a:p>
+            <a:fld id="{ADAF07C5-463E-4746-8662-F9EAE6427DB3}" type="slidenum">
+              <a:rPr lang="zh-TW" altLang="en-US" smtClean="0"/>
+              <a:pPr/>
+              <a:t>19</a:t>
+            </a:fld>
+            <a:endParaRPr lang="zh-TW" altLang="en-US" dirty="0"/>
+          </a:p>
+        </p:txBody>
+      </p:sp>
     </p:spTree>
     <p:extLst>
       <p:ext uri="{BB962C8B-B14F-4D97-AF65-F5344CB8AC3E}">
-        <p14:creationId xmlns:p14="http://schemas.microsoft.com/office/powerpoint/2010/main" val="3763065223"/>
+        <p14:creationId xmlns:p14="http://schemas.microsoft.com/office/powerpoint/2010/main" val="4063467775"/>
       </p:ext>
     </p:extLst>
   </p:cSld>
@@ -13580,79 +11921,109 @@
           <a:lstStyle/>
           <a:p>
             <a:r>
-              <a:rPr lang="zh-TW" altLang="en-US" dirty="0"/>
+              <a:rPr lang="zh-TW" altLang="en-US" dirty="0">
+                <a:latin typeface="+mn-ea"/>
+              </a:rPr>
               <a:t>敏捷開發 </a:t>
             </a:r>
             <a:r>
-              <a:rPr lang="en-US" altLang="zh-TW" dirty="0"/>
+              <a:rPr lang="en-US" altLang="zh-TW" dirty="0">
+                <a:latin typeface="+mn-ea"/>
+              </a:rPr>
               <a:t>Scrum</a:t>
             </a:r>
           </a:p>
           <a:p>
             <a:r>
-              <a:rPr lang="zh-TW" altLang="en-US" dirty="0"/>
+              <a:rPr lang="zh-TW" altLang="en-US" dirty="0">
+                <a:latin typeface="+mn-ea"/>
+              </a:rPr>
               <a:t>開發流程</a:t>
             </a:r>
-            <a:endParaRPr lang="en-US" altLang="zh-TW" dirty="0"/>
-          </a:p>
-          <a:p>
-            <a:r>
-              <a:rPr lang="zh-TW" altLang="en-US" dirty="0"/>
+            <a:endParaRPr lang="en-US" altLang="zh-TW" dirty="0">
+              <a:latin typeface="+mn-ea"/>
+            </a:endParaRPr>
+          </a:p>
+          <a:p>
+            <a:r>
+              <a:rPr lang="zh-TW" altLang="en-US" dirty="0">
+                <a:latin typeface="+mn-ea"/>
+              </a:rPr>
               <a:t>網銀系統與架構</a:t>
             </a:r>
-            <a:endParaRPr lang="en-US" altLang="zh-TW" dirty="0"/>
+            <a:endParaRPr lang="en-US" altLang="zh-TW" dirty="0">
+              <a:latin typeface="+mn-ea"/>
+            </a:endParaRPr>
           </a:p>
           <a:p>
             <a:pPr lvl="1"/>
             <a:r>
-              <a:rPr lang="zh-TW" altLang="en-US" dirty="0"/>
+              <a:rPr lang="zh-TW" altLang="en-US" dirty="0">
+                <a:latin typeface="+mn-ea"/>
+              </a:rPr>
               <a:t>功能導覽</a:t>
             </a:r>
-            <a:endParaRPr lang="en-US" altLang="zh-TW" dirty="0"/>
+            <a:endParaRPr lang="en-US" altLang="zh-TW" dirty="0">
+              <a:latin typeface="+mn-ea"/>
+            </a:endParaRPr>
           </a:p>
           <a:p>
             <a:pPr lvl="1"/>
             <a:r>
-              <a:rPr lang="zh-TW" altLang="en-US" dirty="0"/>
+              <a:rPr lang="zh-TW" altLang="en-US" dirty="0">
+                <a:latin typeface="+mn-ea"/>
+              </a:rPr>
               <a:t>系統架構</a:t>
             </a:r>
-            <a:endParaRPr lang="en-US" altLang="zh-TW" dirty="0"/>
-          </a:p>
-          <a:p>
-            <a:r>
-              <a:rPr lang="zh-TW" altLang="en-US" dirty="0"/>
+            <a:endParaRPr lang="en-US" altLang="zh-TW" dirty="0">
+              <a:latin typeface="+mn-ea"/>
+            </a:endParaRPr>
+          </a:p>
+          <a:p>
+            <a:r>
+              <a:rPr lang="zh-TW" altLang="en-US" dirty="0">
+                <a:latin typeface="+mn-ea"/>
+              </a:rPr>
               <a:t>外幣開立定存功能</a:t>
             </a:r>
-            <a:endParaRPr lang="en-US" altLang="zh-TW" dirty="0"/>
-          </a:p>
-          <a:p>
-            <a:r>
-              <a:rPr lang="en-US" altLang="zh-TW" dirty="0"/>
+            <a:endParaRPr lang="en-US" altLang="zh-TW" dirty="0">
+              <a:latin typeface="+mn-ea"/>
+            </a:endParaRPr>
+          </a:p>
+          <a:p>
+            <a:r>
+              <a:rPr lang="en-US" altLang="zh-TW" dirty="0">
+                <a:latin typeface="+mn-ea"/>
+              </a:rPr>
               <a:t>SSO</a:t>
             </a:r>
             <a:r>
-              <a:rPr lang="zh-TW" altLang="en-US" dirty="0"/>
+              <a:rPr lang="zh-TW" altLang="en-US" dirty="0">
+                <a:latin typeface="+mn-ea"/>
+              </a:rPr>
               <a:t>機制</a:t>
             </a:r>
-            <a:endParaRPr lang="en-US" altLang="zh-TW" dirty="0"/>
-          </a:p>
-          <a:p>
-            <a:r>
-              <a:rPr lang="zh-TW" altLang="en-US" b="1" i="0" dirty="0">
+            <a:endParaRPr lang="en-US" altLang="zh-TW" dirty="0">
+              <a:latin typeface="+mn-ea"/>
+            </a:endParaRPr>
+          </a:p>
+          <a:p>
+            <a:r>
+              <a:rPr lang="zh-TW" altLang="en-US" i="0" dirty="0">
                 <a:solidFill>
                   <a:srgbClr val="333333"/>
                 </a:solidFill>
                 <a:effectLst/>
-                <a:latin typeface="-apple-system"/>
+                <a:latin typeface="+mn-ea"/>
               </a:rPr>
               <a:t>網銀拉皮</a:t>
             </a:r>
-            <a:endParaRPr lang="en-US" altLang="zh-TW" b="1" i="0" dirty="0">
+            <a:endParaRPr lang="en-US" altLang="zh-TW" i="0" dirty="0">
               <a:solidFill>
                 <a:srgbClr val="333333"/>
               </a:solidFill>
               <a:effectLst/>
-              <a:latin typeface="-apple-system"/>
+              <a:latin typeface="+mn-ea"/>
             </a:endParaRPr>
           </a:p>
           <a:p>
@@ -13661,29 +12032,37 @@
                 <a:srgbClr val="333333"/>
               </a:solidFill>
               <a:effectLst/>
-              <a:latin typeface="-apple-system"/>
+              <a:latin typeface="+mn-ea"/>
             </a:endParaRPr>
           </a:p>
           <a:p>
-            <a:endParaRPr lang="en-US" altLang="zh-TW" dirty="0"/>
+            <a:endParaRPr lang="en-US" altLang="zh-TW" dirty="0">
+              <a:latin typeface="+mn-ea"/>
+            </a:endParaRPr>
           </a:p>
           <a:p>
             <a:pPr marL="457200" lvl="1" indent="0">
               <a:buNone/>
             </a:pPr>
-            <a:endParaRPr lang="en-US" altLang="zh-TW" dirty="0"/>
+            <a:endParaRPr lang="en-US" altLang="zh-TW" dirty="0">
+              <a:latin typeface="+mn-ea"/>
+            </a:endParaRPr>
           </a:p>
           <a:p>
             <a:pPr marL="0" indent="0">
               <a:buNone/>
             </a:pPr>
-            <a:endParaRPr lang="en-US" altLang="zh-TW" dirty="0"/>
+            <a:endParaRPr lang="en-US" altLang="zh-TW" dirty="0">
+              <a:latin typeface="+mn-ea"/>
+            </a:endParaRPr>
           </a:p>
           <a:p>
             <a:pPr marL="0" indent="0">
               <a:buNone/>
             </a:pPr>
-            <a:endParaRPr lang="zh-TW" altLang="en-US" dirty="0"/>
+            <a:endParaRPr lang="zh-TW" altLang="en-US" dirty="0">
+              <a:latin typeface="+mn-ea"/>
+            </a:endParaRPr>
           </a:p>
         </p:txBody>
       </p:sp>
@@ -13697,12 +12076,12 @@
   <p:clrMapOvr>
     <a:masterClrMapping/>
   </p:clrMapOvr>
-  <mc:AlternateContent xmlns:mc="http://schemas.openxmlformats.org/markup-compatibility/2006" xmlns:p14="http://schemas.microsoft.com/office/powerpoint/2010/main">
-    <mc:Choice Requires="p14">
-      <p:transition spd="slow" p14:dur="2000" advTm="208"/>
+  <mc:AlternateContent xmlns:mc="http://schemas.openxmlformats.org/markup-compatibility/2006">
+    <mc:Choice xmlns:p14="http://schemas.microsoft.com/office/powerpoint/2010/main" Requires="p14">
+      <p:transition spd="slow" p14:dur="2000" advClick="0"/>
     </mc:Choice>
-    <mc:Fallback xmlns="">
-      <p:transition spd="slow" advTm="208"/>
+    <mc:Fallback>
+      <p:transition spd="slow" advClick="0"/>
     </mc:Fallback>
   </mc:AlternateContent>
 </p:sld>
@@ -13727,1931 +12106,6 @@
       </p:grpSpPr>
       <p:sp>
         <p:nvSpPr>
-          <p:cNvPr id="12" name="流程圖: 程序 11">
-            <a:extLst>
-              <a:ext uri="{FF2B5EF4-FFF2-40B4-BE49-F238E27FC236}">
-                <a16:creationId xmlns:a16="http://schemas.microsoft.com/office/drawing/2014/main" id="{AF9ADD28-010D-4CDF-A7CB-635A2A09F33F}"/>
-              </a:ext>
-            </a:extLst>
-          </p:cNvPr>
-          <p:cNvSpPr/>
-          <p:nvPr/>
-        </p:nvSpPr>
-        <p:spPr>
-          <a:xfrm>
-            <a:off x="1256228" y="771550"/>
-            <a:ext cx="7697599" cy="4065015"/>
-          </a:xfrm>
-          <a:prstGeom prst="flowChartProcess">
-            <a:avLst/>
-          </a:prstGeom>
-          <a:noFill/>
-          <a:ln>
-            <a:noFill/>
-          </a:ln>
-        </p:spPr>
-        <p:style>
-          <a:lnRef idx="2">
-            <a:schemeClr val="accent1">
-              <a:shade val="50000"/>
-            </a:schemeClr>
-          </a:lnRef>
-          <a:fillRef idx="1">
-            <a:schemeClr val="accent1"/>
-          </a:fillRef>
-          <a:effectRef idx="0">
-            <a:schemeClr val="accent1"/>
-          </a:effectRef>
-          <a:fontRef idx="minor">
-            <a:schemeClr val="lt1"/>
-          </a:fontRef>
-        </p:style>
-        <p:txBody>
-          <a:bodyPr rtlCol="0" anchor="ctr"/>
-          <a:lstStyle/>
-          <a:p>
-            <a:pPr algn="ctr"/>
-            <a:endParaRPr lang="zh-TW" altLang="en-US">
-              <a:solidFill>
-                <a:schemeClr val="accent3">
-                  <a:lumMod val="75000"/>
-                </a:schemeClr>
-              </a:solidFill>
-            </a:endParaRPr>
-          </a:p>
-        </p:txBody>
-      </p:sp>
-      <p:sp>
-        <p:nvSpPr>
-          <p:cNvPr id="9" name="標題 8"/>
-          <p:cNvSpPr>
-            <a:spLocks noGrp="1"/>
-          </p:cNvSpPr>
-          <p:nvPr>
-            <p:ph type="title"/>
-          </p:nvPr>
-        </p:nvSpPr>
-        <p:spPr/>
-        <p:txBody>
-          <a:bodyPr/>
-          <a:lstStyle/>
-          <a:p>
-            <a:r>
-              <a:rPr lang="zh-TW" altLang="en-US" dirty="0"/>
-              <a:t>申請頁</a:t>
-            </a:r>
-          </a:p>
-        </p:txBody>
-      </p:sp>
-      <p:pic>
-        <p:nvPicPr>
-          <p:cNvPr id="3" name="圖片 2">
-            <a:extLst>
-              <a:ext uri="{FF2B5EF4-FFF2-40B4-BE49-F238E27FC236}">
-                <a16:creationId xmlns:a16="http://schemas.microsoft.com/office/drawing/2014/main" id="{259B20C9-3132-49E7-BF9D-3438B5528FFE}"/>
-              </a:ext>
-            </a:extLst>
-          </p:cNvPr>
-          <p:cNvPicPr>
-            <a:picLocks noChangeAspect="1"/>
-          </p:cNvPicPr>
-          <p:nvPr/>
-        </p:nvPicPr>
-        <p:blipFill>
-          <a:blip r:embed="rId3">
-            <a:extLst>
-              <a:ext uri="{28A0092B-C50C-407E-A947-70E740481C1C}">
-                <a14:useLocalDpi xmlns:a14="http://schemas.microsoft.com/office/drawing/2010/main" val="0"/>
-              </a:ext>
-            </a:extLst>
-          </a:blip>
-          <a:stretch>
-            <a:fillRect/>
-          </a:stretch>
-        </p:blipFill>
-        <p:spPr>
-          <a:xfrm>
-            <a:off x="258095" y="1064420"/>
-            <a:ext cx="8725428" cy="3479274"/>
-          </a:xfrm>
-          <a:prstGeom prst="rect">
-            <a:avLst/>
-          </a:prstGeom>
-        </p:spPr>
-      </p:pic>
-    </p:spTree>
-    <p:extLst>
-      <p:ext uri="{BB962C8B-B14F-4D97-AF65-F5344CB8AC3E}">
-        <p14:creationId xmlns:p14="http://schemas.microsoft.com/office/powerpoint/2010/main" val="852957052"/>
-      </p:ext>
-    </p:extLst>
-  </p:cSld>
-  <p:clrMapOvr>
-    <a:masterClrMapping/>
-  </p:clrMapOvr>
-</p:sld>
-</file>
-
-<file path=ppt/slides/slide21.xml><?xml version="1.0" encoding="utf-8"?>
-<p:sld xmlns:a="http://schemas.openxmlformats.org/drawingml/2006/main" xmlns:r="http://schemas.openxmlformats.org/officeDocument/2006/relationships" xmlns:p="http://schemas.openxmlformats.org/presentationml/2006/main">
-  <p:cSld>
-    <p:spTree>
-      <p:nvGrpSpPr>
-        <p:cNvPr id="1" name=""/>
-        <p:cNvGrpSpPr/>
-        <p:nvPr/>
-      </p:nvGrpSpPr>
-      <p:grpSpPr>
-        <a:xfrm>
-          <a:off x="0" y="0"/>
-          <a:ext cx="0" cy="0"/>
-          <a:chOff x="0" y="0"/>
-          <a:chExt cx="0" cy="0"/>
-        </a:xfrm>
-      </p:grpSpPr>
-      <p:pic>
-        <p:nvPicPr>
-          <p:cNvPr id="4" name="圖片 3">
-            <a:extLst>
-              <a:ext uri="{FF2B5EF4-FFF2-40B4-BE49-F238E27FC236}">
-                <a16:creationId xmlns:a16="http://schemas.microsoft.com/office/drawing/2014/main" id="{809A862F-0D43-4EAD-AF1C-CBD083E6B76D}"/>
-              </a:ext>
-            </a:extLst>
-          </p:cNvPr>
-          <p:cNvPicPr>
-            <a:picLocks noChangeAspect="1"/>
-          </p:cNvPicPr>
-          <p:nvPr/>
-        </p:nvPicPr>
-        <p:blipFill>
-          <a:blip r:embed="rId3">
-            <a:extLst>
-              <a:ext uri="{28A0092B-C50C-407E-A947-70E740481C1C}">
-                <a14:useLocalDpi xmlns:a14="http://schemas.microsoft.com/office/drawing/2010/main" val="0"/>
-              </a:ext>
-            </a:extLst>
-          </a:blip>
-          <a:stretch>
-            <a:fillRect/>
-          </a:stretch>
-        </p:blipFill>
-        <p:spPr>
-          <a:xfrm>
-            <a:off x="971600" y="627534"/>
-            <a:ext cx="7485666" cy="4515966"/>
-          </a:xfrm>
-          <a:prstGeom prst="rect">
-            <a:avLst/>
-          </a:prstGeom>
-        </p:spPr>
-      </p:pic>
-      <p:sp>
-        <p:nvSpPr>
-          <p:cNvPr id="12" name="流程圖: 程序 11">
-            <a:extLst>
-              <a:ext uri="{FF2B5EF4-FFF2-40B4-BE49-F238E27FC236}">
-                <a16:creationId xmlns:a16="http://schemas.microsoft.com/office/drawing/2014/main" id="{AF9ADD28-010D-4CDF-A7CB-635A2A09F33F}"/>
-              </a:ext>
-            </a:extLst>
-          </p:cNvPr>
-          <p:cNvSpPr/>
-          <p:nvPr/>
-        </p:nvSpPr>
-        <p:spPr>
-          <a:xfrm>
-            <a:off x="1256228" y="771550"/>
-            <a:ext cx="7697599" cy="4065015"/>
-          </a:xfrm>
-          <a:prstGeom prst="flowChartProcess">
-            <a:avLst/>
-          </a:prstGeom>
-          <a:noFill/>
-          <a:ln>
-            <a:noFill/>
-          </a:ln>
-        </p:spPr>
-        <p:style>
-          <a:lnRef idx="2">
-            <a:schemeClr val="accent1">
-              <a:shade val="50000"/>
-            </a:schemeClr>
-          </a:lnRef>
-          <a:fillRef idx="1">
-            <a:schemeClr val="accent1"/>
-          </a:fillRef>
-          <a:effectRef idx="0">
-            <a:schemeClr val="accent1"/>
-          </a:effectRef>
-          <a:fontRef idx="minor">
-            <a:schemeClr val="lt1"/>
-          </a:fontRef>
-        </p:style>
-        <p:txBody>
-          <a:bodyPr rtlCol="0" anchor="ctr"/>
-          <a:lstStyle/>
-          <a:p>
-            <a:pPr algn="ctr"/>
-            <a:endParaRPr lang="zh-TW" altLang="en-US">
-              <a:solidFill>
-                <a:schemeClr val="accent3">
-                  <a:lumMod val="75000"/>
-                </a:schemeClr>
-              </a:solidFill>
-            </a:endParaRPr>
-          </a:p>
-        </p:txBody>
-      </p:sp>
-      <p:sp>
-        <p:nvSpPr>
-          <p:cNvPr id="9" name="標題 8"/>
-          <p:cNvSpPr>
-            <a:spLocks noGrp="1"/>
-          </p:cNvSpPr>
-          <p:nvPr>
-            <p:ph type="title"/>
-          </p:nvPr>
-        </p:nvSpPr>
-        <p:spPr/>
-        <p:txBody>
-          <a:bodyPr/>
-          <a:lstStyle/>
-          <a:p>
-            <a:r>
-              <a:rPr lang="zh-TW" altLang="en-US" dirty="0"/>
-              <a:t>輸入頁</a:t>
-            </a:r>
-          </a:p>
-        </p:txBody>
-      </p:sp>
-    </p:spTree>
-    <p:extLst>
-      <p:ext uri="{BB962C8B-B14F-4D97-AF65-F5344CB8AC3E}">
-        <p14:creationId xmlns:p14="http://schemas.microsoft.com/office/powerpoint/2010/main" val="2944774562"/>
-      </p:ext>
-    </p:extLst>
-  </p:cSld>
-  <p:clrMapOvr>
-    <a:masterClrMapping/>
-  </p:clrMapOvr>
-</p:sld>
-</file>
-
-<file path=ppt/slides/slide22.xml><?xml version="1.0" encoding="utf-8"?>
-<p:sld xmlns:a="http://schemas.openxmlformats.org/drawingml/2006/main" xmlns:r="http://schemas.openxmlformats.org/officeDocument/2006/relationships" xmlns:p="http://schemas.openxmlformats.org/presentationml/2006/main">
-  <p:cSld>
-    <p:spTree>
-      <p:nvGrpSpPr>
-        <p:cNvPr id="1" name=""/>
-        <p:cNvGrpSpPr/>
-        <p:nvPr/>
-      </p:nvGrpSpPr>
-      <p:grpSpPr>
-        <a:xfrm>
-          <a:off x="0" y="0"/>
-          <a:ext cx="0" cy="0"/>
-          <a:chOff x="0" y="0"/>
-          <a:chExt cx="0" cy="0"/>
-        </a:xfrm>
-      </p:grpSpPr>
-      <p:sp>
-        <p:nvSpPr>
-          <p:cNvPr id="12" name="流程圖: 程序 11">
-            <a:extLst>
-              <a:ext uri="{FF2B5EF4-FFF2-40B4-BE49-F238E27FC236}">
-                <a16:creationId xmlns:a16="http://schemas.microsoft.com/office/drawing/2014/main" id="{AF9ADD28-010D-4CDF-A7CB-635A2A09F33F}"/>
-              </a:ext>
-            </a:extLst>
-          </p:cNvPr>
-          <p:cNvSpPr/>
-          <p:nvPr/>
-        </p:nvSpPr>
-        <p:spPr>
-          <a:xfrm>
-            <a:off x="1256228" y="771550"/>
-            <a:ext cx="7697599" cy="4065015"/>
-          </a:xfrm>
-          <a:prstGeom prst="flowChartProcess">
-            <a:avLst/>
-          </a:prstGeom>
-          <a:noFill/>
-          <a:ln>
-            <a:noFill/>
-          </a:ln>
-        </p:spPr>
-        <p:style>
-          <a:lnRef idx="2">
-            <a:schemeClr val="accent1">
-              <a:shade val="50000"/>
-            </a:schemeClr>
-          </a:lnRef>
-          <a:fillRef idx="1">
-            <a:schemeClr val="accent1"/>
-          </a:fillRef>
-          <a:effectRef idx="0">
-            <a:schemeClr val="accent1"/>
-          </a:effectRef>
-          <a:fontRef idx="minor">
-            <a:schemeClr val="lt1"/>
-          </a:fontRef>
-        </p:style>
-        <p:txBody>
-          <a:bodyPr rtlCol="0" anchor="ctr"/>
-          <a:lstStyle/>
-          <a:p>
-            <a:pPr algn="ctr"/>
-            <a:endParaRPr lang="zh-TW" altLang="en-US">
-              <a:solidFill>
-                <a:schemeClr val="accent3">
-                  <a:lumMod val="75000"/>
-                </a:schemeClr>
-              </a:solidFill>
-            </a:endParaRPr>
-          </a:p>
-        </p:txBody>
-      </p:sp>
-      <p:sp>
-        <p:nvSpPr>
-          <p:cNvPr id="9" name="標題 8"/>
-          <p:cNvSpPr>
-            <a:spLocks noGrp="1"/>
-          </p:cNvSpPr>
-          <p:nvPr>
-            <p:ph type="title"/>
-          </p:nvPr>
-        </p:nvSpPr>
-        <p:spPr/>
-        <p:txBody>
-          <a:bodyPr/>
-          <a:lstStyle/>
-          <a:p>
-            <a:r>
-              <a:rPr lang="zh-TW" altLang="en-US" dirty="0"/>
-              <a:t>輸入頁</a:t>
-            </a:r>
-          </a:p>
-        </p:txBody>
-      </p:sp>
-      <p:pic>
-        <p:nvPicPr>
-          <p:cNvPr id="4" name="圖片 3">
-            <a:extLst>
-              <a:ext uri="{FF2B5EF4-FFF2-40B4-BE49-F238E27FC236}">
-                <a16:creationId xmlns:a16="http://schemas.microsoft.com/office/drawing/2014/main" id="{36FBD58E-7FF2-48CA-8A42-4A2CF4DD8E40}"/>
-              </a:ext>
-            </a:extLst>
-          </p:cNvPr>
-          <p:cNvPicPr>
-            <a:picLocks noChangeAspect="1"/>
-          </p:cNvPicPr>
-          <p:nvPr/>
-        </p:nvPicPr>
-        <p:blipFill>
-          <a:blip r:embed="rId3"/>
-          <a:stretch>
-            <a:fillRect/>
-          </a:stretch>
-        </p:blipFill>
-        <p:spPr>
-          <a:xfrm>
-            <a:off x="723200" y="717952"/>
-            <a:ext cx="7697599" cy="4429750"/>
-          </a:xfrm>
-          <a:prstGeom prst="rect">
-            <a:avLst/>
-          </a:prstGeom>
-        </p:spPr>
-      </p:pic>
-    </p:spTree>
-    <p:extLst>
-      <p:ext uri="{BB962C8B-B14F-4D97-AF65-F5344CB8AC3E}">
-        <p14:creationId xmlns:p14="http://schemas.microsoft.com/office/powerpoint/2010/main" val="3256219517"/>
-      </p:ext>
-    </p:extLst>
-  </p:cSld>
-  <p:clrMapOvr>
-    <a:masterClrMapping/>
-  </p:clrMapOvr>
-</p:sld>
-</file>
-
-<file path=ppt/slides/slide23.xml><?xml version="1.0" encoding="utf-8"?>
-<p:sld xmlns:a="http://schemas.openxmlformats.org/drawingml/2006/main" xmlns:r="http://schemas.openxmlformats.org/officeDocument/2006/relationships" xmlns:p="http://schemas.openxmlformats.org/presentationml/2006/main">
-  <p:cSld>
-    <p:spTree>
-      <p:nvGrpSpPr>
-        <p:cNvPr id="1" name=""/>
-        <p:cNvGrpSpPr/>
-        <p:nvPr/>
-      </p:nvGrpSpPr>
-      <p:grpSpPr>
-        <a:xfrm>
-          <a:off x="0" y="0"/>
-          <a:ext cx="0" cy="0"/>
-          <a:chOff x="0" y="0"/>
-          <a:chExt cx="0" cy="0"/>
-        </a:xfrm>
-      </p:grpSpPr>
-      <p:sp>
-        <p:nvSpPr>
-          <p:cNvPr id="12" name="流程圖: 程序 11">
-            <a:extLst>
-              <a:ext uri="{FF2B5EF4-FFF2-40B4-BE49-F238E27FC236}">
-                <a16:creationId xmlns:a16="http://schemas.microsoft.com/office/drawing/2014/main" id="{AF9ADD28-010D-4CDF-A7CB-635A2A09F33F}"/>
-              </a:ext>
-            </a:extLst>
-          </p:cNvPr>
-          <p:cNvSpPr/>
-          <p:nvPr/>
-        </p:nvSpPr>
-        <p:spPr>
-          <a:xfrm>
-            <a:off x="1256228" y="771550"/>
-            <a:ext cx="7697599" cy="4065015"/>
-          </a:xfrm>
-          <a:prstGeom prst="flowChartProcess">
-            <a:avLst/>
-          </a:prstGeom>
-          <a:noFill/>
-          <a:ln>
-            <a:noFill/>
-          </a:ln>
-        </p:spPr>
-        <p:style>
-          <a:lnRef idx="2">
-            <a:schemeClr val="accent1">
-              <a:shade val="50000"/>
-            </a:schemeClr>
-          </a:lnRef>
-          <a:fillRef idx="1">
-            <a:schemeClr val="accent1"/>
-          </a:fillRef>
-          <a:effectRef idx="0">
-            <a:schemeClr val="accent1"/>
-          </a:effectRef>
-          <a:fontRef idx="minor">
-            <a:schemeClr val="lt1"/>
-          </a:fontRef>
-        </p:style>
-        <p:txBody>
-          <a:bodyPr rtlCol="0" anchor="ctr"/>
-          <a:lstStyle/>
-          <a:p>
-            <a:pPr algn="ctr"/>
-            <a:endParaRPr lang="zh-TW" altLang="en-US">
-              <a:solidFill>
-                <a:schemeClr val="accent3">
-                  <a:lumMod val="75000"/>
-                </a:schemeClr>
-              </a:solidFill>
-            </a:endParaRPr>
-          </a:p>
-        </p:txBody>
-      </p:sp>
-      <p:sp>
-        <p:nvSpPr>
-          <p:cNvPr id="9" name="標題 8"/>
-          <p:cNvSpPr>
-            <a:spLocks noGrp="1"/>
-          </p:cNvSpPr>
-          <p:nvPr>
-            <p:ph type="title"/>
-          </p:nvPr>
-        </p:nvSpPr>
-        <p:spPr/>
-        <p:txBody>
-          <a:bodyPr/>
-          <a:lstStyle/>
-          <a:p>
-            <a:r>
-              <a:rPr lang="zh-TW" altLang="en-US" dirty="0"/>
-              <a:t>輸入頁</a:t>
-            </a:r>
-          </a:p>
-        </p:txBody>
-      </p:sp>
-      <p:pic>
-        <p:nvPicPr>
-          <p:cNvPr id="4" name="圖片 3">
-            <a:extLst>
-              <a:ext uri="{FF2B5EF4-FFF2-40B4-BE49-F238E27FC236}">
-                <a16:creationId xmlns:a16="http://schemas.microsoft.com/office/drawing/2014/main" id="{24883C0A-946F-4385-A668-E555B018F3A7}"/>
-              </a:ext>
-            </a:extLst>
-          </p:cNvPr>
-          <p:cNvPicPr>
-            <a:picLocks noChangeAspect="1"/>
-          </p:cNvPicPr>
-          <p:nvPr/>
-        </p:nvPicPr>
-        <p:blipFill>
-          <a:blip r:embed="rId3">
-            <a:extLst>
-              <a:ext uri="{28A0092B-C50C-407E-A947-70E740481C1C}">
-                <a14:useLocalDpi xmlns:a14="http://schemas.microsoft.com/office/drawing/2010/main" val="0"/>
-              </a:ext>
-            </a:extLst>
-          </a:blip>
-          <a:stretch>
-            <a:fillRect/>
-          </a:stretch>
-        </p:blipFill>
-        <p:spPr>
-          <a:xfrm>
-            <a:off x="1691680" y="416756"/>
-            <a:ext cx="6624736" cy="4510209"/>
-          </a:xfrm>
-          <a:prstGeom prst="rect">
-            <a:avLst/>
-          </a:prstGeom>
-        </p:spPr>
-      </p:pic>
-    </p:spTree>
-    <p:extLst>
-      <p:ext uri="{BB962C8B-B14F-4D97-AF65-F5344CB8AC3E}">
-        <p14:creationId xmlns:p14="http://schemas.microsoft.com/office/powerpoint/2010/main" val="2682323262"/>
-      </p:ext>
-    </p:extLst>
-  </p:cSld>
-  <p:clrMapOvr>
-    <a:masterClrMapping/>
-  </p:clrMapOvr>
-</p:sld>
-</file>
-
-<file path=ppt/slides/slide24.xml><?xml version="1.0" encoding="utf-8"?>
-<p:sld xmlns:a="http://schemas.openxmlformats.org/drawingml/2006/main" xmlns:r="http://schemas.openxmlformats.org/officeDocument/2006/relationships" xmlns:p="http://schemas.openxmlformats.org/presentationml/2006/main">
-  <p:cSld>
-    <p:spTree>
-      <p:nvGrpSpPr>
-        <p:cNvPr id="1" name=""/>
-        <p:cNvGrpSpPr/>
-        <p:nvPr/>
-      </p:nvGrpSpPr>
-      <p:grpSpPr>
-        <a:xfrm>
-          <a:off x="0" y="0"/>
-          <a:ext cx="0" cy="0"/>
-          <a:chOff x="0" y="0"/>
-          <a:chExt cx="0" cy="0"/>
-        </a:xfrm>
-      </p:grpSpPr>
-      <p:sp>
-        <p:nvSpPr>
-          <p:cNvPr id="12" name="流程圖: 程序 11">
-            <a:extLst>
-              <a:ext uri="{FF2B5EF4-FFF2-40B4-BE49-F238E27FC236}">
-                <a16:creationId xmlns:a16="http://schemas.microsoft.com/office/drawing/2014/main" id="{AF9ADD28-010D-4CDF-A7CB-635A2A09F33F}"/>
-              </a:ext>
-            </a:extLst>
-          </p:cNvPr>
-          <p:cNvSpPr/>
-          <p:nvPr/>
-        </p:nvSpPr>
-        <p:spPr>
-          <a:xfrm>
-            <a:off x="1256228" y="771550"/>
-            <a:ext cx="7697599" cy="4065015"/>
-          </a:xfrm>
-          <a:prstGeom prst="flowChartProcess">
-            <a:avLst/>
-          </a:prstGeom>
-          <a:noFill/>
-          <a:ln>
-            <a:noFill/>
-          </a:ln>
-        </p:spPr>
-        <p:style>
-          <a:lnRef idx="2">
-            <a:schemeClr val="accent1">
-              <a:shade val="50000"/>
-            </a:schemeClr>
-          </a:lnRef>
-          <a:fillRef idx="1">
-            <a:schemeClr val="accent1"/>
-          </a:fillRef>
-          <a:effectRef idx="0">
-            <a:schemeClr val="accent1"/>
-          </a:effectRef>
-          <a:fontRef idx="minor">
-            <a:schemeClr val="lt1"/>
-          </a:fontRef>
-        </p:style>
-        <p:txBody>
-          <a:bodyPr rtlCol="0" anchor="ctr"/>
-          <a:lstStyle/>
-          <a:p>
-            <a:pPr algn="ctr"/>
-            <a:endParaRPr lang="zh-TW" altLang="en-US">
-              <a:solidFill>
-                <a:schemeClr val="accent3">
-                  <a:lumMod val="75000"/>
-                </a:schemeClr>
-              </a:solidFill>
-            </a:endParaRPr>
-          </a:p>
-        </p:txBody>
-      </p:sp>
-      <p:sp>
-        <p:nvSpPr>
-          <p:cNvPr id="9" name="標題 8"/>
-          <p:cNvSpPr>
-            <a:spLocks noGrp="1"/>
-          </p:cNvSpPr>
-          <p:nvPr>
-            <p:ph type="title"/>
-          </p:nvPr>
-        </p:nvSpPr>
-        <p:spPr/>
-        <p:txBody>
-          <a:bodyPr/>
-          <a:lstStyle/>
-          <a:p>
-            <a:r>
-              <a:rPr lang="zh-TW" altLang="en-US" dirty="0"/>
-              <a:t>輸入頁</a:t>
-            </a:r>
-          </a:p>
-        </p:txBody>
-      </p:sp>
-      <p:pic>
-        <p:nvPicPr>
-          <p:cNvPr id="3" name="圖片 2">
-            <a:extLst>
-              <a:ext uri="{FF2B5EF4-FFF2-40B4-BE49-F238E27FC236}">
-                <a16:creationId xmlns:a16="http://schemas.microsoft.com/office/drawing/2014/main" id="{A6343EF3-420F-49CF-A631-C7A665C79BAB}"/>
-              </a:ext>
-            </a:extLst>
-          </p:cNvPr>
-          <p:cNvPicPr>
-            <a:picLocks noChangeAspect="1"/>
-          </p:cNvPicPr>
-          <p:nvPr/>
-        </p:nvPicPr>
-        <p:blipFill>
-          <a:blip r:embed="rId3">
-            <a:extLst>
-              <a:ext uri="{28A0092B-C50C-407E-A947-70E740481C1C}">
-                <a14:useLocalDpi xmlns:a14="http://schemas.microsoft.com/office/drawing/2010/main" val="0"/>
-              </a:ext>
-            </a:extLst>
-          </a:blip>
-          <a:stretch>
-            <a:fillRect/>
-          </a:stretch>
-        </p:blipFill>
-        <p:spPr>
-          <a:xfrm>
-            <a:off x="2771800" y="734214"/>
-            <a:ext cx="3947014" cy="4407396"/>
-          </a:xfrm>
-          <a:prstGeom prst="rect">
-            <a:avLst/>
-          </a:prstGeom>
-        </p:spPr>
-      </p:pic>
-    </p:spTree>
-    <p:extLst>
-      <p:ext uri="{BB962C8B-B14F-4D97-AF65-F5344CB8AC3E}">
-        <p14:creationId xmlns:p14="http://schemas.microsoft.com/office/powerpoint/2010/main" val="3957187102"/>
-      </p:ext>
-    </p:extLst>
-  </p:cSld>
-  <p:clrMapOvr>
-    <a:masterClrMapping/>
-  </p:clrMapOvr>
-</p:sld>
-</file>
-
-<file path=ppt/slides/slide25.xml><?xml version="1.0" encoding="utf-8"?>
-<p:sld xmlns:a="http://schemas.openxmlformats.org/drawingml/2006/main" xmlns:r="http://schemas.openxmlformats.org/officeDocument/2006/relationships" xmlns:p="http://schemas.openxmlformats.org/presentationml/2006/main">
-  <p:cSld>
-    <p:spTree>
-      <p:nvGrpSpPr>
-        <p:cNvPr id="1" name=""/>
-        <p:cNvGrpSpPr/>
-        <p:nvPr/>
-      </p:nvGrpSpPr>
-      <p:grpSpPr>
-        <a:xfrm>
-          <a:off x="0" y="0"/>
-          <a:ext cx="0" cy="0"/>
-          <a:chOff x="0" y="0"/>
-          <a:chExt cx="0" cy="0"/>
-        </a:xfrm>
-      </p:grpSpPr>
-      <p:sp>
-        <p:nvSpPr>
-          <p:cNvPr id="12" name="流程圖: 程序 11">
-            <a:extLst>
-              <a:ext uri="{FF2B5EF4-FFF2-40B4-BE49-F238E27FC236}">
-                <a16:creationId xmlns:a16="http://schemas.microsoft.com/office/drawing/2014/main" id="{AF9ADD28-010D-4CDF-A7CB-635A2A09F33F}"/>
-              </a:ext>
-            </a:extLst>
-          </p:cNvPr>
-          <p:cNvSpPr/>
-          <p:nvPr/>
-        </p:nvSpPr>
-        <p:spPr>
-          <a:xfrm>
-            <a:off x="1256228" y="771550"/>
-            <a:ext cx="7697599" cy="4065015"/>
-          </a:xfrm>
-          <a:prstGeom prst="flowChartProcess">
-            <a:avLst/>
-          </a:prstGeom>
-          <a:noFill/>
-          <a:ln>
-            <a:noFill/>
-          </a:ln>
-        </p:spPr>
-        <p:style>
-          <a:lnRef idx="2">
-            <a:schemeClr val="accent1">
-              <a:shade val="50000"/>
-            </a:schemeClr>
-          </a:lnRef>
-          <a:fillRef idx="1">
-            <a:schemeClr val="accent1"/>
-          </a:fillRef>
-          <a:effectRef idx="0">
-            <a:schemeClr val="accent1"/>
-          </a:effectRef>
-          <a:fontRef idx="minor">
-            <a:schemeClr val="lt1"/>
-          </a:fontRef>
-        </p:style>
-        <p:txBody>
-          <a:bodyPr rtlCol="0" anchor="ctr"/>
-          <a:lstStyle/>
-          <a:p>
-            <a:pPr algn="ctr"/>
-            <a:endParaRPr lang="zh-TW" altLang="en-US">
-              <a:solidFill>
-                <a:schemeClr val="accent3">
-                  <a:lumMod val="75000"/>
-                </a:schemeClr>
-              </a:solidFill>
-            </a:endParaRPr>
-          </a:p>
-        </p:txBody>
-      </p:sp>
-      <p:sp>
-        <p:nvSpPr>
-          <p:cNvPr id="9" name="標題 8"/>
-          <p:cNvSpPr>
-            <a:spLocks noGrp="1"/>
-          </p:cNvSpPr>
-          <p:nvPr>
-            <p:ph type="title"/>
-          </p:nvPr>
-        </p:nvSpPr>
-        <p:spPr/>
-        <p:txBody>
-          <a:bodyPr/>
-          <a:lstStyle/>
-          <a:p>
-            <a:r>
-              <a:rPr lang="zh-TW" altLang="en-US" dirty="0"/>
-              <a:t>一般方案</a:t>
-            </a:r>
-            <a:r>
-              <a:rPr lang="en-US" altLang="zh-TW" dirty="0"/>
-              <a:t>OR</a:t>
-            </a:r>
-            <a:r>
-              <a:rPr lang="zh-TW" altLang="en-US" dirty="0"/>
-              <a:t> 優惠方案確認頁</a:t>
-            </a:r>
-          </a:p>
-        </p:txBody>
-      </p:sp>
-      <p:pic>
-        <p:nvPicPr>
-          <p:cNvPr id="4" name="圖片 3">
-            <a:extLst>
-              <a:ext uri="{FF2B5EF4-FFF2-40B4-BE49-F238E27FC236}">
-                <a16:creationId xmlns:a16="http://schemas.microsoft.com/office/drawing/2014/main" id="{49DD99DF-BCA7-4D1F-B4CD-E5E0C8F467BB}"/>
-              </a:ext>
-            </a:extLst>
-          </p:cNvPr>
-          <p:cNvPicPr>
-            <a:picLocks noChangeAspect="1"/>
-          </p:cNvPicPr>
-          <p:nvPr/>
-        </p:nvPicPr>
-        <p:blipFill>
-          <a:blip r:embed="rId3">
-            <a:extLst>
-              <a:ext uri="{28A0092B-C50C-407E-A947-70E740481C1C}">
-                <a14:useLocalDpi xmlns:a14="http://schemas.microsoft.com/office/drawing/2010/main" val="0"/>
-              </a:ext>
-            </a:extLst>
-          </a:blip>
-          <a:stretch>
-            <a:fillRect/>
-          </a:stretch>
-        </p:blipFill>
-        <p:spPr>
-          <a:xfrm>
-            <a:off x="349379" y="915566"/>
-            <a:ext cx="8604448" cy="3545521"/>
-          </a:xfrm>
-          <a:prstGeom prst="rect">
-            <a:avLst/>
-          </a:prstGeom>
-        </p:spPr>
-      </p:pic>
-    </p:spTree>
-    <p:extLst>
-      <p:ext uri="{BB962C8B-B14F-4D97-AF65-F5344CB8AC3E}">
-        <p14:creationId xmlns:p14="http://schemas.microsoft.com/office/powerpoint/2010/main" val="4086640241"/>
-      </p:ext>
-    </p:extLst>
-  </p:cSld>
-  <p:clrMapOvr>
-    <a:masterClrMapping/>
-  </p:clrMapOvr>
-</p:sld>
-</file>
-
-<file path=ppt/slides/slide26.xml><?xml version="1.0" encoding="utf-8"?>
-<p:sld xmlns:a="http://schemas.openxmlformats.org/drawingml/2006/main" xmlns:r="http://schemas.openxmlformats.org/officeDocument/2006/relationships" xmlns:p="http://schemas.openxmlformats.org/presentationml/2006/main">
-  <p:cSld>
-    <p:spTree>
-      <p:nvGrpSpPr>
-        <p:cNvPr id="1" name=""/>
-        <p:cNvGrpSpPr/>
-        <p:nvPr/>
-      </p:nvGrpSpPr>
-      <p:grpSpPr>
-        <a:xfrm>
-          <a:off x="0" y="0"/>
-          <a:ext cx="0" cy="0"/>
-          <a:chOff x="0" y="0"/>
-          <a:chExt cx="0" cy="0"/>
-        </a:xfrm>
-      </p:grpSpPr>
-      <p:sp>
-        <p:nvSpPr>
-          <p:cNvPr id="12" name="流程圖: 程序 11">
-            <a:extLst>
-              <a:ext uri="{FF2B5EF4-FFF2-40B4-BE49-F238E27FC236}">
-                <a16:creationId xmlns:a16="http://schemas.microsoft.com/office/drawing/2014/main" id="{AF9ADD28-010D-4CDF-A7CB-635A2A09F33F}"/>
-              </a:ext>
-            </a:extLst>
-          </p:cNvPr>
-          <p:cNvSpPr/>
-          <p:nvPr/>
-        </p:nvSpPr>
-        <p:spPr>
-          <a:xfrm>
-            <a:off x="1256228" y="771550"/>
-            <a:ext cx="7697599" cy="4065015"/>
-          </a:xfrm>
-          <a:prstGeom prst="flowChartProcess">
-            <a:avLst/>
-          </a:prstGeom>
-          <a:noFill/>
-          <a:ln>
-            <a:noFill/>
-          </a:ln>
-        </p:spPr>
-        <p:style>
-          <a:lnRef idx="2">
-            <a:schemeClr val="accent1">
-              <a:shade val="50000"/>
-            </a:schemeClr>
-          </a:lnRef>
-          <a:fillRef idx="1">
-            <a:schemeClr val="accent1"/>
-          </a:fillRef>
-          <a:effectRef idx="0">
-            <a:schemeClr val="accent1"/>
-          </a:effectRef>
-          <a:fontRef idx="minor">
-            <a:schemeClr val="lt1"/>
-          </a:fontRef>
-        </p:style>
-        <p:txBody>
-          <a:bodyPr rtlCol="0" anchor="ctr"/>
-          <a:lstStyle/>
-          <a:p>
-            <a:pPr algn="ctr"/>
-            <a:endParaRPr lang="zh-TW" altLang="en-US">
-              <a:solidFill>
-                <a:schemeClr val="accent3">
-                  <a:lumMod val="75000"/>
-                </a:schemeClr>
-              </a:solidFill>
-            </a:endParaRPr>
-          </a:p>
-        </p:txBody>
-      </p:sp>
-      <p:sp>
-        <p:nvSpPr>
-          <p:cNvPr id="9" name="標題 8"/>
-          <p:cNvSpPr>
-            <a:spLocks noGrp="1"/>
-          </p:cNvSpPr>
-          <p:nvPr>
-            <p:ph type="title"/>
-          </p:nvPr>
-        </p:nvSpPr>
-        <p:spPr/>
-        <p:txBody>
-          <a:bodyPr/>
-          <a:lstStyle/>
-          <a:p>
-            <a:r>
-              <a:rPr lang="zh-TW" altLang="en-US" dirty="0"/>
-              <a:t>一般方案</a:t>
-            </a:r>
-            <a:r>
-              <a:rPr lang="en-US" altLang="zh-TW" dirty="0"/>
-              <a:t>OR</a:t>
-            </a:r>
-            <a:r>
-              <a:rPr lang="zh-TW" altLang="en-US" dirty="0"/>
-              <a:t> 優惠方案確認頁</a:t>
-            </a:r>
-          </a:p>
-        </p:txBody>
-      </p:sp>
-      <p:pic>
-        <p:nvPicPr>
-          <p:cNvPr id="3" name="圖片 2">
-            <a:extLst>
-              <a:ext uri="{FF2B5EF4-FFF2-40B4-BE49-F238E27FC236}">
-                <a16:creationId xmlns:a16="http://schemas.microsoft.com/office/drawing/2014/main" id="{09BC143A-04DD-4CFE-9497-3EF25E4D6A6A}"/>
-              </a:ext>
-            </a:extLst>
-          </p:cNvPr>
-          <p:cNvPicPr>
-            <a:picLocks noChangeAspect="1"/>
-          </p:cNvPicPr>
-          <p:nvPr/>
-        </p:nvPicPr>
-        <p:blipFill>
-          <a:blip r:embed="rId3">
-            <a:extLst>
-              <a:ext uri="{28A0092B-C50C-407E-A947-70E740481C1C}">
-                <a14:useLocalDpi xmlns:a14="http://schemas.microsoft.com/office/drawing/2010/main" val="0"/>
-              </a:ext>
-            </a:extLst>
-          </a:blip>
-          <a:stretch>
-            <a:fillRect/>
-          </a:stretch>
-        </p:blipFill>
-        <p:spPr>
-          <a:xfrm>
-            <a:off x="363137" y="1275606"/>
-            <a:ext cx="8579245" cy="2774958"/>
-          </a:xfrm>
-          <a:prstGeom prst="rect">
-            <a:avLst/>
-          </a:prstGeom>
-        </p:spPr>
-      </p:pic>
-    </p:spTree>
-    <p:extLst>
-      <p:ext uri="{BB962C8B-B14F-4D97-AF65-F5344CB8AC3E}">
-        <p14:creationId xmlns:p14="http://schemas.microsoft.com/office/powerpoint/2010/main" val="1637389915"/>
-      </p:ext>
-    </p:extLst>
-  </p:cSld>
-  <p:clrMapOvr>
-    <a:masterClrMapping/>
-  </p:clrMapOvr>
-</p:sld>
-</file>
-
-<file path=ppt/slides/slide27.xml><?xml version="1.0" encoding="utf-8"?>
-<p:sld xmlns:a="http://schemas.openxmlformats.org/drawingml/2006/main" xmlns:r="http://schemas.openxmlformats.org/officeDocument/2006/relationships" xmlns:p="http://schemas.openxmlformats.org/presentationml/2006/main">
-  <p:cSld>
-    <p:spTree>
-      <p:nvGrpSpPr>
-        <p:cNvPr id="1" name=""/>
-        <p:cNvGrpSpPr/>
-        <p:nvPr/>
-      </p:nvGrpSpPr>
-      <p:grpSpPr>
-        <a:xfrm>
-          <a:off x="0" y="0"/>
-          <a:ext cx="0" cy="0"/>
-          <a:chOff x="0" y="0"/>
-          <a:chExt cx="0" cy="0"/>
-        </a:xfrm>
-      </p:grpSpPr>
-      <p:sp>
-        <p:nvSpPr>
-          <p:cNvPr id="12" name="流程圖: 程序 11">
-            <a:extLst>
-              <a:ext uri="{FF2B5EF4-FFF2-40B4-BE49-F238E27FC236}">
-                <a16:creationId xmlns:a16="http://schemas.microsoft.com/office/drawing/2014/main" id="{AF9ADD28-010D-4CDF-A7CB-635A2A09F33F}"/>
-              </a:ext>
-            </a:extLst>
-          </p:cNvPr>
-          <p:cNvSpPr/>
-          <p:nvPr/>
-        </p:nvSpPr>
-        <p:spPr>
-          <a:xfrm>
-            <a:off x="1256228" y="771550"/>
-            <a:ext cx="7697599" cy="4065015"/>
-          </a:xfrm>
-          <a:prstGeom prst="flowChartProcess">
-            <a:avLst/>
-          </a:prstGeom>
-          <a:noFill/>
-          <a:ln>
-            <a:noFill/>
-          </a:ln>
-        </p:spPr>
-        <p:style>
-          <a:lnRef idx="2">
-            <a:schemeClr val="accent1">
-              <a:shade val="50000"/>
-            </a:schemeClr>
-          </a:lnRef>
-          <a:fillRef idx="1">
-            <a:schemeClr val="accent1"/>
-          </a:fillRef>
-          <a:effectRef idx="0">
-            <a:schemeClr val="accent1"/>
-          </a:effectRef>
-          <a:fontRef idx="minor">
-            <a:schemeClr val="lt1"/>
-          </a:fontRef>
-        </p:style>
-        <p:txBody>
-          <a:bodyPr rtlCol="0" anchor="ctr"/>
-          <a:lstStyle/>
-          <a:p>
-            <a:pPr algn="ctr"/>
-            <a:endParaRPr lang="zh-TW" altLang="en-US">
-              <a:solidFill>
-                <a:schemeClr val="accent3">
-                  <a:lumMod val="75000"/>
-                </a:schemeClr>
-              </a:solidFill>
-            </a:endParaRPr>
-          </a:p>
-        </p:txBody>
-      </p:sp>
-      <p:sp>
-        <p:nvSpPr>
-          <p:cNvPr id="9" name="標題 8"/>
-          <p:cNvSpPr>
-            <a:spLocks noGrp="1"/>
-          </p:cNvSpPr>
-          <p:nvPr>
-            <p:ph type="title"/>
-          </p:nvPr>
-        </p:nvSpPr>
-        <p:spPr/>
-        <p:txBody>
-          <a:bodyPr/>
-          <a:lstStyle/>
-          <a:p>
-            <a:r>
-              <a:rPr lang="zh-TW" altLang="en-US" dirty="0"/>
-              <a:t>一般方案</a:t>
-            </a:r>
-            <a:r>
-              <a:rPr lang="en-US" altLang="zh-TW" dirty="0"/>
-              <a:t>OR</a:t>
-            </a:r>
-            <a:r>
-              <a:rPr lang="zh-TW" altLang="en-US" dirty="0"/>
-              <a:t> 優惠方案結果頁</a:t>
-            </a:r>
-          </a:p>
-        </p:txBody>
-      </p:sp>
-      <p:pic>
-        <p:nvPicPr>
-          <p:cNvPr id="4" name="圖片 3">
-            <a:extLst>
-              <a:ext uri="{FF2B5EF4-FFF2-40B4-BE49-F238E27FC236}">
-                <a16:creationId xmlns:a16="http://schemas.microsoft.com/office/drawing/2014/main" id="{3C4FAD05-8346-4266-BCE3-058FE1CA1EEE}"/>
-              </a:ext>
-            </a:extLst>
-          </p:cNvPr>
-          <p:cNvPicPr>
-            <a:picLocks noChangeAspect="1"/>
-          </p:cNvPicPr>
-          <p:nvPr/>
-        </p:nvPicPr>
-        <p:blipFill>
-          <a:blip r:embed="rId3">
-            <a:extLst>
-              <a:ext uri="{28A0092B-C50C-407E-A947-70E740481C1C}">
-                <a14:useLocalDpi xmlns:a14="http://schemas.microsoft.com/office/drawing/2010/main" val="0"/>
-              </a:ext>
-            </a:extLst>
-          </a:blip>
-          <a:stretch>
-            <a:fillRect/>
-          </a:stretch>
-        </p:blipFill>
-        <p:spPr>
-          <a:xfrm>
-            <a:off x="1763688" y="640120"/>
-            <a:ext cx="6300751" cy="4371950"/>
-          </a:xfrm>
-          <a:prstGeom prst="rect">
-            <a:avLst/>
-          </a:prstGeom>
-        </p:spPr>
-      </p:pic>
-    </p:spTree>
-    <p:extLst>
-      <p:ext uri="{BB962C8B-B14F-4D97-AF65-F5344CB8AC3E}">
-        <p14:creationId xmlns:p14="http://schemas.microsoft.com/office/powerpoint/2010/main" val="3575973710"/>
-      </p:ext>
-    </p:extLst>
-  </p:cSld>
-  <p:clrMapOvr>
-    <a:masterClrMapping/>
-  </p:clrMapOvr>
-</p:sld>
-</file>
-
-<file path=ppt/slides/slide28.xml><?xml version="1.0" encoding="utf-8"?>
-<p:sld xmlns:a="http://schemas.openxmlformats.org/drawingml/2006/main" xmlns:r="http://schemas.openxmlformats.org/officeDocument/2006/relationships" xmlns:p="http://schemas.openxmlformats.org/presentationml/2006/main">
-  <p:cSld>
-    <p:spTree>
-      <p:nvGrpSpPr>
-        <p:cNvPr id="1" name=""/>
-        <p:cNvGrpSpPr/>
-        <p:nvPr/>
-      </p:nvGrpSpPr>
-      <p:grpSpPr>
-        <a:xfrm>
-          <a:off x="0" y="0"/>
-          <a:ext cx="0" cy="0"/>
-          <a:chOff x="0" y="0"/>
-          <a:chExt cx="0" cy="0"/>
-        </a:xfrm>
-      </p:grpSpPr>
-      <p:sp>
-        <p:nvSpPr>
-          <p:cNvPr id="2" name="標題 1">
-            <a:extLst>
-              <a:ext uri="{FF2B5EF4-FFF2-40B4-BE49-F238E27FC236}">
-                <a16:creationId xmlns:a16="http://schemas.microsoft.com/office/drawing/2014/main" id="{364C1A58-262A-4290-B10B-238AA1716FAE}"/>
-              </a:ext>
-            </a:extLst>
-          </p:cNvPr>
-          <p:cNvSpPr>
-            <a:spLocks noGrp="1"/>
-          </p:cNvSpPr>
-          <p:nvPr>
-            <p:ph type="title"/>
-          </p:nvPr>
-        </p:nvSpPr>
-        <p:spPr/>
-        <p:txBody>
-          <a:bodyPr/>
-          <a:lstStyle/>
-          <a:p>
-            <a:r>
-              <a:rPr lang="zh-TW" altLang="en-US" dirty="0"/>
-              <a:t>議價確認頁</a:t>
-            </a:r>
-          </a:p>
-        </p:txBody>
-      </p:sp>
-      <p:sp>
-        <p:nvSpPr>
-          <p:cNvPr id="4" name="投影片編號版面配置區 3">
-            <a:extLst>
-              <a:ext uri="{FF2B5EF4-FFF2-40B4-BE49-F238E27FC236}">
-                <a16:creationId xmlns:a16="http://schemas.microsoft.com/office/drawing/2014/main" id="{1B301109-3C74-49F2-B461-2BB966DF1C9C}"/>
-              </a:ext>
-            </a:extLst>
-          </p:cNvPr>
-          <p:cNvSpPr>
-            <a:spLocks noGrp="1"/>
-          </p:cNvSpPr>
-          <p:nvPr>
-            <p:ph type="sldNum" sz="quarter" idx="4"/>
-          </p:nvPr>
-        </p:nvSpPr>
-        <p:spPr/>
-        <p:txBody>
-          <a:bodyPr/>
-          <a:lstStyle/>
-          <a:p>
-            <a:fld id="{ADAF07C5-463E-4746-8662-F9EAE6427DB3}" type="slidenum">
-              <a:rPr lang="zh-TW" altLang="en-US" smtClean="0"/>
-              <a:pPr/>
-              <a:t>28</a:t>
-            </a:fld>
-            <a:endParaRPr lang="zh-TW" altLang="en-US" dirty="0"/>
-          </a:p>
-        </p:txBody>
-      </p:sp>
-      <p:pic>
-        <p:nvPicPr>
-          <p:cNvPr id="6" name="圖片 5">
-            <a:extLst>
-              <a:ext uri="{FF2B5EF4-FFF2-40B4-BE49-F238E27FC236}">
-                <a16:creationId xmlns:a16="http://schemas.microsoft.com/office/drawing/2014/main" id="{A55F2ADB-F97A-40F2-A254-B4658AB845A4}"/>
-              </a:ext>
-            </a:extLst>
-          </p:cNvPr>
-          <p:cNvPicPr>
-            <a:picLocks noChangeAspect="1"/>
-          </p:cNvPicPr>
-          <p:nvPr/>
-        </p:nvPicPr>
-        <p:blipFill>
-          <a:blip r:embed="rId3"/>
-          <a:stretch>
-            <a:fillRect/>
-          </a:stretch>
-        </p:blipFill>
-        <p:spPr>
-          <a:xfrm>
-            <a:off x="323528" y="714187"/>
-            <a:ext cx="8244408" cy="4001286"/>
-          </a:xfrm>
-          <a:prstGeom prst="rect">
-            <a:avLst/>
-          </a:prstGeom>
-        </p:spPr>
-      </p:pic>
-    </p:spTree>
-    <p:extLst>
-      <p:ext uri="{BB962C8B-B14F-4D97-AF65-F5344CB8AC3E}">
-        <p14:creationId xmlns:p14="http://schemas.microsoft.com/office/powerpoint/2010/main" val="443610909"/>
-      </p:ext>
-    </p:extLst>
-  </p:cSld>
-  <p:clrMapOvr>
-    <a:masterClrMapping/>
-  </p:clrMapOvr>
-</p:sld>
-</file>
-
-<file path=ppt/slides/slide29.xml><?xml version="1.0" encoding="utf-8"?>
-<p:sld xmlns:a="http://schemas.openxmlformats.org/drawingml/2006/main" xmlns:r="http://schemas.openxmlformats.org/officeDocument/2006/relationships" xmlns:p="http://schemas.openxmlformats.org/presentationml/2006/main">
-  <p:cSld>
-    <p:spTree>
-      <p:nvGrpSpPr>
-        <p:cNvPr id="1" name=""/>
-        <p:cNvGrpSpPr/>
-        <p:nvPr/>
-      </p:nvGrpSpPr>
-      <p:grpSpPr>
-        <a:xfrm>
-          <a:off x="0" y="0"/>
-          <a:ext cx="0" cy="0"/>
-          <a:chOff x="0" y="0"/>
-          <a:chExt cx="0" cy="0"/>
-        </a:xfrm>
-      </p:grpSpPr>
-      <p:sp>
-        <p:nvSpPr>
-          <p:cNvPr id="12" name="流程圖: 程序 11">
-            <a:extLst>
-              <a:ext uri="{FF2B5EF4-FFF2-40B4-BE49-F238E27FC236}">
-                <a16:creationId xmlns:a16="http://schemas.microsoft.com/office/drawing/2014/main" id="{AF9ADD28-010D-4CDF-A7CB-635A2A09F33F}"/>
-              </a:ext>
-            </a:extLst>
-          </p:cNvPr>
-          <p:cNvSpPr/>
-          <p:nvPr/>
-        </p:nvSpPr>
-        <p:spPr>
-          <a:xfrm>
-            <a:off x="1256228" y="771550"/>
-            <a:ext cx="7697599" cy="4065015"/>
-          </a:xfrm>
-          <a:prstGeom prst="flowChartProcess">
-            <a:avLst/>
-          </a:prstGeom>
-          <a:noFill/>
-          <a:ln>
-            <a:noFill/>
-          </a:ln>
-        </p:spPr>
-        <p:style>
-          <a:lnRef idx="2">
-            <a:schemeClr val="accent1">
-              <a:shade val="50000"/>
-            </a:schemeClr>
-          </a:lnRef>
-          <a:fillRef idx="1">
-            <a:schemeClr val="accent1"/>
-          </a:fillRef>
-          <a:effectRef idx="0">
-            <a:schemeClr val="accent1"/>
-          </a:effectRef>
-          <a:fontRef idx="minor">
-            <a:schemeClr val="lt1"/>
-          </a:fontRef>
-        </p:style>
-        <p:txBody>
-          <a:bodyPr rtlCol="0" anchor="ctr"/>
-          <a:lstStyle/>
-          <a:p>
-            <a:pPr algn="ctr"/>
-            <a:endParaRPr lang="zh-TW" altLang="en-US">
-              <a:solidFill>
-                <a:schemeClr val="accent3">
-                  <a:lumMod val="75000"/>
-                </a:schemeClr>
-              </a:solidFill>
-            </a:endParaRPr>
-          </a:p>
-        </p:txBody>
-      </p:sp>
-      <p:sp>
-        <p:nvSpPr>
-          <p:cNvPr id="9" name="標題 8"/>
-          <p:cNvSpPr>
-            <a:spLocks noGrp="1"/>
-          </p:cNvSpPr>
-          <p:nvPr>
-            <p:ph type="title"/>
-          </p:nvPr>
-        </p:nvSpPr>
-        <p:spPr/>
-        <p:txBody>
-          <a:bodyPr/>
-          <a:lstStyle/>
-          <a:p>
-            <a:r>
-              <a:rPr lang="zh-TW" altLang="en-US" dirty="0"/>
-              <a:t>議價確認頁</a:t>
-            </a:r>
-          </a:p>
-        </p:txBody>
-      </p:sp>
-      <p:pic>
-        <p:nvPicPr>
-          <p:cNvPr id="3" name="圖片 2">
-            <a:extLst>
-              <a:ext uri="{FF2B5EF4-FFF2-40B4-BE49-F238E27FC236}">
-                <a16:creationId xmlns:a16="http://schemas.microsoft.com/office/drawing/2014/main" id="{09BC143A-04DD-4CFE-9497-3EF25E4D6A6A}"/>
-              </a:ext>
-            </a:extLst>
-          </p:cNvPr>
-          <p:cNvPicPr>
-            <a:picLocks noChangeAspect="1"/>
-          </p:cNvPicPr>
-          <p:nvPr/>
-        </p:nvPicPr>
-        <p:blipFill>
-          <a:blip r:embed="rId3">
-            <a:extLst>
-              <a:ext uri="{28A0092B-C50C-407E-A947-70E740481C1C}">
-                <a14:useLocalDpi xmlns:a14="http://schemas.microsoft.com/office/drawing/2010/main" val="0"/>
-              </a:ext>
-            </a:extLst>
-          </a:blip>
-          <a:stretch>
-            <a:fillRect/>
-          </a:stretch>
-        </p:blipFill>
-        <p:spPr>
-          <a:xfrm>
-            <a:off x="363137" y="1275606"/>
-            <a:ext cx="8579245" cy="2774958"/>
-          </a:xfrm>
-          <a:prstGeom prst="rect">
-            <a:avLst/>
-          </a:prstGeom>
-        </p:spPr>
-      </p:pic>
-    </p:spTree>
-    <p:extLst>
-      <p:ext uri="{BB962C8B-B14F-4D97-AF65-F5344CB8AC3E}">
-        <p14:creationId xmlns:p14="http://schemas.microsoft.com/office/powerpoint/2010/main" val="3724886364"/>
-      </p:ext>
-    </p:extLst>
-  </p:cSld>
-  <p:clrMapOvr>
-    <a:masterClrMapping/>
-  </p:clrMapOvr>
-</p:sld>
-</file>
-
-<file path=ppt/slides/slide3.xml><?xml version="1.0" encoding="utf-8"?>
-<p:sld xmlns:a="http://schemas.openxmlformats.org/drawingml/2006/main" xmlns:r="http://schemas.openxmlformats.org/officeDocument/2006/relationships" xmlns:p="http://schemas.openxmlformats.org/presentationml/2006/main">
-  <p:cSld>
-    <p:spTree>
-      <p:nvGrpSpPr>
-        <p:cNvPr id="1" name=""/>
-        <p:cNvGrpSpPr/>
-        <p:nvPr/>
-      </p:nvGrpSpPr>
-      <p:grpSpPr>
-        <a:xfrm>
-          <a:off x="0" y="0"/>
-          <a:ext cx="0" cy="0"/>
-          <a:chOff x="0" y="0"/>
-          <a:chExt cx="0" cy="0"/>
-        </a:xfrm>
-      </p:grpSpPr>
-      <p:sp>
-        <p:nvSpPr>
-          <p:cNvPr id="2" name="標題 1"/>
-          <p:cNvSpPr>
-            <a:spLocks noGrp="1"/>
-          </p:cNvSpPr>
-          <p:nvPr>
-            <p:ph type="ctrTitle"/>
-          </p:nvPr>
-        </p:nvSpPr>
-        <p:spPr/>
-        <p:txBody>
-          <a:bodyPr/>
-          <a:lstStyle/>
-          <a:p>
-            <a:r>
-              <a:rPr kumimoji="1" lang="zh-TW" altLang="en-US" dirty="0"/>
-              <a:t>敏捷開發 </a:t>
-            </a:r>
-            <a:r>
-              <a:rPr kumimoji="1" lang="en-US" altLang="zh-TW" dirty="0"/>
-              <a:t>Scrum</a:t>
-            </a:r>
-            <a:endParaRPr kumimoji="1" lang="zh-TW" altLang="en-US" dirty="0"/>
-          </a:p>
-        </p:txBody>
-      </p:sp>
-    </p:spTree>
-    <p:extLst>
-      <p:ext uri="{BB962C8B-B14F-4D97-AF65-F5344CB8AC3E}">
-        <p14:creationId xmlns:p14="http://schemas.microsoft.com/office/powerpoint/2010/main" val="2235987171"/>
-      </p:ext>
-    </p:extLst>
-  </p:cSld>
-  <p:clrMapOvr>
-    <a:masterClrMapping/>
-  </p:clrMapOvr>
-  <mc:AlternateContent xmlns:mc="http://schemas.openxmlformats.org/markup-compatibility/2006" xmlns:p14="http://schemas.microsoft.com/office/powerpoint/2010/main">
-    <mc:Choice Requires="p14">
-      <p:transition spd="slow" p14:dur="2000" advTm="759"/>
-    </mc:Choice>
-    <mc:Fallback xmlns="">
-      <p:transition spd="slow" advTm="759"/>
-    </mc:Fallback>
-  </mc:AlternateContent>
-</p:sld>
-</file>
-
-<file path=ppt/slides/slide30.xml><?xml version="1.0" encoding="utf-8"?>
-<p:sld xmlns:a="http://schemas.openxmlformats.org/drawingml/2006/main" xmlns:r="http://schemas.openxmlformats.org/officeDocument/2006/relationships" xmlns:p="http://schemas.openxmlformats.org/presentationml/2006/main">
-  <p:cSld>
-    <p:spTree>
-      <p:nvGrpSpPr>
-        <p:cNvPr id="1" name=""/>
-        <p:cNvGrpSpPr/>
-        <p:nvPr/>
-      </p:nvGrpSpPr>
-      <p:grpSpPr>
-        <a:xfrm>
-          <a:off x="0" y="0"/>
-          <a:ext cx="0" cy="0"/>
-          <a:chOff x="0" y="0"/>
-          <a:chExt cx="0" cy="0"/>
-        </a:xfrm>
-      </p:grpSpPr>
-      <p:sp>
-        <p:nvSpPr>
-          <p:cNvPr id="12" name="流程圖: 程序 11">
-            <a:extLst>
-              <a:ext uri="{FF2B5EF4-FFF2-40B4-BE49-F238E27FC236}">
-                <a16:creationId xmlns:a16="http://schemas.microsoft.com/office/drawing/2014/main" id="{AF9ADD28-010D-4CDF-A7CB-635A2A09F33F}"/>
-              </a:ext>
-            </a:extLst>
-          </p:cNvPr>
-          <p:cNvSpPr/>
-          <p:nvPr/>
-        </p:nvSpPr>
-        <p:spPr>
-          <a:xfrm>
-            <a:off x="1256228" y="771550"/>
-            <a:ext cx="7697599" cy="4065015"/>
-          </a:xfrm>
-          <a:prstGeom prst="flowChartProcess">
-            <a:avLst/>
-          </a:prstGeom>
-          <a:noFill/>
-          <a:ln>
-            <a:noFill/>
-          </a:ln>
-        </p:spPr>
-        <p:style>
-          <a:lnRef idx="2">
-            <a:schemeClr val="accent1">
-              <a:shade val="50000"/>
-            </a:schemeClr>
-          </a:lnRef>
-          <a:fillRef idx="1">
-            <a:schemeClr val="accent1"/>
-          </a:fillRef>
-          <a:effectRef idx="0">
-            <a:schemeClr val="accent1"/>
-          </a:effectRef>
-          <a:fontRef idx="minor">
-            <a:schemeClr val="lt1"/>
-          </a:fontRef>
-        </p:style>
-        <p:txBody>
-          <a:bodyPr rtlCol="0" anchor="ctr"/>
-          <a:lstStyle/>
-          <a:p>
-            <a:pPr algn="ctr"/>
-            <a:endParaRPr lang="zh-TW" altLang="en-US">
-              <a:solidFill>
-                <a:schemeClr val="accent3">
-                  <a:lumMod val="75000"/>
-                </a:schemeClr>
-              </a:solidFill>
-            </a:endParaRPr>
-          </a:p>
-        </p:txBody>
-      </p:sp>
-      <p:sp>
-        <p:nvSpPr>
-          <p:cNvPr id="9" name="標題 8"/>
-          <p:cNvSpPr>
-            <a:spLocks noGrp="1"/>
-          </p:cNvSpPr>
-          <p:nvPr>
-            <p:ph type="title"/>
-          </p:nvPr>
-        </p:nvSpPr>
-        <p:spPr/>
-        <p:txBody>
-          <a:bodyPr/>
-          <a:lstStyle/>
-          <a:p>
-            <a:r>
-              <a:rPr lang="zh-TW" altLang="en-US" dirty="0"/>
-              <a:t>議價結果頁</a:t>
-            </a:r>
-          </a:p>
-        </p:txBody>
-      </p:sp>
-      <p:pic>
-        <p:nvPicPr>
-          <p:cNvPr id="3" name="圖片 2">
-            <a:extLst>
-              <a:ext uri="{FF2B5EF4-FFF2-40B4-BE49-F238E27FC236}">
-                <a16:creationId xmlns:a16="http://schemas.microsoft.com/office/drawing/2014/main" id="{A570AD2C-FF0D-4C0E-93E7-C62BBB2B4A96}"/>
-              </a:ext>
-            </a:extLst>
-          </p:cNvPr>
-          <p:cNvPicPr>
-            <a:picLocks noChangeAspect="1"/>
-          </p:cNvPicPr>
-          <p:nvPr/>
-        </p:nvPicPr>
-        <p:blipFill>
-          <a:blip r:embed="rId3">
-            <a:extLst>
-              <a:ext uri="{28A0092B-C50C-407E-A947-70E740481C1C}">
-                <a14:useLocalDpi xmlns:a14="http://schemas.microsoft.com/office/drawing/2010/main" val="0"/>
-              </a:ext>
-            </a:extLst>
-          </a:blip>
-          <a:stretch>
-            <a:fillRect/>
-          </a:stretch>
-        </p:blipFill>
-        <p:spPr>
-          <a:xfrm>
-            <a:off x="2063722" y="771550"/>
-            <a:ext cx="6082610" cy="4220587"/>
-          </a:xfrm>
-          <a:prstGeom prst="rect">
-            <a:avLst/>
-          </a:prstGeom>
-        </p:spPr>
-      </p:pic>
-    </p:spTree>
-    <p:extLst>
-      <p:ext uri="{BB962C8B-B14F-4D97-AF65-F5344CB8AC3E}">
-        <p14:creationId xmlns:p14="http://schemas.microsoft.com/office/powerpoint/2010/main" val="3330837595"/>
-      </p:ext>
-    </p:extLst>
-  </p:cSld>
-  <p:clrMapOvr>
-    <a:masterClrMapping/>
-  </p:clrMapOvr>
-</p:sld>
-</file>
-
-<file path=ppt/slides/slide31.xml><?xml version="1.0" encoding="utf-8"?>
-<p:sld xmlns:a="http://schemas.openxmlformats.org/drawingml/2006/main" xmlns:r="http://schemas.openxmlformats.org/officeDocument/2006/relationships" xmlns:p="http://schemas.openxmlformats.org/presentationml/2006/main">
-  <p:cSld>
-    <p:spTree>
-      <p:nvGrpSpPr>
-        <p:cNvPr id="1" name=""/>
-        <p:cNvGrpSpPr/>
-        <p:nvPr/>
-      </p:nvGrpSpPr>
-      <p:grpSpPr>
-        <a:xfrm>
-          <a:off x="0" y="0"/>
-          <a:ext cx="0" cy="0"/>
-          <a:chOff x="0" y="0"/>
-          <a:chExt cx="0" cy="0"/>
-        </a:xfrm>
-      </p:grpSpPr>
-      <p:sp>
-        <p:nvSpPr>
-          <p:cNvPr id="5" name="標題 4"/>
-          <p:cNvSpPr>
-            <a:spLocks noGrp="1"/>
-          </p:cNvSpPr>
-          <p:nvPr>
-            <p:ph type="ctrTitle"/>
-          </p:nvPr>
-        </p:nvSpPr>
-        <p:spPr/>
-        <p:txBody>
-          <a:bodyPr/>
-          <a:lstStyle/>
-          <a:p>
-            <a:r>
-              <a:rPr lang="en-US" altLang="zh-TW" b="0" dirty="0"/>
-              <a:t>Single sign-on</a:t>
-            </a:r>
-            <a:r>
-              <a:rPr lang="zh-TW" altLang="en-US" b="0" dirty="0"/>
-              <a:t> </a:t>
-            </a:r>
-            <a:endParaRPr lang="zh-TW" altLang="en-US" dirty="0"/>
-          </a:p>
-        </p:txBody>
-      </p:sp>
-      <p:sp>
-        <p:nvSpPr>
-          <p:cNvPr id="6" name="內容版面配置區 5"/>
-          <p:cNvSpPr>
-            <a:spLocks noGrp="1"/>
-          </p:cNvSpPr>
-          <p:nvPr>
-            <p:ph sz="half" idx="1"/>
-          </p:nvPr>
-        </p:nvSpPr>
-        <p:spPr/>
-        <p:txBody>
-          <a:bodyPr/>
-          <a:lstStyle/>
-          <a:p>
-            <a:endParaRPr lang="zh-TW" altLang="en-US" dirty="0"/>
-          </a:p>
-        </p:txBody>
-      </p:sp>
-      <p:sp>
-        <p:nvSpPr>
-          <p:cNvPr id="4" name="投影片編號版面配置區 3">
-            <a:extLst>
-              <a:ext uri="{FF2B5EF4-FFF2-40B4-BE49-F238E27FC236}">
-                <a16:creationId xmlns:a16="http://schemas.microsoft.com/office/drawing/2014/main" id="{47113876-7C73-4798-AE39-E183725FD5C9}"/>
-              </a:ext>
-            </a:extLst>
-          </p:cNvPr>
-          <p:cNvSpPr>
-            <a:spLocks noGrp="1"/>
-          </p:cNvSpPr>
-          <p:nvPr>
-            <p:ph type="sldNum" sz="quarter" idx="4294967295"/>
-          </p:nvPr>
-        </p:nvSpPr>
-        <p:spPr>
-          <a:xfrm>
-            <a:off x="8658225" y="4714875"/>
-            <a:ext cx="485775" cy="285750"/>
-          </a:xfrm>
-        </p:spPr>
-        <p:txBody>
-          <a:bodyPr/>
-          <a:lstStyle/>
-          <a:p>
-            <a:fld id="{ADAF07C5-463E-4746-8662-F9EAE6427DB3}" type="slidenum">
-              <a:rPr lang="zh-TW" altLang="en-US" smtClean="0"/>
-              <a:pPr/>
-              <a:t>31</a:t>
-            </a:fld>
-            <a:endParaRPr lang="zh-TW" altLang="en-US" dirty="0"/>
-          </a:p>
-        </p:txBody>
-      </p:sp>
-    </p:spTree>
-    <p:extLst>
-      <p:ext uri="{BB962C8B-B14F-4D97-AF65-F5344CB8AC3E}">
-        <p14:creationId xmlns:p14="http://schemas.microsoft.com/office/powerpoint/2010/main" val="3012235453"/>
-      </p:ext>
-    </p:extLst>
-  </p:cSld>
-  <p:clrMapOvr>
-    <a:masterClrMapping/>
-  </p:clrMapOvr>
-</p:sld>
-</file>
-
-<file path=ppt/slides/slide32.xml><?xml version="1.0" encoding="utf-8"?>
-<p:sld xmlns:a="http://schemas.openxmlformats.org/drawingml/2006/main" xmlns:r="http://schemas.openxmlformats.org/officeDocument/2006/relationships" xmlns:p="http://schemas.openxmlformats.org/presentationml/2006/main">
-  <p:cSld>
-    <p:spTree>
-      <p:nvGrpSpPr>
-        <p:cNvPr id="1" name=""/>
-        <p:cNvGrpSpPr/>
-        <p:nvPr/>
-      </p:nvGrpSpPr>
-      <p:grpSpPr>
-        <a:xfrm>
-          <a:off x="0" y="0"/>
-          <a:ext cx="0" cy="0"/>
-          <a:chOff x="0" y="0"/>
-          <a:chExt cx="0" cy="0"/>
-        </a:xfrm>
-      </p:grpSpPr>
-      <p:sp>
-        <p:nvSpPr>
-          <p:cNvPr id="2" name="標題 1"/>
-          <p:cNvSpPr>
-            <a:spLocks noGrp="1"/>
-          </p:cNvSpPr>
-          <p:nvPr>
-            <p:ph type="title"/>
-          </p:nvPr>
-        </p:nvSpPr>
-        <p:spPr/>
-        <p:txBody>
-          <a:bodyPr/>
-          <a:lstStyle/>
-          <a:p>
-            <a:r>
-              <a:rPr lang="en-US" altLang="zh-TW" b="0" dirty="0"/>
-              <a:t>Single sign-on</a:t>
-            </a:r>
-            <a:endParaRPr lang="zh-TW" altLang="en-US" dirty="0"/>
-          </a:p>
-        </p:txBody>
-      </p:sp>
-      <p:sp>
-        <p:nvSpPr>
-          <p:cNvPr id="3" name="內容版面配置區 2"/>
-          <p:cNvSpPr>
-            <a:spLocks noGrp="1"/>
-          </p:cNvSpPr>
-          <p:nvPr>
-            <p:ph sz="half" idx="1"/>
-          </p:nvPr>
-        </p:nvSpPr>
-        <p:spPr/>
-        <p:txBody>
-          <a:bodyPr>
-            <a:normAutofit fontScale="92500" lnSpcReduction="10000"/>
-          </a:bodyPr>
-          <a:lstStyle/>
-          <a:p>
-            <a:r>
-              <a:rPr lang="zh-TW" altLang="en-US" dirty="0">
-                <a:latin typeface="+mj-ea"/>
-                <a:ea typeface="+mj-ea"/>
-              </a:rPr>
-              <a:t>目的</a:t>
-            </a:r>
-            <a:endParaRPr lang="en-US" altLang="zh-TW" dirty="0">
-              <a:latin typeface="+mj-ea"/>
-              <a:ea typeface="+mj-ea"/>
-            </a:endParaRPr>
-          </a:p>
-          <a:p>
-            <a:pPr lvl="1"/>
-            <a:r>
-              <a:rPr lang="zh-TW" altLang="en-US" b="0" i="0" dirty="0">
-                <a:solidFill>
-                  <a:srgbClr val="202122"/>
-                </a:solidFill>
-                <a:effectLst/>
-                <a:latin typeface="Arial" panose="020B0604020202020204" pitchFamily="34" charset="0"/>
-              </a:rPr>
-              <a:t>不用對每個單一系統都逐一登入</a:t>
-            </a:r>
-            <a:endParaRPr lang="en-US" altLang="zh-TW" b="0" i="0" dirty="0">
-              <a:solidFill>
-                <a:srgbClr val="202122"/>
-              </a:solidFill>
-              <a:effectLst/>
-              <a:latin typeface="Arial" panose="020B0604020202020204" pitchFamily="34" charset="0"/>
-            </a:endParaRPr>
-          </a:p>
-          <a:p>
-            <a:r>
-              <a:rPr lang="zh-TW" altLang="en-US" dirty="0"/>
-              <a:t>優點</a:t>
-            </a:r>
-            <a:endParaRPr lang="en-US" altLang="zh-TW" dirty="0"/>
-          </a:p>
-          <a:p>
-            <a:pPr lvl="1"/>
-            <a:r>
-              <a:rPr lang="zh-TW" altLang="en-US" dirty="0"/>
-              <a:t>減少釣魚網站成功的機會</a:t>
-            </a:r>
-            <a:endParaRPr lang="en-US" altLang="zh-TW" dirty="0"/>
-          </a:p>
-          <a:p>
-            <a:pPr lvl="1"/>
-            <a:r>
-              <a:rPr lang="zh-TW" altLang="en-US" dirty="0"/>
-              <a:t>減少因密碼組數太多造成遺忘的困擾</a:t>
-            </a:r>
-            <a:endParaRPr lang="en-US" altLang="zh-TW" dirty="0"/>
-          </a:p>
-          <a:p>
-            <a:pPr lvl="1" algn="l"/>
-            <a:r>
-              <a:rPr lang="zh-TW" altLang="en-US" dirty="0"/>
-              <a:t>減少為相同的身分重新輸入密碼所花費的時間。</a:t>
-            </a:r>
-            <a:endParaRPr lang="en-US" altLang="zh-TW" dirty="0"/>
-          </a:p>
-          <a:p>
-            <a:r>
-              <a:rPr lang="zh-TW" altLang="en-US" dirty="0"/>
-              <a:t>缺點</a:t>
-            </a:r>
-            <a:endParaRPr lang="en-US" altLang="zh-TW" dirty="0"/>
-          </a:p>
-          <a:p>
-            <a:pPr lvl="1"/>
-            <a:r>
-              <a:rPr lang="zh-TW" altLang="en-US" dirty="0"/>
-              <a:t>登入之後所有系統都可以使用</a:t>
-            </a:r>
-          </a:p>
-        </p:txBody>
-      </p:sp>
-      <p:sp>
-        <p:nvSpPr>
-          <p:cNvPr id="5" name="投影片編號版面配置區 4"/>
-          <p:cNvSpPr>
-            <a:spLocks noGrp="1"/>
-          </p:cNvSpPr>
-          <p:nvPr>
-            <p:ph type="sldNum" sz="quarter" idx="4"/>
-          </p:nvPr>
-        </p:nvSpPr>
-        <p:spPr/>
-        <p:txBody>
-          <a:bodyPr/>
-          <a:lstStyle/>
-          <a:p>
-            <a:fld id="{ADAF07C5-463E-4746-8662-F9EAE6427DB3}" type="slidenum">
-              <a:rPr lang="zh-TW" altLang="en-US" smtClean="0"/>
-              <a:pPr/>
-              <a:t>32</a:t>
-            </a:fld>
-            <a:endParaRPr lang="zh-TW" altLang="en-US" dirty="0"/>
-          </a:p>
-        </p:txBody>
-      </p:sp>
-    </p:spTree>
-    <p:extLst>
-      <p:ext uri="{BB962C8B-B14F-4D97-AF65-F5344CB8AC3E}">
-        <p14:creationId xmlns:p14="http://schemas.microsoft.com/office/powerpoint/2010/main" val="4063467775"/>
-      </p:ext>
-    </p:extLst>
-  </p:cSld>
-  <p:clrMapOvr>
-    <a:masterClrMapping/>
-  </p:clrMapOvr>
-</p:sld>
-</file>
-
-<file path=ppt/slides/slide33.xml><?xml version="1.0" encoding="utf-8"?>
-<p:sld xmlns:a="http://schemas.openxmlformats.org/drawingml/2006/main" xmlns:r="http://schemas.openxmlformats.org/officeDocument/2006/relationships" xmlns:p="http://schemas.openxmlformats.org/presentationml/2006/main">
-  <p:cSld>
-    <p:spTree>
-      <p:nvGrpSpPr>
-        <p:cNvPr id="1" name=""/>
-        <p:cNvGrpSpPr/>
-        <p:nvPr/>
-      </p:nvGrpSpPr>
-      <p:grpSpPr>
-        <a:xfrm>
-          <a:off x="0" y="0"/>
-          <a:ext cx="0" cy="0"/>
-          <a:chOff x="0" y="0"/>
-          <a:chExt cx="0" cy="0"/>
-        </a:xfrm>
-      </p:grpSpPr>
-      <p:sp>
-        <p:nvSpPr>
           <p:cNvPr id="2" name="標題 1"/>
           <p:cNvSpPr>
             <a:spLocks noGrp="1"/>
@@ -15743,7 +12197,7 @@
             <a:pPr lvl="1"/>
             <a:r>
               <a:rPr lang="zh-TW" altLang="en-US" dirty="0"/>
-              <a:t>國壽泰人壽</a:t>
+              <a:t>國泰人壽</a:t>
             </a:r>
             <a:endParaRPr lang="en-US" altLang="zh-TW" dirty="0"/>
           </a:p>
@@ -15751,7 +12205,7 @@
             <a:pPr lvl="1"/>
             <a:r>
               <a:rPr lang="zh-TW" altLang="en-US" dirty="0"/>
-              <a:t>產險</a:t>
+              <a:t>國泰產險</a:t>
             </a:r>
             <a:endParaRPr lang="en-US" altLang="zh-TW" dirty="0"/>
           </a:p>
@@ -15775,7 +12229,7 @@
             <a:fld id="{ADAF07C5-463E-4746-8662-F9EAE6427DB3}" type="slidenum">
               <a:rPr lang="zh-TW" altLang="en-US" smtClean="0"/>
               <a:pPr/>
-              <a:t>33</a:t>
+              <a:t>20</a:t>
             </a:fld>
             <a:endParaRPr lang="zh-TW" altLang="en-US" dirty="0"/>
           </a:p>
@@ -15794,7 +12248,7 @@
 </p:sld>
 </file>
 
-<file path=ppt/slides/slide34.xml><?xml version="1.0" encoding="utf-8"?>
+<file path=ppt/slides/slide21.xml><?xml version="1.0" encoding="utf-8"?>
 <p:sld xmlns:a="http://schemas.openxmlformats.org/drawingml/2006/main" xmlns:r="http://schemas.openxmlformats.org/officeDocument/2006/relationships" xmlns:p="http://schemas.openxmlformats.org/presentationml/2006/main">
   <p:cSld>
     <p:spTree>
@@ -15915,7 +12369,7 @@
 </p:sld>
 </file>
 
-<file path=ppt/slides/slide35.xml><?xml version="1.0" encoding="utf-8"?>
+<file path=ppt/slides/slide22.xml><?xml version="1.0" encoding="utf-8"?>
 <p:sld xmlns:a="http://schemas.openxmlformats.org/drawingml/2006/main" xmlns:r="http://schemas.openxmlformats.org/officeDocument/2006/relationships" xmlns:p="http://schemas.openxmlformats.org/presentationml/2006/main">
   <p:cSld>
     <p:spTree>
@@ -16015,8 +12469,8 @@
         </p:blipFill>
         <p:spPr>
           <a:xfrm>
-            <a:off x="661758" y="987574"/>
-            <a:ext cx="7820484" cy="3640431"/>
+            <a:off x="438374" y="987574"/>
+            <a:ext cx="8043868" cy="3744416"/>
           </a:xfrm>
           <a:prstGeom prst="rect">
             <a:avLst/>
@@ -16036,7 +12490,7 @@
 </p:sld>
 </file>
 
-<file path=ppt/slides/slide36.xml><?xml version="1.0" encoding="utf-8"?>
+<file path=ppt/slides/slide23.xml><?xml version="1.0" encoding="utf-8"?>
 <p:sld xmlns:a="http://schemas.openxmlformats.org/drawingml/2006/main" xmlns:r="http://schemas.openxmlformats.org/officeDocument/2006/relationships" xmlns:p="http://schemas.openxmlformats.org/presentationml/2006/main">
   <p:cSld>
     <p:spTree>
@@ -16055,18 +12509,12 @@
       </p:grpSpPr>
       <p:sp>
         <p:nvSpPr>
-          <p:cNvPr id="2" name="標題 1">
-            <a:extLst>
-              <a:ext uri="{FF2B5EF4-FFF2-40B4-BE49-F238E27FC236}">
-                <a16:creationId xmlns:a16="http://schemas.microsoft.com/office/drawing/2014/main" id="{C9D74EEA-C3D1-41FC-A681-1CA46860FD07}"/>
-              </a:ext>
-            </a:extLst>
-          </p:cNvPr>
-          <p:cNvSpPr>
-            <a:spLocks noGrp="1"/>
-          </p:cNvSpPr>
-          <p:nvPr>
-            <p:ph type="title"/>
+          <p:cNvPr id="6" name="標題 5"/>
+          <p:cNvSpPr>
+            <a:spLocks noGrp="1"/>
+          </p:cNvSpPr>
+          <p:nvPr>
+            <p:ph type="ctrTitle"/>
           </p:nvPr>
         </p:nvSpPr>
         <p:spPr/>
@@ -16075,12 +12523,24 @@
           <a:lstStyle/>
           <a:p>
             <a:r>
-              <a:rPr lang="zh-TW" altLang="en-US" dirty="0"/>
-              <a:t>網銀拉皮</a:t>
-            </a:r>
-            <a:r>
               <a:rPr lang="en-US" altLang="zh-TW" dirty="0"/>
-              <a:t>-JS-CSS</a:t>
+              <a:t>Q</a:t>
+            </a:r>
+            <a:r>
+              <a:rPr lang="zh-TW" altLang="en-US" dirty="0"/>
+              <a:t> </a:t>
+            </a:r>
+            <a:r>
+              <a:rPr lang="en-US" altLang="zh-TW" dirty="0"/>
+              <a:t>&amp;</a:t>
+            </a:r>
+            <a:r>
+              <a:rPr lang="zh-TW" altLang="en-US" dirty="0"/>
+              <a:t> </a:t>
+            </a:r>
+            <a:r>
+              <a:rPr lang="en-US" altLang="zh-TW" dirty="0"/>
+              <a:t>A</a:t>
             </a:r>
             <a:endParaRPr lang="zh-TW" altLang="en-US" dirty="0"/>
           </a:p>
@@ -16088,153 +12548,20 @@
       </p:sp>
       <p:sp>
         <p:nvSpPr>
-          <p:cNvPr id="3" name="內容版面配置區 2">
-            <a:extLst>
-              <a:ext uri="{FF2B5EF4-FFF2-40B4-BE49-F238E27FC236}">
-                <a16:creationId xmlns:a16="http://schemas.microsoft.com/office/drawing/2014/main" id="{062F218E-1FA7-4EF4-BE7A-8E8DA1E66111}"/>
-              </a:ext>
-            </a:extLst>
-          </p:cNvPr>
-          <p:cNvSpPr>
-            <a:spLocks noGrp="1"/>
-          </p:cNvSpPr>
-          <p:nvPr>
-            <p:ph sz="half" idx="1"/>
-          </p:nvPr>
-        </p:nvSpPr>
-        <p:spPr/>
-        <p:txBody>
-          <a:bodyPr/>
-          <a:lstStyle/>
-          <a:p>
-            <a:r>
-              <a:rPr lang="zh-TW" altLang="en-US" dirty="0"/>
-              <a:t>新畫面</a:t>
-            </a:r>
-            <a:endParaRPr lang="en-US" altLang="zh-TW" dirty="0"/>
-          </a:p>
-          <a:p>
-            <a:pPr lvl="1"/>
-            <a:r>
-              <a:rPr lang="en-US" altLang="zh-TW" b="0" i="0" dirty="0">
-                <a:solidFill>
-                  <a:srgbClr val="333333"/>
-                </a:solidFill>
-                <a:effectLst/>
-                <a:latin typeface="-apple-system"/>
-              </a:rPr>
-              <a:t>CUB </a:t>
-            </a:r>
-            <a:r>
-              <a:rPr lang="zh-TW" altLang="en-US" b="0" i="0" dirty="0">
-                <a:solidFill>
-                  <a:srgbClr val="333333"/>
-                </a:solidFill>
-                <a:effectLst/>
-                <a:latin typeface="-apple-system"/>
-              </a:rPr>
-              <a:t>相關</a:t>
-            </a:r>
-            <a:endParaRPr lang="en-US" altLang="zh-TW" b="0" i="0" dirty="0">
-              <a:solidFill>
-                <a:srgbClr val="333333"/>
-              </a:solidFill>
-              <a:effectLst/>
-              <a:latin typeface="-apple-system"/>
-            </a:endParaRPr>
-          </a:p>
-          <a:p>
-            <a:r>
-              <a:rPr lang="zh-TW" altLang="en-US" dirty="0">
-                <a:solidFill>
-                  <a:srgbClr val="333333"/>
-                </a:solidFill>
-                <a:latin typeface="-apple-system"/>
-              </a:rPr>
-              <a:t>舊畫面</a:t>
-            </a:r>
-            <a:endParaRPr lang="en-US" altLang="zh-TW" dirty="0">
-              <a:solidFill>
-                <a:srgbClr val="333333"/>
-              </a:solidFill>
-              <a:latin typeface="-apple-system"/>
-            </a:endParaRPr>
-          </a:p>
-          <a:p>
-            <a:pPr lvl="1"/>
-            <a:r>
-              <a:rPr lang="en-US" altLang="zh-TW" b="0" i="0" dirty="0">
-                <a:solidFill>
-                  <a:srgbClr val="333333"/>
-                </a:solidFill>
-                <a:effectLst/>
-                <a:latin typeface="-apple-system"/>
-              </a:rPr>
-              <a:t>Normal </a:t>
-            </a:r>
-          </a:p>
-          <a:p>
-            <a:pPr lvl="1"/>
-            <a:r>
-              <a:rPr lang="en-US" altLang="zh-TW" b="0" i="0" dirty="0">
-                <a:solidFill>
-                  <a:srgbClr val="333333"/>
-                </a:solidFill>
-                <a:effectLst/>
-                <a:latin typeface="-apple-system"/>
-              </a:rPr>
-              <a:t>Outer </a:t>
-            </a:r>
-            <a:endParaRPr lang="zh-TW" altLang="en-US" dirty="0"/>
-          </a:p>
-        </p:txBody>
-      </p:sp>
-      <p:sp>
-        <p:nvSpPr>
-          <p:cNvPr id="4" name="頁尾版面配置區 3">
-            <a:extLst>
-              <a:ext uri="{FF2B5EF4-FFF2-40B4-BE49-F238E27FC236}">
-                <a16:creationId xmlns:a16="http://schemas.microsoft.com/office/drawing/2014/main" id="{AAEA3FB5-237F-4B84-ABDF-14725027B160}"/>
-              </a:ext>
-            </a:extLst>
-          </p:cNvPr>
-          <p:cNvSpPr>
-            <a:spLocks noGrp="1"/>
-          </p:cNvSpPr>
-          <p:nvPr>
-            <p:ph type="ftr" sz="quarter" idx="3"/>
-          </p:nvPr>
-        </p:nvSpPr>
-        <p:spPr/>
-        <p:txBody>
-          <a:bodyPr/>
-          <a:lstStyle/>
-          <a:p>
-            <a:r>
-              <a:rPr lang="en-US" altLang="zh-TW"/>
-              <a:t>Presentation Sample</a:t>
-            </a:r>
-            <a:endParaRPr lang="zh-TW" altLang="en-US" dirty="0"/>
-          </a:p>
-        </p:txBody>
-      </p:sp>
-      <p:sp>
-        <p:nvSpPr>
-          <p:cNvPr id="5" name="投影片編號版面配置區 4">
-            <a:extLst>
-              <a:ext uri="{FF2B5EF4-FFF2-40B4-BE49-F238E27FC236}">
-                <a16:creationId xmlns:a16="http://schemas.microsoft.com/office/drawing/2014/main" id="{FA3635AB-7179-4A17-B1BC-9FBC30D8C667}"/>
-              </a:ext>
-            </a:extLst>
-          </p:cNvPr>
-          <p:cNvSpPr>
-            <a:spLocks noGrp="1"/>
-          </p:cNvSpPr>
-          <p:nvPr>
-            <p:ph type="sldNum" sz="quarter" idx="4"/>
-          </p:nvPr>
-        </p:nvSpPr>
-        <p:spPr/>
+          <p:cNvPr id="5" name="投影片編號版面配置區 4"/>
+          <p:cNvSpPr>
+            <a:spLocks noGrp="1"/>
+          </p:cNvSpPr>
+          <p:nvPr>
+            <p:ph type="sldNum" sz="quarter" idx="4294967295"/>
+          </p:nvPr>
+        </p:nvSpPr>
+        <p:spPr>
+          <a:xfrm>
+            <a:off x="8658225" y="4714875"/>
+            <a:ext cx="485775" cy="285750"/>
+          </a:xfrm>
+        </p:spPr>
         <p:txBody>
           <a:bodyPr/>
           <a:lstStyle/>
@@ -16242,46 +12569,16 @@
             <a:fld id="{ADAF07C5-463E-4746-8662-F9EAE6427DB3}" type="slidenum">
               <a:rPr lang="zh-TW" altLang="en-US" smtClean="0"/>
               <a:pPr/>
-              <a:t>36</a:t>
+              <a:t>23</a:t>
             </a:fld>
             <a:endParaRPr lang="zh-TW" altLang="en-US" dirty="0"/>
           </a:p>
         </p:txBody>
       </p:sp>
-      <p:pic>
-        <p:nvPicPr>
-          <p:cNvPr id="7" name="圖片 6">
-            <a:extLst>
-              <a:ext uri="{FF2B5EF4-FFF2-40B4-BE49-F238E27FC236}">
-                <a16:creationId xmlns:a16="http://schemas.microsoft.com/office/drawing/2014/main" id="{6DC28A9C-D454-4920-A4A6-38B50AD91508}"/>
-              </a:ext>
-            </a:extLst>
-          </p:cNvPr>
-          <p:cNvPicPr>
-            <a:picLocks noChangeAspect="1"/>
-          </p:cNvPicPr>
-          <p:nvPr/>
-        </p:nvPicPr>
-        <p:blipFill>
-          <a:blip r:embed="rId3"/>
-          <a:stretch>
-            <a:fillRect/>
-          </a:stretch>
-        </p:blipFill>
-        <p:spPr>
-          <a:xfrm>
-            <a:off x="3851920" y="699542"/>
-            <a:ext cx="1532386" cy="4083918"/>
-          </a:xfrm>
-          <a:prstGeom prst="rect">
-            <a:avLst/>
-          </a:prstGeom>
-        </p:spPr>
-      </p:pic>
     </p:spTree>
     <p:extLst>
       <p:ext uri="{BB962C8B-B14F-4D97-AF65-F5344CB8AC3E}">
-        <p14:creationId xmlns:p14="http://schemas.microsoft.com/office/powerpoint/2010/main" val="3281401475"/>
+        <p14:creationId xmlns:p14="http://schemas.microsoft.com/office/powerpoint/2010/main" val="474719183"/>
       </p:ext>
     </p:extLst>
   </p:cSld>
@@ -16291,7 +12588,7 @@
 </p:sld>
 </file>
 
-<file path=ppt/slides/slide37.xml><?xml version="1.0" encoding="utf-8"?>
+<file path=ppt/slides/slide3.xml><?xml version="1.0" encoding="utf-8"?>
 <p:sld xmlns:a="http://schemas.openxmlformats.org/drawingml/2006/main" xmlns:r="http://schemas.openxmlformats.org/officeDocument/2006/relationships" xmlns:p="http://schemas.openxmlformats.org/presentationml/2006/main">
   <p:cSld>
     <p:spTree>
@@ -16310,18 +12607,12 @@
       </p:grpSpPr>
       <p:sp>
         <p:nvSpPr>
-          <p:cNvPr id="2" name="標題 1">
-            <a:extLst>
-              <a:ext uri="{FF2B5EF4-FFF2-40B4-BE49-F238E27FC236}">
-                <a16:creationId xmlns:a16="http://schemas.microsoft.com/office/drawing/2014/main" id="{C9D74EEA-C3D1-41FC-A681-1CA46860FD07}"/>
-              </a:ext>
-            </a:extLst>
-          </p:cNvPr>
-          <p:cNvSpPr>
-            <a:spLocks noGrp="1"/>
-          </p:cNvSpPr>
-          <p:nvPr>
-            <p:ph type="title"/>
+          <p:cNvPr id="2" name="標題 1"/>
+          <p:cNvSpPr>
+            <a:spLocks noGrp="1"/>
+          </p:cNvSpPr>
+          <p:nvPr>
+            <p:ph type="ctrTitle"/>
           </p:nvPr>
         </p:nvSpPr>
         <p:spPr/>
@@ -16330,563 +12621,35 @@
           <a:lstStyle/>
           <a:p>
             <a:r>
-              <a:rPr lang="zh-TW" altLang="en-US" dirty="0"/>
-              <a:t>網銀拉皮</a:t>
-            </a:r>
-            <a:r>
-              <a:rPr lang="en-US" altLang="zh-TW" dirty="0"/>
-              <a:t>-</a:t>
-            </a:r>
-            <a:r>
-              <a:rPr lang="en-US" altLang="zh-TW" b="1" i="0" dirty="0">
-                <a:solidFill>
-                  <a:srgbClr val="333333"/>
-                </a:solidFill>
-                <a:effectLst/>
-                <a:latin typeface="-apple-system"/>
-              </a:rPr>
-              <a:t>Coding Style</a:t>
-            </a:r>
-            <a:endParaRPr lang="zh-TW" altLang="en-US" dirty="0"/>
-          </a:p>
-        </p:txBody>
-      </p:sp>
-      <p:sp>
-        <p:nvSpPr>
-          <p:cNvPr id="3" name="內容版面配置區 2">
-            <a:extLst>
-              <a:ext uri="{FF2B5EF4-FFF2-40B4-BE49-F238E27FC236}">
-                <a16:creationId xmlns:a16="http://schemas.microsoft.com/office/drawing/2014/main" id="{062F218E-1FA7-4EF4-BE7A-8E8DA1E66111}"/>
-              </a:ext>
-            </a:extLst>
-          </p:cNvPr>
-          <p:cNvSpPr>
-            <a:spLocks noGrp="1"/>
-          </p:cNvSpPr>
-          <p:nvPr>
-            <p:ph sz="half" idx="1"/>
-          </p:nvPr>
-        </p:nvSpPr>
-        <p:spPr/>
-        <p:txBody>
-          <a:bodyPr/>
-          <a:lstStyle/>
-          <a:p>
-            <a:pPr algn="l"/>
-            <a:r>
-              <a:rPr lang="en-US" altLang="zh-TW" b="1" i="0" dirty="0">
-                <a:solidFill>
-                  <a:srgbClr val="333333"/>
-                </a:solidFill>
-                <a:effectLst/>
-                <a:latin typeface="-apple-system"/>
-              </a:rPr>
-              <a:t>Coding Style</a:t>
-            </a:r>
-          </a:p>
-          <a:p>
-            <a:pPr lvl="1" algn="l">
-              <a:buFont typeface="Arial" panose="020B0604020202020204" pitchFamily="34" charset="0"/>
-              <a:buChar char="•"/>
-            </a:pPr>
-            <a:r>
-              <a:rPr lang="en-US" altLang="zh-TW" b="0" i="0" dirty="0">
-                <a:solidFill>
-                  <a:srgbClr val="333333"/>
-                </a:solidFill>
-                <a:effectLst/>
-                <a:latin typeface="-apple-system"/>
-              </a:rPr>
-              <a:t>Layout</a:t>
-            </a:r>
-          </a:p>
-          <a:p>
-            <a:pPr lvl="2" indent="-285750" algn="l">
-              <a:buFont typeface="Arial" panose="020B0604020202020204" pitchFamily="34" charset="0"/>
-              <a:buChar char="•"/>
-            </a:pPr>
-            <a:r>
-              <a:rPr lang="zh-TW" altLang="en-US" b="0" i="0" dirty="0">
-                <a:solidFill>
-                  <a:srgbClr val="333333"/>
-                </a:solidFill>
-                <a:effectLst/>
-                <a:latin typeface="-apple-system"/>
-              </a:rPr>
-              <a:t>初始頁套用 </a:t>
-            </a:r>
-            <a:r>
-              <a:rPr lang="en-US" altLang="zh-TW" b="0" i="0" dirty="0" err="1">
-                <a:solidFill>
-                  <a:srgbClr val="333333"/>
-                </a:solidFill>
-                <a:effectLst/>
-                <a:latin typeface="-apple-system"/>
-              </a:rPr>
-              <a:t>CUBBaseWidgetLayout</a:t>
-            </a:r>
-            <a:endParaRPr lang="en-US" altLang="zh-TW" b="0" i="0" dirty="0">
-              <a:solidFill>
-                <a:srgbClr val="333333"/>
-              </a:solidFill>
-              <a:effectLst/>
-              <a:latin typeface="-apple-system"/>
-            </a:endParaRPr>
-          </a:p>
-          <a:p>
-            <a:pPr lvl="2" indent="-285750" algn="l">
-              <a:buFont typeface="Arial" panose="020B0604020202020204" pitchFamily="34" charset="0"/>
-              <a:buChar char="•"/>
-            </a:pPr>
-            <a:r>
-              <a:rPr lang="zh-TW" altLang="en-US" b="0" i="0" dirty="0">
-                <a:solidFill>
-                  <a:srgbClr val="333333"/>
-                </a:solidFill>
-                <a:effectLst/>
-                <a:latin typeface="-apple-system"/>
-              </a:rPr>
-              <a:t>其餘皆為 </a:t>
-            </a:r>
-            <a:r>
-              <a:rPr lang="en-US" altLang="zh-TW" b="0" i="0" dirty="0" err="1">
-                <a:solidFill>
-                  <a:srgbClr val="333333"/>
-                </a:solidFill>
-                <a:effectLst/>
-                <a:latin typeface="-apple-system"/>
-              </a:rPr>
-              <a:t>CUBLibInitLayout</a:t>
-            </a:r>
-            <a:endParaRPr lang="en-US" altLang="zh-TW" b="0" i="0" dirty="0">
-              <a:solidFill>
-                <a:srgbClr val="333333"/>
-              </a:solidFill>
-              <a:effectLst/>
-              <a:latin typeface="-apple-system"/>
-            </a:endParaRPr>
-          </a:p>
-          <a:p>
-            <a:pPr lvl="1" algn="l">
-              <a:buFont typeface="Arial" panose="020B0604020202020204" pitchFamily="34" charset="0"/>
-              <a:buChar char="•"/>
-            </a:pPr>
-            <a:r>
-              <a:rPr lang="zh-TW" altLang="en-US" b="0" i="0" dirty="0">
-                <a:solidFill>
-                  <a:srgbClr val="333333"/>
-                </a:solidFill>
-                <a:effectLst/>
-                <a:latin typeface="-apple-system"/>
-              </a:rPr>
-              <a:t>使用初始頁，透過</a:t>
-            </a:r>
-            <a:r>
-              <a:rPr lang="en-US" altLang="zh-TW" b="0" i="0" dirty="0">
-                <a:solidFill>
-                  <a:srgbClr val="333333"/>
-                </a:solidFill>
-                <a:effectLst/>
-                <a:latin typeface="-apple-system"/>
-              </a:rPr>
-              <a:t>Ajax</a:t>
-            </a:r>
-            <a:r>
-              <a:rPr lang="zh-TW" altLang="en-US" b="0" i="0" dirty="0">
-                <a:solidFill>
-                  <a:srgbClr val="333333"/>
-                </a:solidFill>
-                <a:effectLst/>
-                <a:latin typeface="-apple-system"/>
-              </a:rPr>
-              <a:t>替換下一頁內容</a:t>
-            </a:r>
-            <a:endParaRPr lang="en-US" altLang="zh-TW" dirty="0">
-              <a:solidFill>
-                <a:srgbClr val="333333"/>
-              </a:solidFill>
-              <a:latin typeface="-apple-system"/>
-            </a:endParaRPr>
-          </a:p>
-          <a:p>
-            <a:pPr lvl="1" algn="l">
-              <a:buFont typeface="Arial" panose="020B0604020202020204" pitchFamily="34" charset="0"/>
-              <a:buChar char="•"/>
-            </a:pPr>
-            <a:r>
-              <a:rPr lang="zh-TW" altLang="en-US" b="0" i="0" dirty="0">
-                <a:solidFill>
-                  <a:srgbClr val="333333"/>
-                </a:solidFill>
-                <a:effectLst/>
-                <a:latin typeface="-apple-system"/>
-              </a:rPr>
-              <a:t>使用共用元件</a:t>
-            </a:r>
-            <a:endParaRPr lang="en-US" altLang="zh-TW" b="0" i="0" dirty="0">
-              <a:solidFill>
-                <a:srgbClr val="333333"/>
-              </a:solidFill>
-              <a:effectLst/>
-              <a:latin typeface="-apple-system"/>
-            </a:endParaRPr>
-          </a:p>
-        </p:txBody>
-      </p:sp>
-      <p:sp>
-        <p:nvSpPr>
-          <p:cNvPr id="4" name="頁尾版面配置區 3">
-            <a:extLst>
-              <a:ext uri="{FF2B5EF4-FFF2-40B4-BE49-F238E27FC236}">
-                <a16:creationId xmlns:a16="http://schemas.microsoft.com/office/drawing/2014/main" id="{AAEA3FB5-237F-4B84-ABDF-14725027B160}"/>
-              </a:ext>
-            </a:extLst>
-          </p:cNvPr>
-          <p:cNvSpPr>
-            <a:spLocks noGrp="1"/>
-          </p:cNvSpPr>
-          <p:nvPr>
-            <p:ph type="ftr" sz="quarter" idx="3"/>
-          </p:nvPr>
-        </p:nvSpPr>
-        <p:spPr/>
-        <p:txBody>
-          <a:bodyPr/>
-          <a:lstStyle/>
-          <a:p>
-            <a:r>
-              <a:rPr lang="en-US" altLang="zh-TW"/>
-              <a:t>Presentation Sample</a:t>
-            </a:r>
-            <a:endParaRPr lang="zh-TW" altLang="en-US" dirty="0"/>
-          </a:p>
-        </p:txBody>
-      </p:sp>
-      <p:sp>
-        <p:nvSpPr>
-          <p:cNvPr id="5" name="投影片編號版面配置區 4">
-            <a:extLst>
-              <a:ext uri="{FF2B5EF4-FFF2-40B4-BE49-F238E27FC236}">
-                <a16:creationId xmlns:a16="http://schemas.microsoft.com/office/drawing/2014/main" id="{FA3635AB-7179-4A17-B1BC-9FBC30D8C667}"/>
-              </a:ext>
-            </a:extLst>
-          </p:cNvPr>
-          <p:cNvSpPr>
-            <a:spLocks noGrp="1"/>
-          </p:cNvSpPr>
-          <p:nvPr>
-            <p:ph type="sldNum" sz="quarter" idx="4"/>
-          </p:nvPr>
-        </p:nvSpPr>
-        <p:spPr/>
-        <p:txBody>
-          <a:bodyPr/>
-          <a:lstStyle/>
-          <a:p>
-            <a:fld id="{ADAF07C5-463E-4746-8662-F9EAE6427DB3}" type="slidenum">
-              <a:rPr lang="zh-TW" altLang="en-US" smtClean="0"/>
-              <a:pPr/>
-              <a:t>37</a:t>
-            </a:fld>
-            <a:endParaRPr lang="zh-TW" altLang="en-US" dirty="0"/>
-          </a:p>
-        </p:txBody>
-      </p:sp>
-      <p:pic>
-        <p:nvPicPr>
-          <p:cNvPr id="8" name="圖片 7">
-            <a:extLst>
-              <a:ext uri="{FF2B5EF4-FFF2-40B4-BE49-F238E27FC236}">
-                <a16:creationId xmlns:a16="http://schemas.microsoft.com/office/drawing/2014/main" id="{B6760512-7693-4628-8A9C-20193D17E304}"/>
-              </a:ext>
-            </a:extLst>
-          </p:cNvPr>
-          <p:cNvPicPr>
-            <a:picLocks noChangeAspect="1"/>
-          </p:cNvPicPr>
-          <p:nvPr/>
-        </p:nvPicPr>
-        <p:blipFill>
-          <a:blip r:embed="rId2"/>
-          <a:stretch>
-            <a:fillRect/>
-          </a:stretch>
-        </p:blipFill>
-        <p:spPr>
-          <a:xfrm>
-            <a:off x="5547012" y="1157287"/>
-            <a:ext cx="2619375" cy="2828925"/>
-          </a:xfrm>
-          <a:prstGeom prst="rect">
-            <a:avLst/>
-          </a:prstGeom>
-        </p:spPr>
-      </p:pic>
+              <a:rPr kumimoji="1" lang="zh-TW" altLang="en-US" dirty="0"/>
+              <a:t>敏捷開發 </a:t>
+            </a:r>
+            <a:r>
+              <a:rPr kumimoji="1" lang="en-US" altLang="zh-TW" dirty="0"/>
+              <a:t>Scrum</a:t>
+            </a:r>
+            <a:endParaRPr kumimoji="1" lang="zh-TW" altLang="en-US" dirty="0"/>
+          </a:p>
+        </p:txBody>
+      </p:sp>
     </p:spTree>
     <p:extLst>
       <p:ext uri="{BB962C8B-B14F-4D97-AF65-F5344CB8AC3E}">
-        <p14:creationId xmlns:p14="http://schemas.microsoft.com/office/powerpoint/2010/main" val="1692819109"/>
+        <p14:creationId xmlns:p14="http://schemas.microsoft.com/office/powerpoint/2010/main" val="2235987171"/>
       </p:ext>
     </p:extLst>
   </p:cSld>
   <p:clrMapOvr>
     <a:masterClrMapping/>
   </p:clrMapOvr>
-</p:sld>
-</file>
-
-<file path=ppt/slides/slide38.xml><?xml version="1.0" encoding="utf-8"?>
-<p:sld xmlns:a="http://schemas.openxmlformats.org/drawingml/2006/main" xmlns:r="http://schemas.openxmlformats.org/officeDocument/2006/relationships" xmlns:p="http://schemas.openxmlformats.org/presentationml/2006/main">
-  <p:cSld>
-    <p:spTree>
-      <p:nvGrpSpPr>
-        <p:cNvPr id="1" name=""/>
-        <p:cNvGrpSpPr/>
-        <p:nvPr/>
-      </p:nvGrpSpPr>
-      <p:grpSpPr>
-        <a:xfrm>
-          <a:off x="0" y="0"/>
-          <a:ext cx="0" cy="0"/>
-          <a:chOff x="0" y="0"/>
-          <a:chExt cx="0" cy="0"/>
-        </a:xfrm>
-      </p:grpSpPr>
-      <p:sp>
-        <p:nvSpPr>
-          <p:cNvPr id="2" name="標題 1">
-            <a:extLst>
-              <a:ext uri="{FF2B5EF4-FFF2-40B4-BE49-F238E27FC236}">
-                <a16:creationId xmlns:a16="http://schemas.microsoft.com/office/drawing/2014/main" id="{C9D74EEA-C3D1-41FC-A681-1CA46860FD07}"/>
-              </a:ext>
-            </a:extLst>
-          </p:cNvPr>
-          <p:cNvSpPr>
-            <a:spLocks noGrp="1"/>
-          </p:cNvSpPr>
-          <p:nvPr>
-            <p:ph type="title"/>
-          </p:nvPr>
-        </p:nvSpPr>
-        <p:spPr/>
-        <p:txBody>
-          <a:bodyPr/>
-          <a:lstStyle/>
-          <a:p>
-            <a:r>
-              <a:rPr lang="zh-TW" altLang="en-US" dirty="0"/>
-              <a:t>網銀拉皮</a:t>
-            </a:r>
-            <a:r>
-              <a:rPr lang="en-US" altLang="zh-TW" dirty="0"/>
-              <a:t>-</a:t>
-            </a:r>
-            <a:r>
-              <a:rPr lang="zh-TW" altLang="en-US" dirty="0"/>
-              <a:t>從資料庫確認 是否為新版畫面</a:t>
-            </a:r>
-          </a:p>
-        </p:txBody>
-      </p:sp>
-      <p:sp>
-        <p:nvSpPr>
-          <p:cNvPr id="4" name="頁尾版面配置區 3">
-            <a:extLst>
-              <a:ext uri="{FF2B5EF4-FFF2-40B4-BE49-F238E27FC236}">
-                <a16:creationId xmlns:a16="http://schemas.microsoft.com/office/drawing/2014/main" id="{AAEA3FB5-237F-4B84-ABDF-14725027B160}"/>
-              </a:ext>
-            </a:extLst>
-          </p:cNvPr>
-          <p:cNvSpPr>
-            <a:spLocks noGrp="1"/>
-          </p:cNvSpPr>
-          <p:nvPr>
-            <p:ph type="ftr" sz="quarter" idx="3"/>
-          </p:nvPr>
-        </p:nvSpPr>
-        <p:spPr/>
-        <p:txBody>
-          <a:bodyPr/>
-          <a:lstStyle/>
-          <a:p>
-            <a:r>
-              <a:rPr lang="en-US" altLang="zh-TW"/>
-              <a:t>Presentation Sample</a:t>
-            </a:r>
-            <a:endParaRPr lang="zh-TW" altLang="en-US" dirty="0"/>
-          </a:p>
-        </p:txBody>
-      </p:sp>
-      <p:sp>
-        <p:nvSpPr>
-          <p:cNvPr id="5" name="投影片編號版面配置區 4">
-            <a:extLst>
-              <a:ext uri="{FF2B5EF4-FFF2-40B4-BE49-F238E27FC236}">
-                <a16:creationId xmlns:a16="http://schemas.microsoft.com/office/drawing/2014/main" id="{FA3635AB-7179-4A17-B1BC-9FBC30D8C667}"/>
-              </a:ext>
-            </a:extLst>
-          </p:cNvPr>
-          <p:cNvSpPr>
-            <a:spLocks noGrp="1"/>
-          </p:cNvSpPr>
-          <p:nvPr>
-            <p:ph type="sldNum" sz="quarter" idx="4"/>
-          </p:nvPr>
-        </p:nvSpPr>
-        <p:spPr/>
-        <p:txBody>
-          <a:bodyPr/>
-          <a:lstStyle/>
-          <a:p>
-            <a:fld id="{ADAF07C5-463E-4746-8662-F9EAE6427DB3}" type="slidenum">
-              <a:rPr lang="zh-TW" altLang="en-US" smtClean="0"/>
-              <a:pPr/>
-              <a:t>38</a:t>
-            </a:fld>
-            <a:endParaRPr lang="zh-TW" altLang="en-US" dirty="0"/>
-          </a:p>
-        </p:txBody>
-      </p:sp>
-      <p:pic>
-        <p:nvPicPr>
-          <p:cNvPr id="13" name="內容版面配置區 12">
-            <a:extLst>
-              <a:ext uri="{FF2B5EF4-FFF2-40B4-BE49-F238E27FC236}">
-                <a16:creationId xmlns:a16="http://schemas.microsoft.com/office/drawing/2014/main" id="{6A5EB34C-9569-4378-A778-70C934FA4A2B}"/>
-              </a:ext>
-            </a:extLst>
-          </p:cNvPr>
-          <p:cNvPicPr>
-            <a:picLocks noGrp="1" noChangeAspect="1"/>
-          </p:cNvPicPr>
-          <p:nvPr>
-            <p:ph sz="half" idx="1"/>
-          </p:nvPr>
-        </p:nvPicPr>
-        <p:blipFill>
-          <a:blip r:embed="rId2"/>
-          <a:stretch>
-            <a:fillRect/>
-          </a:stretch>
-        </p:blipFill>
-        <p:spPr>
-          <a:xfrm>
-            <a:off x="2603500" y="1079500"/>
-            <a:ext cx="3933825" cy="3200400"/>
-          </a:xfrm>
-          <a:prstGeom prst="rect">
-            <a:avLst/>
-          </a:prstGeom>
-        </p:spPr>
-      </p:pic>
-    </p:spTree>
-    <p:extLst>
-      <p:ext uri="{BB962C8B-B14F-4D97-AF65-F5344CB8AC3E}">
-        <p14:creationId xmlns:p14="http://schemas.microsoft.com/office/powerpoint/2010/main" val="1337312163"/>
-      </p:ext>
-    </p:extLst>
-  </p:cSld>
-  <p:clrMapOvr>
-    <a:masterClrMapping/>
-  </p:clrMapOvr>
-</p:sld>
-</file>
-
-<file path=ppt/slides/slide39.xml><?xml version="1.0" encoding="utf-8"?>
-<p:sld xmlns:a="http://schemas.openxmlformats.org/drawingml/2006/main" xmlns:r="http://schemas.openxmlformats.org/officeDocument/2006/relationships" xmlns:p="http://schemas.openxmlformats.org/presentationml/2006/main">
-  <p:cSld>
-    <p:spTree>
-      <p:nvGrpSpPr>
-        <p:cNvPr id="1" name=""/>
-        <p:cNvGrpSpPr/>
-        <p:nvPr/>
-      </p:nvGrpSpPr>
-      <p:grpSpPr>
-        <a:xfrm>
-          <a:off x="0" y="0"/>
-          <a:ext cx="0" cy="0"/>
-          <a:chOff x="0" y="0"/>
-          <a:chExt cx="0" cy="0"/>
-        </a:xfrm>
-      </p:grpSpPr>
-      <p:sp>
-        <p:nvSpPr>
-          <p:cNvPr id="6" name="標題 5"/>
-          <p:cNvSpPr>
-            <a:spLocks noGrp="1"/>
-          </p:cNvSpPr>
-          <p:nvPr>
-            <p:ph type="ctrTitle"/>
-          </p:nvPr>
-        </p:nvSpPr>
-        <p:spPr/>
-        <p:txBody>
-          <a:bodyPr/>
-          <a:lstStyle/>
-          <a:p>
-            <a:r>
-              <a:rPr lang="en-US" altLang="zh-TW" dirty="0"/>
-              <a:t>Q</a:t>
-            </a:r>
-            <a:r>
-              <a:rPr lang="zh-TW" altLang="en-US" dirty="0"/>
-              <a:t> </a:t>
-            </a:r>
-            <a:r>
-              <a:rPr lang="en-US" altLang="zh-TW" dirty="0"/>
-              <a:t>&amp;</a:t>
-            </a:r>
-            <a:r>
-              <a:rPr lang="zh-TW" altLang="en-US" dirty="0"/>
-              <a:t> </a:t>
-            </a:r>
-            <a:r>
-              <a:rPr lang="en-US" altLang="zh-TW" dirty="0"/>
-              <a:t>A</a:t>
-            </a:r>
-            <a:endParaRPr lang="zh-TW" altLang="en-US" dirty="0"/>
-          </a:p>
-        </p:txBody>
-      </p:sp>
-      <p:sp>
-        <p:nvSpPr>
-          <p:cNvPr id="5" name="投影片編號版面配置區 4"/>
-          <p:cNvSpPr>
-            <a:spLocks noGrp="1"/>
-          </p:cNvSpPr>
-          <p:nvPr>
-            <p:ph type="sldNum" sz="quarter" idx="4294967295"/>
-          </p:nvPr>
-        </p:nvSpPr>
-        <p:spPr>
-          <a:xfrm>
-            <a:off x="8658225" y="4714875"/>
-            <a:ext cx="485775" cy="285750"/>
-          </a:xfrm>
-        </p:spPr>
-        <p:txBody>
-          <a:bodyPr/>
-          <a:lstStyle/>
-          <a:p>
-            <a:fld id="{ADAF07C5-463E-4746-8662-F9EAE6427DB3}" type="slidenum">
-              <a:rPr lang="zh-TW" altLang="en-US" smtClean="0"/>
-              <a:pPr/>
-              <a:t>39</a:t>
-            </a:fld>
-            <a:endParaRPr lang="zh-TW" altLang="en-US" dirty="0"/>
-          </a:p>
-        </p:txBody>
-      </p:sp>
-    </p:spTree>
-    <p:extLst>
-      <p:ext uri="{BB962C8B-B14F-4D97-AF65-F5344CB8AC3E}">
-        <p14:creationId xmlns:p14="http://schemas.microsoft.com/office/powerpoint/2010/main" val="474719183"/>
-      </p:ext>
-    </p:extLst>
-  </p:cSld>
-  <p:clrMapOvr>
-    <a:masterClrMapping/>
-  </p:clrMapOvr>
+  <mc:AlternateContent xmlns:mc="http://schemas.openxmlformats.org/markup-compatibility/2006">
+    <mc:Choice xmlns:p14="http://schemas.microsoft.com/office/powerpoint/2010/main" Requires="p14">
+      <p:transition spd="slow" p14:dur="2000" advClick="0"/>
+    </mc:Choice>
+    <mc:Fallback>
+      <p:transition spd="slow" advClick="0"/>
+    </mc:Fallback>
+  </mc:AlternateContent>
 </p:sld>
 </file>
 
@@ -17019,10 +12782,10 @@
           </a:p>
           <a:p>
             <a:r>
-              <a:rPr lang="zh-TW" altLang="en-US" b="1" dirty="0"/>
+              <a:rPr lang="zh-TW" altLang="en-US" dirty="0"/>
               <a:t>更有彈性的去迎接改變</a:t>
             </a:r>
-            <a:endParaRPr lang="en-US" altLang="zh-TW" b="1" dirty="0"/>
+            <a:endParaRPr lang="en-US" altLang="zh-TW" dirty="0"/>
           </a:p>
         </p:txBody>
       </p:sp>
@@ -17134,65 +12897,65 @@
           <a:lstStyle/>
           <a:p>
             <a:r>
-              <a:rPr lang="zh-TW" altLang="en-US" b="1" dirty="0"/>
+              <a:rPr lang="zh-TW" altLang="en-US" dirty="0"/>
               <a:t>角色</a:t>
             </a:r>
-            <a:endParaRPr lang="en-US" altLang="zh-TW" b="1" dirty="0"/>
+            <a:endParaRPr lang="en-US" altLang="zh-TW" dirty="0"/>
           </a:p>
           <a:p>
             <a:pPr lvl="1"/>
             <a:r>
-              <a:rPr lang="en-US" altLang="zh-TW" b="1" dirty="0"/>
+              <a:rPr lang="en-US" altLang="zh-TW" dirty="0"/>
               <a:t>Scrum Master</a:t>
             </a:r>
           </a:p>
           <a:p>
             <a:pPr lvl="2"/>
             <a:r>
-              <a:rPr lang="zh-TW" altLang="en-US" b="1" dirty="0"/>
+              <a:rPr lang="zh-TW" altLang="en-US" dirty="0"/>
               <a:t>主持敏捷相關會議</a:t>
             </a:r>
-            <a:endParaRPr lang="en-US" altLang="zh-TW" b="1" dirty="0"/>
+            <a:endParaRPr lang="en-US" altLang="zh-TW" dirty="0"/>
           </a:p>
           <a:p>
             <a:pPr lvl="2"/>
             <a:r>
-              <a:rPr lang="zh-TW" altLang="en-US" b="1" dirty="0"/>
+              <a:rPr lang="zh-TW" altLang="en-US" dirty="0"/>
               <a:t>持續改善流程及幫助團隊解決問題</a:t>
             </a:r>
           </a:p>
           <a:p>
             <a:pPr lvl="1"/>
             <a:r>
-              <a:rPr lang="en-US" altLang="zh-TW" b="1" dirty="0"/>
+              <a:rPr lang="en-US" altLang="zh-TW" dirty="0"/>
               <a:t>Product Owner</a:t>
             </a:r>
           </a:p>
           <a:p>
             <a:pPr lvl="2"/>
             <a:r>
-              <a:rPr lang="zh-TW" altLang="en-US" b="1" dirty="0"/>
+              <a:rPr lang="zh-TW" altLang="en-US" dirty="0"/>
               <a:t>釐清需求</a:t>
             </a:r>
           </a:p>
           <a:p>
             <a:pPr lvl="2"/>
             <a:r>
-              <a:rPr lang="zh-TW" altLang="en-US" b="1" dirty="0"/>
+              <a:rPr lang="zh-TW" altLang="en-US" dirty="0"/>
               <a:t>決定需求的優先順序</a:t>
             </a:r>
           </a:p>
           <a:p>
             <a:pPr lvl="1"/>
             <a:r>
-              <a:rPr lang="en-US" altLang="zh-TW" b="1" dirty="0"/>
+              <a:rPr lang="en-US" altLang="zh-TW" dirty="0"/>
               <a:t>Scrum Team Member</a:t>
             </a:r>
           </a:p>
           <a:p>
             <a:pPr lvl="2"/>
             <a:r>
-              <a:rPr lang="zh-TW" altLang="en-US" b="1" dirty="0"/>
+              <a:rPr lang="zh-TW" altLang="en-US" dirty="0"/>
               <a:t>完成優先順序較高之任務</a:t>
             </a:r>
           </a:p>
@@ -17340,7 +13103,7 @@
         <p:spPr>
           <a:xfrm>
             <a:off x="395288" y="915988"/>
-            <a:ext cx="8350250" cy="3527425"/>
+            <a:ext cx="8350250" cy="3799485"/>
           </a:xfrm>
           <a:prstGeom prst="rect">
             <a:avLst/>
@@ -17348,7 +13111,7 @@
         </p:spPr>
         <p:txBody>
           <a:bodyPr vert="horz" lIns="91440" tIns="45720" rIns="91440" bIns="45720" rtlCol="0">
-            <a:normAutofit fontScale="85000" lnSpcReduction="20000"/>
+            <a:normAutofit fontScale="85000" lnSpcReduction="10000"/>
           </a:bodyPr>
           <a:lstStyle>
             <a:lvl1pPr marL="342900" indent="-342900" algn="just" defTabSz="914400" rtl="0" eaLnBrk="1" latinLnBrk="0" hangingPunct="1">
@@ -17538,107 +13301,104 @@
           <a:p>
             <a:pPr lvl="1"/>
             <a:r>
-              <a:rPr lang="en-US" altLang="zh-TW" b="1" dirty="0"/>
+              <a:rPr lang="en-US" altLang="zh-TW" sz="1900" dirty="0"/>
               <a:t>Planning Meeting</a:t>
             </a:r>
           </a:p>
           <a:p>
             <a:pPr lvl="2"/>
             <a:r>
-              <a:rPr lang="zh-TW" altLang="en-US" b="1" dirty="0"/>
+              <a:rPr lang="zh-TW" altLang="en-US" dirty="0"/>
               <a:t>每個 </a:t>
             </a:r>
             <a:r>
-              <a:rPr lang="en-US" altLang="zh-TW" b="1" dirty="0"/>
+              <a:rPr lang="en-US" altLang="zh-TW" dirty="0"/>
               <a:t>Sprint </a:t>
             </a:r>
             <a:r>
-              <a:rPr lang="zh-TW" altLang="en-US" b="1" dirty="0"/>
+              <a:rPr lang="zh-TW" altLang="en-US" dirty="0"/>
               <a:t>開始的會議</a:t>
             </a:r>
           </a:p>
           <a:p>
             <a:pPr lvl="2"/>
             <a:r>
-              <a:rPr lang="zh-TW" altLang="en-US" b="1" dirty="0"/>
+              <a:rPr lang="zh-TW" altLang="en-US" dirty="0"/>
               <a:t>會在會議中了解該 </a:t>
             </a:r>
             <a:r>
-              <a:rPr lang="en-US" altLang="zh-TW" b="1" dirty="0"/>
+              <a:rPr lang="en-US" altLang="zh-TW" dirty="0"/>
               <a:t>Sprint </a:t>
             </a:r>
             <a:r>
-              <a:rPr lang="zh-TW" altLang="en-US" b="1" dirty="0"/>
+              <a:rPr lang="zh-TW" altLang="en-US" dirty="0"/>
               <a:t>所要進行的 </a:t>
             </a:r>
             <a:r>
-              <a:rPr lang="en-US" altLang="zh-TW" b="1" dirty="0"/>
+              <a:rPr lang="en-US" altLang="zh-TW" dirty="0"/>
               <a:t>User Story </a:t>
             </a:r>
           </a:p>
           <a:p>
             <a:pPr lvl="2"/>
             <a:r>
-              <a:rPr lang="zh-TW" altLang="en-US" b="1" dirty="0"/>
+              <a:rPr lang="zh-TW" altLang="en-US" dirty="0"/>
               <a:t>請大家估算該 </a:t>
             </a:r>
             <a:r>
-              <a:rPr lang="en-US" altLang="zh-TW" b="1" dirty="0"/>
+              <a:rPr lang="en-US" altLang="zh-TW" dirty="0"/>
               <a:t>User Story </a:t>
             </a:r>
             <a:r>
-              <a:rPr lang="zh-TW" altLang="en-US" b="1" dirty="0"/>
+              <a:rPr lang="zh-TW" altLang="en-US" dirty="0"/>
               <a:t>所應花費的 </a:t>
             </a:r>
             <a:r>
-              <a:rPr lang="en-US" altLang="zh-TW" b="1" dirty="0"/>
+              <a:rPr lang="en-US" altLang="zh-TW" dirty="0"/>
               <a:t>Story point 0.5 ~ 3 </a:t>
             </a:r>
             <a:r>
-              <a:rPr lang="zh-TW" altLang="en-US" b="1" dirty="0"/>
+              <a:rPr lang="zh-TW" altLang="en-US" dirty="0"/>
               <a:t>點</a:t>
             </a:r>
           </a:p>
           <a:p>
             <a:pPr lvl="1"/>
             <a:r>
-              <a:rPr lang="en-US" altLang="zh-TW" b="1" dirty="0"/>
+              <a:rPr lang="en-US" altLang="zh-TW" sz="1900" dirty="0"/>
               <a:t>Stand-up Meeting</a:t>
             </a:r>
           </a:p>
           <a:p>
             <a:pPr lvl="2"/>
             <a:r>
-              <a:rPr lang="zh-TW" altLang="en-US" b="1" dirty="0"/>
-              <a:t>每日站力會議</a:t>
-            </a:r>
-            <a:endParaRPr lang="en-US" altLang="zh-TW" b="1" dirty="0"/>
+              <a:rPr lang="zh-TW" altLang="en-US" dirty="0"/>
+              <a:t>每日站立會議</a:t>
+            </a:r>
+            <a:endParaRPr lang="en-US" altLang="zh-TW" dirty="0"/>
           </a:p>
           <a:p>
             <a:pPr lvl="2"/>
             <a:r>
-              <a:rPr lang="zh-TW" altLang="en-US" b="1" dirty="0"/>
-              <a:t>上一個工作進度</a:t>
-            </a:r>
-          </a:p>
-          <a:p>
-            <a:pPr lvl="2"/>
-            <a:r>
-              <a:rPr lang="zh-TW" altLang="en-US" b="1" dirty="0"/>
-              <a:t>當日要進行的工作內容</a:t>
-            </a:r>
-          </a:p>
-          <a:p>
-            <a:pPr lvl="2"/>
-            <a:r>
-              <a:rPr lang="zh-TW" altLang="en-US" b="1" dirty="0"/>
-              <a:t>並提出目前遇到的問題，透過直接溝通，立即解決問題</a:t>
-            </a:r>
-            <a:endParaRPr lang="en-US" altLang="zh-TW" b="1" dirty="0">
-              <a:solidFill>
-                <a:srgbClr val="FF0000"/>
-              </a:solidFill>
-            </a:endParaRPr>
+              <a:rPr lang="zh-TW" altLang="en-US" dirty="0"/>
+              <a:t>昨天進度</a:t>
+            </a:r>
+          </a:p>
+          <a:p>
+            <a:pPr lvl="2" algn="l"/>
+            <a:r>
+              <a:rPr lang="zh-TW" altLang="en-US" dirty="0"/>
+              <a:t>今日進度</a:t>
+            </a:r>
+            <a:endParaRPr lang="en-US" altLang="zh-TW" dirty="0"/>
+          </a:p>
+          <a:p>
+            <a:pPr lvl="2" algn="l"/>
+            <a:r>
+              <a:rPr lang="zh-TW" altLang="en-US" dirty="0"/>
+              <a:t>有沒有遇到問題</a:t>
+            </a:r>
+            <a:endParaRPr lang="en-US" altLang="zh-TW" dirty="0"/>
           </a:p>
         </p:txBody>
       </p:sp>
@@ -17720,103 +13480,103 @@
           <a:lstStyle/>
           <a:p>
             <a:r>
-              <a:rPr lang="zh-TW" altLang="en-US" dirty="0"/>
+              <a:rPr lang="zh-TW" altLang="en-US" sz="2700" dirty="0"/>
               <a:t>團隊內的四個 </a:t>
             </a:r>
             <a:r>
-              <a:rPr lang="en-US" altLang="zh-TW" dirty="0"/>
+              <a:rPr lang="en-US" altLang="zh-TW" sz="2700" dirty="0"/>
               <a:t>Scrum </a:t>
             </a:r>
             <a:r>
-              <a:rPr lang="zh-TW" altLang="en-US" dirty="0"/>
+              <a:rPr lang="zh-TW" altLang="en-US" sz="2700" dirty="0"/>
               <a:t>會議 </a:t>
             </a:r>
-            <a:endParaRPr lang="en-US" altLang="zh-TW" dirty="0"/>
+            <a:endParaRPr lang="en-US" altLang="zh-TW" sz="2700" dirty="0"/>
           </a:p>
           <a:p>
             <a:pPr lvl="1"/>
             <a:r>
-              <a:rPr lang="en-US" altLang="zh-TW" dirty="0"/>
+              <a:rPr lang="en-US" altLang="zh-TW" sz="1700" dirty="0"/>
               <a:t>Review Meeting</a:t>
             </a:r>
           </a:p>
           <a:p>
             <a:pPr lvl="2"/>
             <a:r>
-              <a:rPr lang="zh-TW" altLang="en-US" dirty="0"/>
+              <a:rPr lang="zh-TW" altLang="en-US" sz="1500" dirty="0"/>
               <a:t>每個 </a:t>
             </a:r>
             <a:r>
-              <a:rPr lang="en-US" altLang="zh-TW" dirty="0"/>
+              <a:rPr lang="en-US" altLang="zh-TW" sz="1500" dirty="0"/>
               <a:t>Sprint </a:t>
             </a:r>
             <a:r>
-              <a:rPr lang="zh-TW" altLang="en-US" dirty="0"/>
+              <a:rPr lang="zh-TW" altLang="en-US" sz="1500" dirty="0"/>
               <a:t>最後一天進行的會議</a:t>
             </a:r>
           </a:p>
           <a:p>
             <a:pPr lvl="2"/>
             <a:r>
-              <a:rPr lang="zh-TW" altLang="en-US" dirty="0"/>
+              <a:rPr lang="zh-TW" altLang="en-US" sz="1500" dirty="0"/>
               <a:t>檢視該 </a:t>
             </a:r>
             <a:r>
-              <a:rPr lang="en-US" altLang="zh-TW" dirty="0"/>
+              <a:rPr lang="en-US" altLang="zh-TW" sz="1500" dirty="0"/>
               <a:t>Sprint </a:t>
             </a:r>
             <a:r>
-              <a:rPr lang="zh-TW" altLang="en-US" dirty="0"/>
+              <a:rPr lang="zh-TW" altLang="en-US" sz="1500" dirty="0"/>
               <a:t>所進行的項目及完成的情況</a:t>
             </a:r>
           </a:p>
           <a:p>
             <a:pPr lvl="2"/>
             <a:r>
-              <a:rPr lang="zh-TW" altLang="en-US" dirty="0"/>
+              <a:rPr lang="zh-TW" altLang="en-US" sz="1500" dirty="0"/>
               <a:t>檢討與修正 </a:t>
             </a:r>
             <a:r>
-              <a:rPr lang="en-US" altLang="zh-TW" dirty="0"/>
+              <a:rPr lang="en-US" altLang="zh-TW" sz="1500" dirty="0"/>
               <a:t>Sprint </a:t>
             </a:r>
             <a:r>
-              <a:rPr lang="zh-TW" altLang="en-US" dirty="0"/>
+              <a:rPr lang="zh-TW" altLang="en-US" sz="1500" dirty="0"/>
               <a:t>內所進行的任務</a:t>
             </a:r>
           </a:p>
           <a:p>
             <a:pPr lvl="2"/>
             <a:r>
-              <a:rPr lang="zh-TW" altLang="en-US" dirty="0"/>
+              <a:rPr lang="zh-TW" altLang="en-US" sz="1500" dirty="0"/>
               <a:t>工作上有沒有什麼要改善的</a:t>
             </a:r>
           </a:p>
           <a:p>
             <a:pPr lvl="1"/>
             <a:r>
-              <a:rPr lang="en-US" altLang="zh-TW" dirty="0"/>
+              <a:rPr lang="en-US" altLang="zh-TW" sz="1700" dirty="0"/>
               <a:t>Refine Meeting</a:t>
             </a:r>
           </a:p>
           <a:p>
             <a:pPr lvl="2"/>
             <a:r>
-              <a:rPr lang="zh-TW" altLang="en-US" dirty="0"/>
+              <a:rPr lang="zh-TW" altLang="en-US" sz="1500" dirty="0"/>
               <a:t>當有較大的需求，需要對需求輪廓、細節做完整的討論就會進行</a:t>
             </a:r>
           </a:p>
           <a:p>
             <a:pPr lvl="2"/>
             <a:r>
-              <a:rPr lang="zh-TW" altLang="en-US" dirty="0"/>
+              <a:rPr lang="zh-TW" altLang="en-US" sz="1500" dirty="0"/>
               <a:t>參與會議的同仁會包含需求單位以及 </a:t>
             </a:r>
             <a:r>
-              <a:rPr lang="en-US" altLang="zh-TW" dirty="0"/>
+              <a:rPr lang="en-US" altLang="zh-TW" sz="1500" dirty="0"/>
               <a:t>Scrum team</a:t>
             </a:r>
-            <a:endParaRPr lang="zh-TW" altLang="en-US" dirty="0"/>
+            <a:endParaRPr lang="zh-TW" altLang="en-US" sz="1500" dirty="0"/>
           </a:p>
         </p:txBody>
       </p:sp>
